--- a/毕业答辩PPT/新建 Microsoft PowerPoint 演示文稿.pptx
+++ b/毕业答辩PPT/新建 Microsoft PowerPoint 演示文稿.pptx
@@ -106,6 +106,11 @@
       </a:defRPr>
     </a:lvl9pPr>
   </p:defaultTextStyle>
+  <p:extLst>
+    <p:ext uri="{EFAFB233-063F-42B5-8137-9DF3F51BA10A}">
+      <p15:sldGuideLst xmlns:p15="http://schemas.microsoft.com/office/powerpoint/2012/main"/>
+    </p:ext>
+  </p:extLst>
 </p:presentation>
 </file>
 
@@ -256,7 +261,7 @@
           <a:p>
             <a:fld id="{85AF36E0-9C42-413C-AC3D-1BDC0B8B174E}" type="datetimeFigureOut">
               <a:rPr lang="zh-CN" altLang="en-US" smtClean="0"/>
-              <a:t>2018/5/24/Thu</a:t>
+              <a:t>2018/5/25/Fri</a:t>
             </a:fld>
             <a:endParaRPr lang="zh-CN" altLang="en-US"/>
           </a:p>
@@ -454,7 +459,7 @@
           <a:p>
             <a:fld id="{85AF36E0-9C42-413C-AC3D-1BDC0B8B174E}" type="datetimeFigureOut">
               <a:rPr lang="zh-CN" altLang="en-US" smtClean="0"/>
-              <a:t>2018/5/24/Thu</a:t>
+              <a:t>2018/5/25/Fri</a:t>
             </a:fld>
             <a:endParaRPr lang="zh-CN" altLang="en-US"/>
           </a:p>
@@ -662,7 +667,7 @@
           <a:p>
             <a:fld id="{85AF36E0-9C42-413C-AC3D-1BDC0B8B174E}" type="datetimeFigureOut">
               <a:rPr lang="zh-CN" altLang="en-US" smtClean="0"/>
-              <a:t>2018/5/24/Thu</a:t>
+              <a:t>2018/5/25/Fri</a:t>
             </a:fld>
             <a:endParaRPr lang="zh-CN" altLang="en-US"/>
           </a:p>
@@ -860,7 +865,7 @@
           <a:p>
             <a:fld id="{85AF36E0-9C42-413C-AC3D-1BDC0B8B174E}" type="datetimeFigureOut">
               <a:rPr lang="zh-CN" altLang="en-US" smtClean="0"/>
-              <a:t>2018/5/24/Thu</a:t>
+              <a:t>2018/5/25/Fri</a:t>
             </a:fld>
             <a:endParaRPr lang="zh-CN" altLang="en-US"/>
           </a:p>
@@ -1135,7 +1140,7 @@
           <a:p>
             <a:fld id="{85AF36E0-9C42-413C-AC3D-1BDC0B8B174E}" type="datetimeFigureOut">
               <a:rPr lang="zh-CN" altLang="en-US" smtClean="0"/>
-              <a:t>2018/5/24/Thu</a:t>
+              <a:t>2018/5/25/Fri</a:t>
             </a:fld>
             <a:endParaRPr lang="zh-CN" altLang="en-US"/>
           </a:p>
@@ -1400,7 +1405,7 @@
           <a:p>
             <a:fld id="{85AF36E0-9C42-413C-AC3D-1BDC0B8B174E}" type="datetimeFigureOut">
               <a:rPr lang="zh-CN" altLang="en-US" smtClean="0"/>
-              <a:t>2018/5/24/Thu</a:t>
+              <a:t>2018/5/25/Fri</a:t>
             </a:fld>
             <a:endParaRPr lang="zh-CN" altLang="en-US"/>
           </a:p>
@@ -1812,7 +1817,7 @@
           <a:p>
             <a:fld id="{85AF36E0-9C42-413C-AC3D-1BDC0B8B174E}" type="datetimeFigureOut">
               <a:rPr lang="zh-CN" altLang="en-US" smtClean="0"/>
-              <a:t>2018/5/24/Thu</a:t>
+              <a:t>2018/5/25/Fri</a:t>
             </a:fld>
             <a:endParaRPr lang="zh-CN" altLang="en-US"/>
           </a:p>
@@ -1953,7 +1958,7 @@
           <a:p>
             <a:fld id="{85AF36E0-9C42-413C-AC3D-1BDC0B8B174E}" type="datetimeFigureOut">
               <a:rPr lang="zh-CN" altLang="en-US" smtClean="0"/>
-              <a:t>2018/5/24/Thu</a:t>
+              <a:t>2018/5/25/Fri</a:t>
             </a:fld>
             <a:endParaRPr lang="zh-CN" altLang="en-US"/>
           </a:p>
@@ -2066,7 +2071,7 @@
           <a:p>
             <a:fld id="{85AF36E0-9C42-413C-AC3D-1BDC0B8B174E}" type="datetimeFigureOut">
               <a:rPr lang="zh-CN" altLang="en-US" smtClean="0"/>
-              <a:t>2018/5/24/Thu</a:t>
+              <a:t>2018/5/25/Fri</a:t>
             </a:fld>
             <a:endParaRPr lang="zh-CN" altLang="en-US"/>
           </a:p>
@@ -2377,7 +2382,7 @@
           <a:p>
             <a:fld id="{85AF36E0-9C42-413C-AC3D-1BDC0B8B174E}" type="datetimeFigureOut">
               <a:rPr lang="zh-CN" altLang="en-US" smtClean="0"/>
-              <a:t>2018/5/24/Thu</a:t>
+              <a:t>2018/5/25/Fri</a:t>
             </a:fld>
             <a:endParaRPr lang="zh-CN" altLang="en-US"/>
           </a:p>
@@ -2665,7 +2670,7 @@
           <a:p>
             <a:fld id="{85AF36E0-9C42-413C-AC3D-1BDC0B8B174E}" type="datetimeFigureOut">
               <a:rPr lang="zh-CN" altLang="en-US" smtClean="0"/>
-              <a:t>2018/5/24/Thu</a:t>
+              <a:t>2018/5/25/Fri</a:t>
             </a:fld>
             <a:endParaRPr lang="zh-CN" altLang="en-US"/>
           </a:p>
@@ -2906,7 +2911,7 @@
           <a:p>
             <a:fld id="{85AF36E0-9C42-413C-AC3D-1BDC0B8B174E}" type="datetimeFigureOut">
               <a:rPr lang="zh-CN" altLang="en-US" smtClean="0"/>
-              <a:t>2018/5/24/Thu</a:t>
+              <a:t>2018/5/25/Fri</a:t>
             </a:fld>
             <a:endParaRPr lang="zh-CN" altLang="en-US"/>
           </a:p>
@@ -3500,11 +3505,25 @@
           </a:xfrm>
         </p:spPr>
         <p:txBody>
-          <a:bodyPr/>
+          <a:bodyPr>
+            <a:normAutofit/>
+          </a:bodyPr>
           <a:lstStyle/>
           <a:p>
             <a:pPr algn="l"/>
-            <a:endParaRPr lang="zh-CN" altLang="en-US" dirty="0"/>
+            <a:r>
+              <a:rPr lang="en-US" altLang="zh-CN" sz="1800" dirty="0"/>
+              <a:t>1</a:t>
+            </a:r>
+            <a:r>
+              <a:rPr lang="zh-CN" altLang="en-US" sz="1800" dirty="0"/>
+              <a:t>、制造业是我国大力发展的</a:t>
+            </a:r>
+            <a:r>
+              <a:rPr lang="zh-CN" altLang="en-US" sz="1800"/>
+              <a:t>支柱产业，在经济全球化影响下，制造业面临着激烈的竞争，各国正重塑制造业发展模式，出台各种制造业创新举措</a:t>
+            </a:r>
+            <a:endParaRPr lang="zh-CN" altLang="en-US" sz="1800" dirty="0"/>
           </a:p>
         </p:txBody>
       </p:sp>

--- a/毕业答辩PPT/新建 Microsoft PowerPoint 演示文稿.pptx
+++ b/毕业答辩PPT/新建 Microsoft PowerPoint 演示文稿.pptx
@@ -8,6 +8,8 @@
     <p:sldId id="256" r:id="rId2"/>
     <p:sldId id="258" r:id="rId3"/>
     <p:sldId id="257" r:id="rId4"/>
+    <p:sldId id="259" r:id="rId5"/>
+    <p:sldId id="260" r:id="rId6"/>
   </p:sldIdLst>
   <p:sldSz cx="12192000" cy="6858000"/>
   <p:notesSz cx="6858000" cy="9144000"/>
@@ -261,7 +263,7 @@
           <a:p>
             <a:fld id="{85AF36E0-9C42-413C-AC3D-1BDC0B8B174E}" type="datetimeFigureOut">
               <a:rPr lang="zh-CN" altLang="en-US" smtClean="0"/>
-              <a:t>2018/5/25/Fri</a:t>
+              <a:t>2018/5/25</a:t>
             </a:fld>
             <a:endParaRPr lang="zh-CN" altLang="en-US"/>
           </a:p>
@@ -459,7 +461,7 @@
           <a:p>
             <a:fld id="{85AF36E0-9C42-413C-AC3D-1BDC0B8B174E}" type="datetimeFigureOut">
               <a:rPr lang="zh-CN" altLang="en-US" smtClean="0"/>
-              <a:t>2018/5/25/Fri</a:t>
+              <a:t>2018/5/25</a:t>
             </a:fld>
             <a:endParaRPr lang="zh-CN" altLang="en-US"/>
           </a:p>
@@ -667,7 +669,7 @@
           <a:p>
             <a:fld id="{85AF36E0-9C42-413C-AC3D-1BDC0B8B174E}" type="datetimeFigureOut">
               <a:rPr lang="zh-CN" altLang="en-US" smtClean="0"/>
-              <a:t>2018/5/25/Fri</a:t>
+              <a:t>2018/5/25</a:t>
             </a:fld>
             <a:endParaRPr lang="zh-CN" altLang="en-US"/>
           </a:p>
@@ -865,7 +867,7 @@
           <a:p>
             <a:fld id="{85AF36E0-9C42-413C-AC3D-1BDC0B8B174E}" type="datetimeFigureOut">
               <a:rPr lang="zh-CN" altLang="en-US" smtClean="0"/>
-              <a:t>2018/5/25/Fri</a:t>
+              <a:t>2018/5/25</a:t>
             </a:fld>
             <a:endParaRPr lang="zh-CN" altLang="en-US"/>
           </a:p>
@@ -1140,7 +1142,7 @@
           <a:p>
             <a:fld id="{85AF36E0-9C42-413C-AC3D-1BDC0B8B174E}" type="datetimeFigureOut">
               <a:rPr lang="zh-CN" altLang="en-US" smtClean="0"/>
-              <a:t>2018/5/25/Fri</a:t>
+              <a:t>2018/5/25</a:t>
             </a:fld>
             <a:endParaRPr lang="zh-CN" altLang="en-US"/>
           </a:p>
@@ -1405,7 +1407,7 @@
           <a:p>
             <a:fld id="{85AF36E0-9C42-413C-AC3D-1BDC0B8B174E}" type="datetimeFigureOut">
               <a:rPr lang="zh-CN" altLang="en-US" smtClean="0"/>
-              <a:t>2018/5/25/Fri</a:t>
+              <a:t>2018/5/25</a:t>
             </a:fld>
             <a:endParaRPr lang="zh-CN" altLang="en-US"/>
           </a:p>
@@ -1817,7 +1819,7 @@
           <a:p>
             <a:fld id="{85AF36E0-9C42-413C-AC3D-1BDC0B8B174E}" type="datetimeFigureOut">
               <a:rPr lang="zh-CN" altLang="en-US" smtClean="0"/>
-              <a:t>2018/5/25/Fri</a:t>
+              <a:t>2018/5/25</a:t>
             </a:fld>
             <a:endParaRPr lang="zh-CN" altLang="en-US"/>
           </a:p>
@@ -1958,7 +1960,7 @@
           <a:p>
             <a:fld id="{85AF36E0-9C42-413C-AC3D-1BDC0B8B174E}" type="datetimeFigureOut">
               <a:rPr lang="zh-CN" altLang="en-US" smtClean="0"/>
-              <a:t>2018/5/25/Fri</a:t>
+              <a:t>2018/5/25</a:t>
             </a:fld>
             <a:endParaRPr lang="zh-CN" altLang="en-US"/>
           </a:p>
@@ -2071,7 +2073,7 @@
           <a:p>
             <a:fld id="{85AF36E0-9C42-413C-AC3D-1BDC0B8B174E}" type="datetimeFigureOut">
               <a:rPr lang="zh-CN" altLang="en-US" smtClean="0"/>
-              <a:t>2018/5/25/Fri</a:t>
+              <a:t>2018/5/25</a:t>
             </a:fld>
             <a:endParaRPr lang="zh-CN" altLang="en-US"/>
           </a:p>
@@ -2382,7 +2384,7 @@
           <a:p>
             <a:fld id="{85AF36E0-9C42-413C-AC3D-1BDC0B8B174E}" type="datetimeFigureOut">
               <a:rPr lang="zh-CN" altLang="en-US" smtClean="0"/>
-              <a:t>2018/5/25/Fri</a:t>
+              <a:t>2018/5/25</a:t>
             </a:fld>
             <a:endParaRPr lang="zh-CN" altLang="en-US"/>
           </a:p>
@@ -2670,7 +2672,7 @@
           <a:p>
             <a:fld id="{85AF36E0-9C42-413C-AC3D-1BDC0B8B174E}" type="datetimeFigureOut">
               <a:rPr lang="zh-CN" altLang="en-US" smtClean="0"/>
-              <a:t>2018/5/25/Fri</a:t>
+              <a:t>2018/5/25</a:t>
             </a:fld>
             <a:endParaRPr lang="zh-CN" altLang="en-US"/>
           </a:p>
@@ -2911,7 +2913,7 @@
           <a:p>
             <a:fld id="{85AF36E0-9C42-413C-AC3D-1BDC0B8B174E}" type="datetimeFigureOut">
               <a:rPr lang="zh-CN" altLang="en-US" smtClean="0"/>
-              <a:t>2018/5/25/Fri</a:t>
+              <a:t>2018/5/25</a:t>
             </a:fld>
             <a:endParaRPr lang="zh-CN" altLang="en-US"/>
           </a:p>
@@ -3500,8 +3502,8 @@
         </p:nvSpPr>
         <p:spPr>
           <a:xfrm>
-            <a:off x="1029810" y="479394"/>
-            <a:ext cx="9638190" cy="4778406"/>
+            <a:off x="1029810" y="479393"/>
+            <a:ext cx="9638190" cy="701337"/>
           </a:xfrm>
         </p:spPr>
         <p:txBody>
@@ -3517,20 +3519,343 @@
             </a:r>
             <a:r>
               <a:rPr lang="zh-CN" altLang="en-US" sz="1800" dirty="0"/>
-              <a:t>、制造业是我国大力发展的</a:t>
-            </a:r>
-            <a:r>
-              <a:rPr lang="zh-CN" altLang="en-US" sz="1800"/>
-              <a:t>支柱产业，在经济全球化影响下，制造业面临着激烈的竞争，各国正重塑制造业发展模式，出台各种制造业创新举措</a:t>
-            </a:r>
+              <a:t>、制造业是我国大力发展的支柱产业，在经济全球化影响下，制造业面临着激烈的竞争，各国正重塑制造业发展模式，出台各种制造业创新举措。</a:t>
+            </a:r>
+            <a:endParaRPr lang="en-US" altLang="zh-CN" sz="1800" dirty="0"/>
+          </a:p>
+          <a:p>
+            <a:pPr algn="l"/>
+            <a:endParaRPr lang="en-US" altLang="zh-CN" sz="1800" dirty="0"/>
+          </a:p>
+          <a:p>
+            <a:pPr algn="l"/>
+            <a:endParaRPr lang="en-US" altLang="zh-CN" sz="1800" dirty="0"/>
+          </a:p>
+          <a:p>
+            <a:pPr algn="l"/>
+            <a:endParaRPr lang="en-US" altLang="zh-CN" sz="1800" dirty="0"/>
+          </a:p>
+          <a:p>
+            <a:pPr algn="l"/>
+            <a:endParaRPr lang="en-US" altLang="zh-CN" sz="1800" dirty="0"/>
+          </a:p>
+          <a:p>
+            <a:pPr algn="l"/>
+            <a:endParaRPr lang="en-US" altLang="zh-CN" sz="1800" dirty="0"/>
+          </a:p>
+          <a:p>
+            <a:pPr algn="l"/>
+            <a:endParaRPr lang="en-US" altLang="zh-CN" sz="1800" dirty="0"/>
+          </a:p>
+          <a:p>
+            <a:pPr algn="l"/>
+            <a:endParaRPr lang="en-US" altLang="zh-CN" sz="1800" dirty="0"/>
+          </a:p>
+          <a:p>
+            <a:pPr algn="l"/>
+            <a:endParaRPr lang="en-US" altLang="zh-CN" sz="1800" dirty="0"/>
+          </a:p>
+          <a:p>
+            <a:pPr algn="l"/>
+            <a:endParaRPr lang="en-US" altLang="zh-CN" sz="1800" dirty="0"/>
+          </a:p>
+          <a:p>
+            <a:pPr algn="l"/>
             <a:endParaRPr lang="zh-CN" altLang="en-US" sz="1800" dirty="0"/>
           </a:p>
         </p:txBody>
       </p:sp>
+      <p:pic>
+        <p:nvPicPr>
+          <p:cNvPr id="2" name="图片 1">
+            <a:extLst>
+              <a:ext uri="{FF2B5EF4-FFF2-40B4-BE49-F238E27FC236}">
+                <a16:creationId xmlns:a16="http://schemas.microsoft.com/office/drawing/2014/main" id="{2AC93DC0-980F-41F6-82B3-69370B736731}"/>
+              </a:ext>
+            </a:extLst>
+          </p:cNvPr>
+          <p:cNvPicPr>
+            <a:picLocks noChangeAspect="1"/>
+          </p:cNvPicPr>
+          <p:nvPr/>
+        </p:nvPicPr>
+        <p:blipFill>
+          <a:blip r:embed="rId2"/>
+          <a:stretch>
+            <a:fillRect/>
+          </a:stretch>
+        </p:blipFill>
+        <p:spPr>
+          <a:xfrm>
+            <a:off x="2796466" y="1041533"/>
+            <a:ext cx="6228471" cy="4506780"/>
+          </a:xfrm>
+          <a:prstGeom prst="rect">
+            <a:avLst/>
+          </a:prstGeom>
+        </p:spPr>
+      </p:pic>
     </p:spTree>
     <p:extLst>
       <p:ext uri="{BB962C8B-B14F-4D97-AF65-F5344CB8AC3E}">
         <p14:creationId xmlns:p14="http://schemas.microsoft.com/office/powerpoint/2010/main" val="1042871917"/>
+      </p:ext>
+    </p:extLst>
+  </p:cSld>
+  <p:clrMapOvr>
+    <a:masterClrMapping/>
+  </p:clrMapOvr>
+</p:sld>
+</file>
+
+<file path=ppt/slides/slide4.xml><?xml version="1.0" encoding="utf-8"?>
+<p:sld xmlns:a="http://schemas.openxmlformats.org/drawingml/2006/main" xmlns:r="http://schemas.openxmlformats.org/officeDocument/2006/relationships" xmlns:p="http://schemas.openxmlformats.org/presentationml/2006/main">
+  <p:cSld>
+    <p:spTree>
+      <p:nvGrpSpPr>
+        <p:cNvPr id="1" name=""/>
+        <p:cNvGrpSpPr/>
+        <p:nvPr/>
+      </p:nvGrpSpPr>
+      <p:grpSpPr>
+        <a:xfrm>
+          <a:off x="0" y="0"/>
+          <a:ext cx="0" cy="0"/>
+          <a:chOff x="0" y="0"/>
+          <a:chExt cx="0" cy="0"/>
+        </a:xfrm>
+      </p:grpSpPr>
+      <p:sp>
+        <p:nvSpPr>
+          <p:cNvPr id="8" name="副标题 2">
+            <a:extLst>
+              <a:ext uri="{FF2B5EF4-FFF2-40B4-BE49-F238E27FC236}">
+                <a16:creationId xmlns:a16="http://schemas.microsoft.com/office/drawing/2014/main" id="{9CFD6E50-AA4E-4C30-9601-D0B17FC987E2}"/>
+              </a:ext>
+            </a:extLst>
+          </p:cNvPr>
+          <p:cNvSpPr>
+            <a:spLocks noGrp="1"/>
+          </p:cNvSpPr>
+          <p:nvPr>
+            <p:ph type="subTitle" idx="1"/>
+          </p:nvPr>
+        </p:nvSpPr>
+        <p:spPr>
+          <a:xfrm>
+            <a:off x="976544" y="479393"/>
+            <a:ext cx="9691456" cy="4545368"/>
+          </a:xfrm>
+        </p:spPr>
+        <p:txBody>
+          <a:bodyPr>
+            <a:normAutofit fontScale="92500" lnSpcReduction="10000"/>
+          </a:bodyPr>
+          <a:lstStyle/>
+          <a:p>
+            <a:pPr algn="l"/>
+            <a:r>
+              <a:rPr lang="zh-CN" altLang="en-US" sz="1800" dirty="0"/>
+              <a:t>我国和国外制造业相比，还有着巨大的差距，普遍存在以下问题：</a:t>
+            </a:r>
+            <a:endParaRPr lang="en-US" altLang="zh-CN" sz="1800" dirty="0"/>
+          </a:p>
+          <a:p>
+            <a:pPr algn="l"/>
+            <a:r>
+              <a:rPr lang="en-US" altLang="zh-CN" sz="1800" dirty="0"/>
+              <a:t>1</a:t>
+            </a:r>
+            <a:r>
+              <a:rPr lang="zh-CN" altLang="en-US" sz="1800" dirty="0"/>
+              <a:t>、生产模式向面向订单的小批量多品种甚至是单件定制化生产转变，企业需要最大限度地满足客户需求成为在众多企业激烈竞争中立足并取胜的关键。</a:t>
+            </a:r>
+            <a:r>
+              <a:rPr lang="zh-CN" altLang="zh-CN" sz="1800" dirty="0"/>
+              <a:t>产品功能和结构的升级，因此产品在工艺规划上具备更多的柔性，单一的资源配置和生产方式无法满足柔性生产的需求，这对企业在生产调度的效率和质量上有了更高的要求。</a:t>
+            </a:r>
+          </a:p>
+          <a:p>
+            <a:pPr algn="l"/>
+            <a:r>
+              <a:rPr lang="en-US" altLang="zh-CN" sz="1800" dirty="0"/>
+              <a:t>2</a:t>
+            </a:r>
+            <a:r>
+              <a:rPr lang="zh-CN" altLang="en-US" sz="1800" dirty="0"/>
+              <a:t>、在制造全球化的影响下，</a:t>
+            </a:r>
+            <a:r>
+              <a:rPr lang="zh-CN" altLang="zh-CN" sz="1800" dirty="0"/>
+              <a:t>制造业的生产服务对象的范围扩大到世界各地，企业在生产上的控制方式从集中控制式向分布式转变</a:t>
+            </a:r>
+            <a:r>
+              <a:rPr lang="zh-CN" altLang="en-US" sz="1800" dirty="0"/>
+              <a:t>，企业需要综合利用异地性的人才、设备和技术，提高资源利用率。</a:t>
+            </a:r>
+            <a:endParaRPr lang="en-US" altLang="zh-CN" sz="1800" dirty="0"/>
+          </a:p>
+          <a:p>
+            <a:pPr algn="l"/>
+            <a:r>
+              <a:rPr lang="en-US" altLang="zh-CN" sz="1800" dirty="0"/>
+              <a:t>3</a:t>
+            </a:r>
+            <a:r>
+              <a:rPr lang="zh-CN" altLang="en-US" sz="1800" dirty="0"/>
+              <a:t>、</a:t>
+            </a:r>
+            <a:r>
+              <a:rPr lang="zh-CN" altLang="zh-CN" sz="1800" dirty="0"/>
+              <a:t>企业所处的生产环境充满动态不确定性，如紧急订单、订单撤销、原料紧缺、设备故障等多种异常因素，严重干扰企业正常的生产调度</a:t>
+            </a:r>
+            <a:r>
+              <a:rPr lang="zh-CN" altLang="en-US" sz="1800" dirty="0"/>
+              <a:t>。</a:t>
+            </a:r>
+            <a:endParaRPr lang="en-US" altLang="zh-CN" sz="1800" dirty="0"/>
+          </a:p>
+          <a:p>
+            <a:pPr algn="l"/>
+            <a:r>
+              <a:rPr lang="en-US" altLang="zh-CN" sz="1800" dirty="0"/>
+              <a:t>4</a:t>
+            </a:r>
+            <a:r>
+              <a:rPr lang="zh-CN" altLang="en-US" sz="1800" dirty="0"/>
+              <a:t>、传统制造型企业在调度计划上依然高度依赖调度员的先验知识进行手动安排，消息传递通过人为传递，效率低下。</a:t>
+            </a:r>
+            <a:endParaRPr lang="en-US" altLang="zh-CN" sz="1800" dirty="0"/>
+          </a:p>
+          <a:p>
+            <a:pPr algn="l"/>
+            <a:endParaRPr lang="en-US" altLang="zh-CN" sz="1800" dirty="0"/>
+          </a:p>
+          <a:p>
+            <a:pPr algn="l"/>
+            <a:r>
+              <a:rPr lang="zh-CN" altLang="en-US" sz="1800" dirty="0"/>
+              <a:t>企业需要一个高效的调度系统，</a:t>
+            </a:r>
+            <a:r>
+              <a:rPr lang="zh-CN" altLang="zh-CN" sz="1800" dirty="0"/>
+              <a:t>集成企业生产管理的各个环节</a:t>
+            </a:r>
+            <a:r>
+              <a:rPr lang="zh-CN" altLang="en-US" sz="1800" dirty="0"/>
+              <a:t>，实现提高企业生产调度的效率和资源利用率，实现生产管理的自动化和智能化。本研究通过构建动态调度系统，集成改进的蚁群算法作为系统的柔性作业车间调度算法，把系统的功能分配到对应的</a:t>
+            </a:r>
+            <a:r>
+              <a:rPr lang="en-US" altLang="zh-CN" sz="1800" dirty="0"/>
+              <a:t>Agent</a:t>
+            </a:r>
+            <a:r>
+              <a:rPr lang="zh-CN" altLang="en-US" sz="1800" dirty="0"/>
+              <a:t>中，由</a:t>
+            </a:r>
+            <a:r>
+              <a:rPr lang="en-US" altLang="zh-CN" sz="1800" dirty="0"/>
+              <a:t>Agent</a:t>
+            </a:r>
+            <a:r>
+              <a:rPr lang="zh-CN" altLang="en-US" sz="1800"/>
+              <a:t>之间的协调交互实现系统生产管理的自动化和智能化，提高企业的生产效率以及资源利用率。</a:t>
+            </a:r>
+            <a:endParaRPr lang="en-US" altLang="zh-CN" sz="1800" dirty="0"/>
+          </a:p>
+          <a:p>
+            <a:pPr algn="l"/>
+            <a:endParaRPr lang="en-US" altLang="zh-CN" sz="1800" dirty="0"/>
+          </a:p>
+          <a:p>
+            <a:pPr algn="l"/>
+            <a:endParaRPr lang="en-US" altLang="zh-CN" sz="1800" dirty="0"/>
+          </a:p>
+          <a:p>
+            <a:pPr algn="l"/>
+            <a:endParaRPr lang="en-US" altLang="zh-CN" sz="1800" dirty="0"/>
+          </a:p>
+          <a:p>
+            <a:pPr algn="l"/>
+            <a:endParaRPr lang="en-US" altLang="zh-CN" sz="1800" dirty="0"/>
+          </a:p>
+          <a:p>
+            <a:pPr algn="l"/>
+            <a:endParaRPr lang="en-US" altLang="zh-CN" sz="1800" dirty="0"/>
+          </a:p>
+          <a:p>
+            <a:pPr algn="l"/>
+            <a:endParaRPr lang="zh-CN" altLang="en-US" sz="1800" dirty="0"/>
+          </a:p>
+        </p:txBody>
+      </p:sp>
+    </p:spTree>
+    <p:extLst>
+      <p:ext uri="{BB962C8B-B14F-4D97-AF65-F5344CB8AC3E}">
+        <p14:creationId xmlns:p14="http://schemas.microsoft.com/office/powerpoint/2010/main" val="2219022736"/>
+      </p:ext>
+    </p:extLst>
+  </p:cSld>
+  <p:clrMapOvr>
+    <a:masterClrMapping/>
+  </p:clrMapOvr>
+</p:sld>
+</file>
+
+<file path=ppt/slides/slide5.xml><?xml version="1.0" encoding="utf-8"?>
+<p:sld xmlns:a="http://schemas.openxmlformats.org/drawingml/2006/main" xmlns:r="http://schemas.openxmlformats.org/officeDocument/2006/relationships" xmlns:p="http://schemas.openxmlformats.org/presentationml/2006/main">
+  <p:cSld>
+    <p:spTree>
+      <p:nvGrpSpPr>
+        <p:cNvPr id="1" name=""/>
+        <p:cNvGrpSpPr/>
+        <p:nvPr/>
+      </p:nvGrpSpPr>
+      <p:grpSpPr>
+        <a:xfrm>
+          <a:off x="0" y="0"/>
+          <a:ext cx="0" cy="0"/>
+          <a:chOff x="0" y="0"/>
+          <a:chExt cx="0" cy="0"/>
+        </a:xfrm>
+      </p:grpSpPr>
+      <p:sp>
+        <p:nvSpPr>
+          <p:cNvPr id="2" name="标题 1">
+            <a:extLst>
+              <a:ext uri="{FF2B5EF4-FFF2-40B4-BE49-F238E27FC236}">
+                <a16:creationId xmlns:a16="http://schemas.microsoft.com/office/drawing/2014/main" id="{F9DE3B63-B259-4545-BF5E-35030AA15785}"/>
+              </a:ext>
+            </a:extLst>
+          </p:cNvPr>
+          <p:cNvSpPr>
+            <a:spLocks noGrp="1"/>
+          </p:cNvSpPr>
+          <p:nvPr>
+            <p:ph type="ctrTitle"/>
+          </p:nvPr>
+        </p:nvSpPr>
+        <p:spPr>
+          <a:xfrm>
+            <a:off x="1586144" y="1734923"/>
+            <a:ext cx="9144000" cy="2387600"/>
+          </a:xfrm>
+        </p:spPr>
+        <p:txBody>
+          <a:bodyPr/>
+          <a:lstStyle/>
+          <a:p>
+            <a:r>
+              <a:rPr lang="zh-CN" altLang="en-US" dirty="0"/>
+              <a:t>背景研究</a:t>
+            </a:r>
+          </a:p>
+        </p:txBody>
+      </p:sp>
+    </p:spTree>
+    <p:extLst>
+      <p:ext uri="{BB962C8B-B14F-4D97-AF65-F5344CB8AC3E}">
+        <p14:creationId xmlns:p14="http://schemas.microsoft.com/office/powerpoint/2010/main" val="4293716833"/>
       </p:ext>
     </p:extLst>
   </p:cSld>

--- a/毕业答辩PPT/新建 Microsoft PowerPoint 演示文稿.pptx
+++ b/毕业答辩PPT/新建 Microsoft PowerPoint 演示文稿.pptx
@@ -10,6 +10,32 @@
     <p:sldId id="257" r:id="rId4"/>
     <p:sldId id="259" r:id="rId5"/>
     <p:sldId id="260" r:id="rId6"/>
+    <p:sldId id="261" r:id="rId7"/>
+    <p:sldId id="262" r:id="rId8"/>
+    <p:sldId id="263" r:id="rId9"/>
+    <p:sldId id="264" r:id="rId10"/>
+    <p:sldId id="265" r:id="rId11"/>
+    <p:sldId id="266" r:id="rId12"/>
+    <p:sldId id="267" r:id="rId13"/>
+    <p:sldId id="268" r:id="rId14"/>
+    <p:sldId id="272" r:id="rId15"/>
+    <p:sldId id="269" r:id="rId16"/>
+    <p:sldId id="270" r:id="rId17"/>
+    <p:sldId id="271" r:id="rId18"/>
+    <p:sldId id="273" r:id="rId19"/>
+    <p:sldId id="275" r:id="rId20"/>
+    <p:sldId id="274" r:id="rId21"/>
+    <p:sldId id="276" r:id="rId22"/>
+    <p:sldId id="277" r:id="rId23"/>
+    <p:sldId id="278" r:id="rId24"/>
+    <p:sldId id="279" r:id="rId25"/>
+    <p:sldId id="280" r:id="rId26"/>
+    <p:sldId id="281" r:id="rId27"/>
+    <p:sldId id="282" r:id="rId28"/>
+    <p:sldId id="283" r:id="rId29"/>
+    <p:sldId id="284" r:id="rId30"/>
+    <p:sldId id="285" r:id="rId31"/>
+    <p:sldId id="286" r:id="rId32"/>
   </p:sldIdLst>
   <p:sldSz cx="12192000" cy="6858000"/>
   <p:notesSz cx="6858000" cy="9144000"/>
@@ -263,7 +289,7 @@
           <a:p>
             <a:fld id="{85AF36E0-9C42-413C-AC3D-1BDC0B8B174E}" type="datetimeFigureOut">
               <a:rPr lang="zh-CN" altLang="en-US" smtClean="0"/>
-              <a:t>2018/5/25</a:t>
+              <a:t>2018/5/26/Sat</a:t>
             </a:fld>
             <a:endParaRPr lang="zh-CN" altLang="en-US"/>
           </a:p>
@@ -461,7 +487,7 @@
           <a:p>
             <a:fld id="{85AF36E0-9C42-413C-AC3D-1BDC0B8B174E}" type="datetimeFigureOut">
               <a:rPr lang="zh-CN" altLang="en-US" smtClean="0"/>
-              <a:t>2018/5/25</a:t>
+              <a:t>2018/5/26/Sat</a:t>
             </a:fld>
             <a:endParaRPr lang="zh-CN" altLang="en-US"/>
           </a:p>
@@ -669,7 +695,7 @@
           <a:p>
             <a:fld id="{85AF36E0-9C42-413C-AC3D-1BDC0B8B174E}" type="datetimeFigureOut">
               <a:rPr lang="zh-CN" altLang="en-US" smtClean="0"/>
-              <a:t>2018/5/25</a:t>
+              <a:t>2018/5/26/Sat</a:t>
             </a:fld>
             <a:endParaRPr lang="zh-CN" altLang="en-US"/>
           </a:p>
@@ -867,7 +893,7 @@
           <a:p>
             <a:fld id="{85AF36E0-9C42-413C-AC3D-1BDC0B8B174E}" type="datetimeFigureOut">
               <a:rPr lang="zh-CN" altLang="en-US" smtClean="0"/>
-              <a:t>2018/5/25</a:t>
+              <a:t>2018/5/26/Sat</a:t>
             </a:fld>
             <a:endParaRPr lang="zh-CN" altLang="en-US"/>
           </a:p>
@@ -1142,7 +1168,7 @@
           <a:p>
             <a:fld id="{85AF36E0-9C42-413C-AC3D-1BDC0B8B174E}" type="datetimeFigureOut">
               <a:rPr lang="zh-CN" altLang="en-US" smtClean="0"/>
-              <a:t>2018/5/25</a:t>
+              <a:t>2018/5/26/Sat</a:t>
             </a:fld>
             <a:endParaRPr lang="zh-CN" altLang="en-US"/>
           </a:p>
@@ -1407,7 +1433,7 @@
           <a:p>
             <a:fld id="{85AF36E0-9C42-413C-AC3D-1BDC0B8B174E}" type="datetimeFigureOut">
               <a:rPr lang="zh-CN" altLang="en-US" smtClean="0"/>
-              <a:t>2018/5/25</a:t>
+              <a:t>2018/5/26/Sat</a:t>
             </a:fld>
             <a:endParaRPr lang="zh-CN" altLang="en-US"/>
           </a:p>
@@ -1819,7 +1845,7 @@
           <a:p>
             <a:fld id="{85AF36E0-9C42-413C-AC3D-1BDC0B8B174E}" type="datetimeFigureOut">
               <a:rPr lang="zh-CN" altLang="en-US" smtClean="0"/>
-              <a:t>2018/5/25</a:t>
+              <a:t>2018/5/26/Sat</a:t>
             </a:fld>
             <a:endParaRPr lang="zh-CN" altLang="en-US"/>
           </a:p>
@@ -1960,7 +1986,7 @@
           <a:p>
             <a:fld id="{85AF36E0-9C42-413C-AC3D-1BDC0B8B174E}" type="datetimeFigureOut">
               <a:rPr lang="zh-CN" altLang="en-US" smtClean="0"/>
-              <a:t>2018/5/25</a:t>
+              <a:t>2018/5/26/Sat</a:t>
             </a:fld>
             <a:endParaRPr lang="zh-CN" altLang="en-US"/>
           </a:p>
@@ -2073,7 +2099,7 @@
           <a:p>
             <a:fld id="{85AF36E0-9C42-413C-AC3D-1BDC0B8B174E}" type="datetimeFigureOut">
               <a:rPr lang="zh-CN" altLang="en-US" smtClean="0"/>
-              <a:t>2018/5/25</a:t>
+              <a:t>2018/5/26/Sat</a:t>
             </a:fld>
             <a:endParaRPr lang="zh-CN" altLang="en-US"/>
           </a:p>
@@ -2384,7 +2410,7 @@
           <a:p>
             <a:fld id="{85AF36E0-9C42-413C-AC3D-1BDC0B8B174E}" type="datetimeFigureOut">
               <a:rPr lang="zh-CN" altLang="en-US" smtClean="0"/>
-              <a:t>2018/5/25</a:t>
+              <a:t>2018/5/26/Sat</a:t>
             </a:fld>
             <a:endParaRPr lang="zh-CN" altLang="en-US"/>
           </a:p>
@@ -2672,7 +2698,7 @@
           <a:p>
             <a:fld id="{85AF36E0-9C42-413C-AC3D-1BDC0B8B174E}" type="datetimeFigureOut">
               <a:rPr lang="zh-CN" altLang="en-US" smtClean="0"/>
-              <a:t>2018/5/25</a:t>
+              <a:t>2018/5/26/Sat</a:t>
             </a:fld>
             <a:endParaRPr lang="zh-CN" altLang="en-US"/>
           </a:p>
@@ -2913,7 +2939,7 @@
           <a:p>
             <a:fld id="{85AF36E0-9C42-413C-AC3D-1BDC0B8B174E}" type="datetimeFigureOut">
               <a:rPr lang="zh-CN" altLang="en-US" smtClean="0"/>
-              <a:t>2018/5/25</a:t>
+              <a:t>2018/5/26/Sat</a:t>
             </a:fld>
             <a:endParaRPr lang="zh-CN" altLang="en-US"/>
           </a:p>
@@ -3404,6 +3430,2875 @@
 </p:sld>
 </file>
 
+<file path=ppt/slides/slide10.xml><?xml version="1.0" encoding="utf-8"?>
+<p:sld xmlns:a="http://schemas.openxmlformats.org/drawingml/2006/main" xmlns:r="http://schemas.openxmlformats.org/officeDocument/2006/relationships" xmlns:p="http://schemas.openxmlformats.org/presentationml/2006/main">
+  <p:cSld>
+    <p:spTree>
+      <p:nvGrpSpPr>
+        <p:cNvPr id="1" name=""/>
+        <p:cNvGrpSpPr/>
+        <p:nvPr/>
+      </p:nvGrpSpPr>
+      <p:grpSpPr>
+        <a:xfrm>
+          <a:off x="0" y="0"/>
+          <a:ext cx="0" cy="0"/>
+          <a:chOff x="0" y="0"/>
+          <a:chExt cx="0" cy="0"/>
+        </a:xfrm>
+      </p:grpSpPr>
+      <p:sp>
+        <p:nvSpPr>
+          <p:cNvPr id="8" name="副标题 2">
+            <a:extLst>
+              <a:ext uri="{FF2B5EF4-FFF2-40B4-BE49-F238E27FC236}">
+                <a16:creationId xmlns:a16="http://schemas.microsoft.com/office/drawing/2014/main" id="{9CFD6E50-AA4E-4C30-9601-D0B17FC987E2}"/>
+              </a:ext>
+            </a:extLst>
+          </p:cNvPr>
+          <p:cNvSpPr>
+            <a:spLocks noGrp="1"/>
+          </p:cNvSpPr>
+          <p:nvPr>
+            <p:ph type="subTitle" idx="1"/>
+          </p:nvPr>
+        </p:nvSpPr>
+        <p:spPr>
+          <a:xfrm>
+            <a:off x="976544" y="479393"/>
+            <a:ext cx="9691456" cy="4545368"/>
+          </a:xfrm>
+        </p:spPr>
+        <p:txBody>
+          <a:bodyPr>
+            <a:noAutofit/>
+          </a:bodyPr>
+          <a:lstStyle/>
+          <a:p>
+            <a:pPr algn="l"/>
+            <a:r>
+              <a:rPr lang="zh-CN" altLang="en-US" sz="1800" dirty="0"/>
+              <a:t>一、</a:t>
+            </a:r>
+            <a:r>
+              <a:rPr lang="zh-CN" altLang="zh-CN" sz="1800" b="1" dirty="0"/>
+              <a:t>基于多</a:t>
+            </a:r>
+            <a:r>
+              <a:rPr lang="en-US" altLang="zh-CN" sz="1800" b="1" dirty="0"/>
+              <a:t>Agent</a:t>
+            </a:r>
+            <a:r>
+              <a:rPr lang="zh-CN" altLang="zh-CN" sz="1800" b="1" dirty="0"/>
+              <a:t>的生产任务跨区域分解策略</a:t>
+            </a:r>
+            <a:endParaRPr lang="en-US" altLang="zh-CN" sz="1800" b="1" dirty="0"/>
+          </a:p>
+          <a:p>
+            <a:pPr algn="l"/>
+            <a:r>
+              <a:rPr lang="zh-CN" altLang="en-US" sz="1800" b="1" dirty="0"/>
+              <a:t>该策略根据生产任务的工艺要求以及企业各地区工厂的生产能力，把生产任务进行分解，分配到对应工厂的车间设备上，在满足任务交货期的基本前提下，提高企业对异地性资源的利用率。</a:t>
+            </a:r>
+            <a:endParaRPr lang="en-US" altLang="zh-CN" sz="1800" b="1" dirty="0"/>
+          </a:p>
+          <a:p>
+            <a:pPr algn="l"/>
+            <a:endParaRPr lang="en-US" altLang="zh-CN" sz="1800" dirty="0"/>
+          </a:p>
+          <a:p>
+            <a:pPr algn="l"/>
+            <a:r>
+              <a:rPr lang="zh-CN" altLang="en-US" sz="1800" dirty="0"/>
+              <a:t>本研究将生产任务分为三种粒度：</a:t>
+            </a:r>
+            <a:r>
+              <a:rPr lang="zh-CN" altLang="zh-CN" dirty="0"/>
+              <a:t>分别是产品级任务</a:t>
+            </a:r>
+            <a:r>
+              <a:rPr lang="en-US" altLang="zh-CN" dirty="0"/>
+              <a:t>PRT</a:t>
+            </a:r>
+            <a:r>
+              <a:rPr lang="zh-CN" altLang="zh-CN" dirty="0"/>
+              <a:t>（</a:t>
+            </a:r>
+            <a:r>
+              <a:rPr lang="en-US" altLang="zh-CN" dirty="0"/>
+              <a:t>product task</a:t>
+            </a:r>
+            <a:r>
+              <a:rPr lang="zh-CN" altLang="zh-CN" dirty="0"/>
+              <a:t>）、工件级任务</a:t>
+            </a:r>
+            <a:r>
+              <a:rPr lang="en-US" altLang="zh-CN" dirty="0"/>
+              <a:t>PT</a:t>
+            </a:r>
+            <a:r>
+              <a:rPr lang="zh-CN" altLang="zh-CN" dirty="0"/>
+              <a:t>（</a:t>
+            </a:r>
+            <a:r>
+              <a:rPr lang="en-US" altLang="zh-CN" dirty="0"/>
+              <a:t>part </a:t>
+            </a:r>
+            <a:r>
+              <a:rPr lang="en-US" altLang="zh-CN" dirty="0" err="1"/>
+              <a:t>tast</a:t>
+            </a:r>
+            <a:r>
+              <a:rPr lang="zh-CN" altLang="zh-CN" dirty="0"/>
+              <a:t>）和工序级任务</a:t>
+            </a:r>
+            <a:r>
+              <a:rPr lang="en-US" altLang="zh-CN" dirty="0"/>
+              <a:t>WPT</a:t>
+            </a:r>
+            <a:r>
+              <a:rPr lang="zh-CN" altLang="zh-CN" dirty="0"/>
+              <a:t>（</a:t>
+            </a:r>
+            <a:r>
+              <a:rPr lang="en-US" altLang="zh-CN" dirty="0"/>
+              <a:t>working procedure task</a:t>
+            </a:r>
+            <a:r>
+              <a:rPr lang="zh-CN" altLang="zh-CN" dirty="0"/>
+              <a:t>），与产品的构造相似，一个产品由若干工件组成，一个工件由一组工序按照工艺约束组成。</a:t>
+            </a:r>
+            <a:r>
+              <a:rPr lang="en-US" altLang="zh-CN" dirty="0"/>
+              <a:t>PRT</a:t>
+            </a:r>
+            <a:r>
+              <a:rPr lang="zh-CN" altLang="zh-CN" dirty="0"/>
+              <a:t>、</a:t>
+            </a:r>
+            <a:r>
+              <a:rPr lang="en-US" altLang="zh-CN" dirty="0"/>
+              <a:t>PT</a:t>
+            </a:r>
+            <a:r>
+              <a:rPr lang="zh-CN" altLang="zh-CN" dirty="0"/>
+              <a:t>、</a:t>
+            </a:r>
+            <a:r>
+              <a:rPr lang="en-US" altLang="zh-CN" dirty="0"/>
+              <a:t>WPT</a:t>
+            </a:r>
+            <a:r>
+              <a:rPr lang="zh-CN" altLang="zh-CN" dirty="0"/>
+              <a:t>分别对应产品、工件和工序。</a:t>
+            </a:r>
+            <a:endParaRPr lang="en-US" altLang="zh-CN" dirty="0"/>
+          </a:p>
+          <a:p>
+            <a:pPr algn="l"/>
+            <a:endParaRPr lang="en-US" altLang="zh-CN" sz="1800" dirty="0"/>
+          </a:p>
+          <a:p>
+            <a:pPr algn="l"/>
+            <a:r>
+              <a:rPr lang="en-US" altLang="zh-CN" dirty="0"/>
+              <a:t>MT=&lt;</a:t>
+            </a:r>
+            <a:r>
+              <a:rPr lang="en-US" altLang="zh-CN" dirty="0" err="1"/>
+              <a:t>MTInfo</a:t>
+            </a:r>
+            <a:r>
+              <a:rPr lang="en-US" altLang="zh-CN" dirty="0"/>
+              <a:t>, Constraint, Construction, Resource&gt;</a:t>
+            </a:r>
+            <a:endParaRPr lang="zh-CN" altLang="zh-CN" dirty="0"/>
+          </a:p>
+          <a:p>
+            <a:pPr algn="l"/>
+            <a:r>
+              <a:rPr lang="zh-CN" altLang="en-US" sz="1800" dirty="0"/>
+              <a:t>基本信息</a:t>
+            </a:r>
+            <a:r>
+              <a:rPr lang="en-US" altLang="zh-CN" sz="1800" dirty="0" err="1"/>
+              <a:t>MTInfo</a:t>
+            </a:r>
+            <a:r>
+              <a:rPr lang="zh-CN" altLang="en-US" sz="1800" dirty="0"/>
+              <a:t>、生产约束</a:t>
+            </a:r>
+            <a:r>
+              <a:rPr lang="en-US" altLang="zh-CN" sz="1800" dirty="0"/>
+              <a:t>Constraint</a:t>
+            </a:r>
+            <a:r>
+              <a:rPr lang="zh-CN" altLang="en-US" sz="1800" dirty="0"/>
+              <a:t>，子任务构成</a:t>
+            </a:r>
+            <a:r>
+              <a:rPr lang="en-US" altLang="zh-CN" sz="1800" dirty="0"/>
+              <a:t>Construction</a:t>
+            </a:r>
+            <a:r>
+              <a:rPr lang="zh-CN" altLang="en-US" sz="1800" dirty="0"/>
+              <a:t>，资源需求</a:t>
+            </a:r>
+            <a:r>
+              <a:rPr lang="en-US" altLang="zh-CN" sz="1800" dirty="0"/>
+              <a:t>Resource</a:t>
+            </a:r>
+            <a:endParaRPr lang="zh-CN" altLang="en-US" sz="1800" dirty="0"/>
+          </a:p>
+        </p:txBody>
+      </p:sp>
+    </p:spTree>
+    <p:extLst>
+      <p:ext uri="{BB962C8B-B14F-4D97-AF65-F5344CB8AC3E}">
+        <p14:creationId xmlns:p14="http://schemas.microsoft.com/office/powerpoint/2010/main" val="1335661700"/>
+      </p:ext>
+    </p:extLst>
+  </p:cSld>
+  <p:clrMapOvr>
+    <a:masterClrMapping/>
+  </p:clrMapOvr>
+</p:sld>
+</file>
+
+<file path=ppt/slides/slide11.xml><?xml version="1.0" encoding="utf-8"?>
+<p:sld xmlns:a="http://schemas.openxmlformats.org/drawingml/2006/main" xmlns:r="http://schemas.openxmlformats.org/officeDocument/2006/relationships" xmlns:p="http://schemas.openxmlformats.org/presentationml/2006/main">
+  <p:cSld>
+    <p:spTree>
+      <p:nvGrpSpPr>
+        <p:cNvPr id="1" name=""/>
+        <p:cNvGrpSpPr/>
+        <p:nvPr/>
+      </p:nvGrpSpPr>
+      <p:grpSpPr>
+        <a:xfrm>
+          <a:off x="0" y="0"/>
+          <a:ext cx="0" cy="0"/>
+          <a:chOff x="0" y="0"/>
+          <a:chExt cx="0" cy="0"/>
+        </a:xfrm>
+      </p:grpSpPr>
+      <p:sp>
+        <p:nvSpPr>
+          <p:cNvPr id="8" name="副标题 2">
+            <a:extLst>
+              <a:ext uri="{FF2B5EF4-FFF2-40B4-BE49-F238E27FC236}">
+                <a16:creationId xmlns:a16="http://schemas.microsoft.com/office/drawing/2014/main" id="{9CFD6E50-AA4E-4C30-9601-D0B17FC987E2}"/>
+              </a:ext>
+            </a:extLst>
+          </p:cNvPr>
+          <p:cNvSpPr>
+            <a:spLocks noGrp="1"/>
+          </p:cNvSpPr>
+          <p:nvPr>
+            <p:ph type="subTitle" idx="1"/>
+          </p:nvPr>
+        </p:nvSpPr>
+        <p:spPr>
+          <a:xfrm>
+            <a:off x="887767" y="479392"/>
+            <a:ext cx="9780233" cy="5157927"/>
+          </a:xfrm>
+        </p:spPr>
+        <p:txBody>
+          <a:bodyPr>
+            <a:noAutofit/>
+          </a:bodyPr>
+          <a:lstStyle/>
+          <a:p>
+            <a:pPr algn="l"/>
+            <a:r>
+              <a:rPr lang="zh-CN" altLang="zh-CN" dirty="0"/>
+              <a:t>生产任务跨区域分解策略中各</a:t>
+            </a:r>
+            <a:r>
+              <a:rPr lang="en-US" altLang="zh-CN" dirty="0"/>
+              <a:t>Agent</a:t>
+            </a:r>
+            <a:r>
+              <a:rPr lang="zh-CN" altLang="zh-CN" dirty="0"/>
+              <a:t>的协作流程</a:t>
+            </a:r>
+            <a:endParaRPr lang="en-US" altLang="zh-CN" dirty="0"/>
+          </a:p>
+          <a:p>
+            <a:pPr algn="l"/>
+            <a:r>
+              <a:rPr lang="zh-CN" altLang="zh-CN" dirty="0"/>
+              <a:t>（</a:t>
+            </a:r>
+            <a:r>
+              <a:rPr lang="en-US" altLang="zh-CN" dirty="0"/>
+              <a:t>1</a:t>
+            </a:r>
+            <a:r>
+              <a:rPr lang="zh-CN" altLang="zh-CN" dirty="0"/>
+              <a:t>）封装生产任务</a:t>
+            </a:r>
+            <a:r>
+              <a:rPr lang="en-US" altLang="zh-CN" dirty="0"/>
+              <a:t>MT</a:t>
+            </a:r>
+            <a:r>
+              <a:rPr lang="zh-CN" altLang="zh-CN" dirty="0"/>
+              <a:t>。</a:t>
+            </a:r>
+          </a:p>
+          <a:p>
+            <a:pPr algn="l"/>
+            <a:r>
+              <a:rPr lang="zh-CN" altLang="zh-CN" dirty="0"/>
+              <a:t>（</a:t>
+            </a:r>
+            <a:r>
+              <a:rPr lang="en-US" altLang="zh-CN" dirty="0"/>
+              <a:t>2</a:t>
+            </a:r>
+            <a:r>
+              <a:rPr lang="zh-CN" altLang="zh-CN" dirty="0"/>
+              <a:t>）任务发布。</a:t>
+            </a:r>
+            <a:r>
+              <a:rPr lang="zh-CN" altLang="en-US" dirty="0"/>
+              <a:t>上层</a:t>
+            </a:r>
+            <a:r>
+              <a:rPr lang="en-US" altLang="zh-CN" dirty="0"/>
+              <a:t>Agent</a:t>
+            </a:r>
+            <a:r>
+              <a:rPr lang="zh-CN" altLang="zh-CN" dirty="0"/>
+              <a:t>把</a:t>
+            </a:r>
+            <a:r>
+              <a:rPr lang="en-US" altLang="zh-CN" dirty="0"/>
+              <a:t>MT</a:t>
+            </a:r>
+            <a:r>
+              <a:rPr lang="zh-CN" altLang="zh-CN" dirty="0"/>
+              <a:t>广播至其下</a:t>
+            </a:r>
+            <a:r>
+              <a:rPr lang="zh-CN" altLang="en-US" dirty="0"/>
+              <a:t>的子</a:t>
+            </a:r>
+            <a:r>
+              <a:rPr lang="en-US" altLang="zh-CN" dirty="0"/>
+              <a:t>Agent</a:t>
+            </a:r>
+            <a:r>
+              <a:rPr lang="zh-CN" altLang="zh-CN" dirty="0"/>
+              <a:t>。</a:t>
+            </a:r>
+          </a:p>
+          <a:p>
+            <a:pPr algn="l"/>
+            <a:r>
+              <a:rPr lang="zh-CN" altLang="zh-CN" dirty="0"/>
+              <a:t>（</a:t>
+            </a:r>
+            <a:r>
+              <a:rPr lang="en-US" altLang="zh-CN" dirty="0"/>
+              <a:t>3</a:t>
+            </a:r>
+            <a:r>
+              <a:rPr lang="zh-CN" altLang="zh-CN" dirty="0"/>
+              <a:t>）资源</a:t>
+            </a:r>
+            <a:r>
+              <a:rPr lang="en-US" altLang="zh-CN" dirty="0"/>
+              <a:t>Agent</a:t>
+            </a:r>
+            <a:r>
+              <a:rPr lang="zh-CN" altLang="zh-CN" dirty="0"/>
+              <a:t>内进行粒度判定以及任务分解。上层</a:t>
+            </a:r>
+            <a:r>
+              <a:rPr lang="en-US" altLang="zh-CN" dirty="0"/>
+              <a:t>Agent</a:t>
+            </a:r>
+            <a:r>
+              <a:rPr lang="zh-CN" altLang="zh-CN" dirty="0"/>
+              <a:t>接收到</a:t>
+            </a:r>
+            <a:r>
+              <a:rPr lang="en-US" altLang="zh-CN" dirty="0"/>
+              <a:t>MT</a:t>
+            </a:r>
+            <a:r>
+              <a:rPr lang="zh-CN" altLang="zh-CN" dirty="0"/>
+              <a:t>后，若</a:t>
+            </a:r>
+            <a:r>
+              <a:rPr lang="en-US" altLang="zh-CN" dirty="0"/>
+              <a:t>MT</a:t>
+            </a:r>
+            <a:r>
+              <a:rPr lang="zh-CN" altLang="zh-CN" dirty="0"/>
+              <a:t>粒度与</a:t>
+            </a:r>
+            <a:r>
+              <a:rPr lang="en-US" altLang="zh-CN" dirty="0"/>
+              <a:t>Agent</a:t>
+            </a:r>
+            <a:r>
+              <a:rPr lang="zh-CN" altLang="zh-CN" dirty="0"/>
+              <a:t>级别相同，进行能力判定</a:t>
+            </a:r>
+            <a:r>
+              <a:rPr lang="zh-CN" altLang="en-US" dirty="0"/>
+              <a:t>。</a:t>
+            </a:r>
+            <a:r>
+              <a:rPr lang="zh-CN" altLang="zh-CN" dirty="0"/>
+              <a:t>若</a:t>
+            </a:r>
+            <a:r>
+              <a:rPr lang="en-US" altLang="zh-CN" dirty="0"/>
+              <a:t>MT</a:t>
+            </a:r>
+            <a:r>
+              <a:rPr lang="zh-CN" altLang="zh-CN" dirty="0"/>
+              <a:t>粒度小于</a:t>
+            </a:r>
+            <a:r>
+              <a:rPr lang="en-US" altLang="zh-CN" dirty="0"/>
+              <a:t>Agent</a:t>
+            </a:r>
+            <a:r>
+              <a:rPr lang="zh-CN" altLang="zh-CN" dirty="0"/>
+              <a:t>的级别，直接把</a:t>
+            </a:r>
+            <a:r>
+              <a:rPr lang="en-US" altLang="zh-CN" dirty="0"/>
+              <a:t>TM</a:t>
+            </a:r>
+            <a:r>
+              <a:rPr lang="zh-CN" altLang="zh-CN" dirty="0"/>
+              <a:t>广播至其下各个子</a:t>
+            </a:r>
+            <a:r>
+              <a:rPr lang="en-US" altLang="zh-CN" dirty="0"/>
+              <a:t>Agent</a:t>
+            </a:r>
+            <a:r>
+              <a:rPr lang="zh-CN" altLang="zh-CN" dirty="0"/>
+              <a:t>，由子</a:t>
+            </a:r>
+            <a:r>
+              <a:rPr lang="en-US" altLang="zh-CN" dirty="0"/>
+              <a:t>Agent</a:t>
+            </a:r>
+            <a:r>
+              <a:rPr lang="zh-CN" altLang="zh-CN" dirty="0"/>
+              <a:t>进行能力判定；若</a:t>
+            </a:r>
+            <a:r>
+              <a:rPr lang="en-US" altLang="zh-CN" dirty="0"/>
+              <a:t>MT</a:t>
+            </a:r>
+            <a:r>
+              <a:rPr lang="zh-CN" altLang="zh-CN" dirty="0"/>
+              <a:t>粒度大于资源</a:t>
+            </a:r>
+            <a:r>
+              <a:rPr lang="en-US" altLang="zh-CN" dirty="0"/>
+              <a:t>Agent</a:t>
+            </a:r>
+            <a:r>
+              <a:rPr lang="zh-CN" altLang="zh-CN" dirty="0"/>
+              <a:t>的级别，需对</a:t>
+            </a:r>
+            <a:r>
+              <a:rPr lang="en-US" altLang="zh-CN" dirty="0"/>
+              <a:t>MT</a:t>
+            </a:r>
+            <a:r>
+              <a:rPr lang="zh-CN" altLang="zh-CN" dirty="0"/>
+              <a:t>的子任务集合</a:t>
+            </a:r>
+            <a:r>
+              <a:rPr lang="en-US" altLang="zh-CN" dirty="0"/>
+              <a:t>COMP</a:t>
+            </a:r>
+            <a:r>
+              <a:rPr lang="zh-CN" altLang="zh-CN" dirty="0"/>
+              <a:t>进一步分解，得到粒度更低的若干子任务，并逐一把子任务广播至其下的子</a:t>
+            </a:r>
+            <a:r>
+              <a:rPr lang="en-US" altLang="zh-CN" dirty="0"/>
+              <a:t>Agent</a:t>
+            </a:r>
+          </a:p>
+          <a:p>
+            <a:pPr algn="l"/>
+            <a:r>
+              <a:rPr lang="zh-CN" altLang="zh-CN" dirty="0"/>
+              <a:t>（</a:t>
+            </a:r>
+            <a:r>
+              <a:rPr lang="en-US" altLang="zh-CN" dirty="0"/>
+              <a:t>4</a:t>
+            </a:r>
+            <a:r>
+              <a:rPr lang="zh-CN" altLang="zh-CN" dirty="0"/>
+              <a:t>）能力判定。即根据自身的原材料和设备配置与</a:t>
+            </a:r>
+            <a:r>
+              <a:rPr lang="en-US" altLang="zh-CN" dirty="0"/>
+              <a:t>MT</a:t>
+            </a:r>
+            <a:r>
+              <a:rPr lang="zh-CN" altLang="zh-CN" dirty="0"/>
+              <a:t>对资源的需求进行对比</a:t>
+            </a:r>
+            <a:endParaRPr lang="en-US" altLang="zh-CN" dirty="0"/>
+          </a:p>
+          <a:p>
+            <a:pPr algn="l"/>
+            <a:r>
+              <a:rPr lang="zh-CN" altLang="zh-CN" dirty="0"/>
+              <a:t>（</a:t>
+            </a:r>
+            <a:r>
+              <a:rPr lang="en-US" altLang="zh-CN" dirty="0"/>
+              <a:t>5</a:t>
+            </a:r>
+            <a:r>
+              <a:rPr lang="zh-CN" altLang="zh-CN" dirty="0"/>
+              <a:t>）</a:t>
+            </a:r>
+            <a:r>
+              <a:rPr lang="zh-CN" altLang="en-US" dirty="0"/>
+              <a:t>算法</a:t>
+            </a:r>
+            <a:r>
+              <a:rPr lang="en-US" altLang="zh-CN" dirty="0"/>
+              <a:t>Agent</a:t>
+            </a:r>
+            <a:r>
+              <a:rPr lang="zh-CN" altLang="zh-CN" dirty="0"/>
+              <a:t>计算调度方案。</a:t>
+            </a:r>
+            <a:endParaRPr lang="en-US" altLang="zh-CN" dirty="0"/>
+          </a:p>
+          <a:p>
+            <a:pPr algn="l"/>
+            <a:r>
+              <a:rPr lang="zh-CN" altLang="zh-CN" dirty="0"/>
+              <a:t>（</a:t>
+            </a:r>
+            <a:r>
+              <a:rPr lang="en-US" altLang="zh-CN" dirty="0"/>
+              <a:t>6</a:t>
+            </a:r>
+            <a:r>
+              <a:rPr lang="zh-CN" altLang="zh-CN" dirty="0"/>
+              <a:t>）结果筛选。</a:t>
+            </a:r>
+            <a:endParaRPr lang="zh-CN" altLang="en-US" sz="1800" dirty="0"/>
+          </a:p>
+        </p:txBody>
+      </p:sp>
+    </p:spTree>
+    <p:extLst>
+      <p:ext uri="{BB962C8B-B14F-4D97-AF65-F5344CB8AC3E}">
+        <p14:creationId xmlns:p14="http://schemas.microsoft.com/office/powerpoint/2010/main" val="3129742356"/>
+      </p:ext>
+    </p:extLst>
+  </p:cSld>
+  <p:clrMapOvr>
+    <a:masterClrMapping/>
+  </p:clrMapOvr>
+</p:sld>
+</file>
+
+<file path=ppt/slides/slide12.xml><?xml version="1.0" encoding="utf-8"?>
+<p:sld xmlns:a="http://schemas.openxmlformats.org/drawingml/2006/main" xmlns:r="http://schemas.openxmlformats.org/officeDocument/2006/relationships" xmlns:p="http://schemas.openxmlformats.org/presentationml/2006/main">
+  <p:cSld>
+    <p:spTree>
+      <p:nvGrpSpPr>
+        <p:cNvPr id="1" name=""/>
+        <p:cNvGrpSpPr/>
+        <p:nvPr/>
+      </p:nvGrpSpPr>
+      <p:grpSpPr>
+        <a:xfrm>
+          <a:off x="0" y="0"/>
+          <a:ext cx="0" cy="0"/>
+          <a:chOff x="0" y="0"/>
+          <a:chExt cx="0" cy="0"/>
+        </a:xfrm>
+      </p:grpSpPr>
+      <p:sp>
+        <p:nvSpPr>
+          <p:cNvPr id="8" name="副标题 2">
+            <a:extLst>
+              <a:ext uri="{FF2B5EF4-FFF2-40B4-BE49-F238E27FC236}">
+                <a16:creationId xmlns:a16="http://schemas.microsoft.com/office/drawing/2014/main" id="{9CFD6E50-AA4E-4C30-9601-D0B17FC987E2}"/>
+              </a:ext>
+            </a:extLst>
+          </p:cNvPr>
+          <p:cNvSpPr>
+            <a:spLocks noGrp="1"/>
+          </p:cNvSpPr>
+          <p:nvPr>
+            <p:ph type="subTitle" idx="1"/>
+          </p:nvPr>
+        </p:nvSpPr>
+        <p:spPr>
+          <a:xfrm>
+            <a:off x="887767" y="479392"/>
+            <a:ext cx="9780233" cy="5157927"/>
+          </a:xfrm>
+        </p:spPr>
+        <p:txBody>
+          <a:bodyPr>
+            <a:noAutofit/>
+          </a:bodyPr>
+          <a:lstStyle/>
+          <a:p>
+            <a:pPr algn="l"/>
+            <a:r>
+              <a:rPr lang="en-US" altLang="zh-CN" sz="1800" dirty="0"/>
+              <a:t>2</a:t>
+            </a:r>
+            <a:r>
+              <a:rPr lang="zh-CN" altLang="zh-CN" sz="1800" b="1" dirty="0"/>
+              <a:t>基于多</a:t>
+            </a:r>
+            <a:r>
+              <a:rPr lang="en-US" altLang="zh-CN" sz="1800" b="1" dirty="0"/>
+              <a:t>Agent</a:t>
+            </a:r>
+            <a:r>
+              <a:rPr lang="zh-CN" altLang="zh-CN" sz="1800" b="1" dirty="0"/>
+              <a:t>的异常调度策略</a:t>
+            </a:r>
+            <a:endParaRPr lang="en-US" altLang="zh-CN" sz="1800" b="1" dirty="0"/>
+          </a:p>
+          <a:p>
+            <a:pPr algn="l"/>
+            <a:r>
+              <a:rPr lang="zh-CN" altLang="zh-CN" sz="1800" dirty="0"/>
+              <a:t>当生产过程出现异常因素时，系统需要及时。快速地进行响应并采取对应的措施，进行调度方案的调整，即开启异常调度过程。系统面临的异常因素通常包括设备故障、订单取消、紧急订单、原材料短缺等等。</a:t>
+            </a:r>
+            <a:endParaRPr lang="en-US" altLang="zh-CN" sz="1800" dirty="0"/>
+          </a:p>
+          <a:p>
+            <a:pPr algn="l"/>
+            <a:endParaRPr lang="en-US" altLang="zh-CN" sz="1800" dirty="0"/>
+          </a:p>
+          <a:p>
+            <a:pPr algn="l"/>
+            <a:r>
+              <a:rPr lang="zh-CN" altLang="en-US" sz="1800" dirty="0"/>
+              <a:t>（</a:t>
+            </a:r>
+            <a:r>
+              <a:rPr lang="en-US" altLang="zh-CN" sz="1800" dirty="0"/>
+              <a:t>1</a:t>
+            </a:r>
+            <a:r>
+              <a:rPr lang="zh-CN" altLang="en-US" sz="1800" dirty="0"/>
+              <a:t>）</a:t>
+            </a:r>
+            <a:r>
+              <a:rPr lang="zh-CN" altLang="zh-CN" sz="1800" b="1" dirty="0"/>
+              <a:t>紧急订单条件下的异常调度策略</a:t>
+            </a:r>
+            <a:br>
+              <a:rPr lang="en-US" altLang="zh-CN" sz="1800" b="1" dirty="0"/>
+            </a:br>
+            <a:r>
+              <a:rPr lang="zh-CN" altLang="zh-CN" sz="1800" dirty="0"/>
+              <a:t>当生产订单被标记为紧急订单时，对应的生产任务拥有最高优先级</a:t>
+            </a:r>
+            <a:r>
+              <a:rPr lang="zh-CN" altLang="en-US" sz="1800" dirty="0"/>
+              <a:t>，分为局部最高优先级和全局最高优先级</a:t>
+            </a:r>
+            <a:endParaRPr lang="en-US" altLang="zh-CN" sz="1800" dirty="0"/>
+          </a:p>
+          <a:p>
+            <a:pPr algn="l"/>
+            <a:r>
+              <a:rPr lang="en-US" altLang="zh-CN" sz="1800" dirty="0"/>
+              <a:t>&lt;1&gt;</a:t>
+            </a:r>
+            <a:r>
+              <a:rPr lang="zh-CN" altLang="en-US" sz="1800" dirty="0"/>
+              <a:t>局部最高优先级：</a:t>
+            </a:r>
+            <a:r>
+              <a:rPr lang="zh-CN" altLang="zh-CN" sz="1800" dirty="0"/>
+              <a:t>紧急任务被插入到任务队列的最前端</a:t>
+            </a:r>
+            <a:r>
+              <a:rPr lang="zh-CN" altLang="en-US" sz="1800" dirty="0"/>
+              <a:t>；</a:t>
+            </a:r>
+            <a:endParaRPr lang="en-US" altLang="zh-CN" sz="1800" dirty="0"/>
+          </a:p>
+          <a:p>
+            <a:pPr algn="l"/>
+            <a:r>
+              <a:rPr lang="en-US" altLang="zh-CN" sz="1800" dirty="0"/>
+              <a:t>&lt;2&gt;</a:t>
+            </a:r>
+            <a:r>
+              <a:rPr lang="zh-CN" altLang="en-US" sz="1800" dirty="0"/>
+              <a:t>全局最高优先级：</a:t>
+            </a:r>
+            <a:r>
+              <a:rPr lang="zh-CN" altLang="zh-CN" sz="1800" dirty="0"/>
+              <a:t>系统所有生产任务中具有最高优先级，包括已安排在设备加工序列中的生产任务。</a:t>
+            </a:r>
+            <a:r>
+              <a:rPr lang="zh-CN" altLang="en-US" sz="1800" dirty="0"/>
+              <a:t>异常调度时，系统先执行一次“打赌”，按照正常的任务分解和分配流程完成生产任务在各工厂设备加工序列中的分配，查看调度结果能够满足紧急任务的交货期。若无法满足，</a:t>
+            </a:r>
+            <a:r>
+              <a:rPr lang="zh-CN" altLang="zh-CN" sz="1800" dirty="0"/>
+              <a:t>对系统中所有设备</a:t>
+            </a:r>
+            <a:r>
+              <a:rPr lang="en-US" altLang="zh-CN" sz="1800" dirty="0"/>
+              <a:t>Agent</a:t>
+            </a:r>
+            <a:r>
+              <a:rPr lang="zh-CN" altLang="zh-CN" sz="1800" dirty="0"/>
+              <a:t>所记录的加工序列进行备份后清空，而后系统在各设备空闲的前提下进行生产任务的跨区域分解流程，完成紧急订单的任务分配，而后对设备</a:t>
+            </a:r>
+            <a:r>
+              <a:rPr lang="en-US" altLang="zh-CN" sz="1800" dirty="0"/>
+              <a:t>Agent</a:t>
+            </a:r>
+            <a:r>
+              <a:rPr lang="zh-CN" altLang="zh-CN" sz="1800" dirty="0"/>
+              <a:t>原有的工序任务的备份按照相对顺序放回到对应设备的工序序列中。</a:t>
+            </a:r>
+          </a:p>
+          <a:p>
+            <a:pPr algn="l"/>
+            <a:endParaRPr lang="zh-CN" altLang="en-US" sz="1800" dirty="0"/>
+          </a:p>
+        </p:txBody>
+      </p:sp>
+    </p:spTree>
+    <p:extLst>
+      <p:ext uri="{BB962C8B-B14F-4D97-AF65-F5344CB8AC3E}">
+        <p14:creationId xmlns:p14="http://schemas.microsoft.com/office/powerpoint/2010/main" val="1363647421"/>
+      </p:ext>
+    </p:extLst>
+  </p:cSld>
+  <p:clrMapOvr>
+    <a:masterClrMapping/>
+  </p:clrMapOvr>
+</p:sld>
+</file>
+
+<file path=ppt/slides/slide13.xml><?xml version="1.0" encoding="utf-8"?>
+<p:sld xmlns:a="http://schemas.openxmlformats.org/drawingml/2006/main" xmlns:r="http://schemas.openxmlformats.org/officeDocument/2006/relationships" xmlns:p="http://schemas.openxmlformats.org/presentationml/2006/main">
+  <p:cSld>
+    <p:spTree>
+      <p:nvGrpSpPr>
+        <p:cNvPr id="1" name=""/>
+        <p:cNvGrpSpPr/>
+        <p:nvPr/>
+      </p:nvGrpSpPr>
+      <p:grpSpPr>
+        <a:xfrm>
+          <a:off x="0" y="0"/>
+          <a:ext cx="0" cy="0"/>
+          <a:chOff x="0" y="0"/>
+          <a:chExt cx="0" cy="0"/>
+        </a:xfrm>
+      </p:grpSpPr>
+      <p:sp>
+        <p:nvSpPr>
+          <p:cNvPr id="8" name="副标题 2">
+            <a:extLst>
+              <a:ext uri="{FF2B5EF4-FFF2-40B4-BE49-F238E27FC236}">
+                <a16:creationId xmlns:a16="http://schemas.microsoft.com/office/drawing/2014/main" id="{9CFD6E50-AA4E-4C30-9601-D0B17FC987E2}"/>
+              </a:ext>
+            </a:extLst>
+          </p:cNvPr>
+          <p:cNvSpPr>
+            <a:spLocks noGrp="1"/>
+          </p:cNvSpPr>
+          <p:nvPr>
+            <p:ph type="subTitle" idx="1"/>
+          </p:nvPr>
+        </p:nvSpPr>
+        <p:spPr>
+          <a:xfrm>
+            <a:off x="887767" y="479392"/>
+            <a:ext cx="9780233" cy="5157927"/>
+          </a:xfrm>
+        </p:spPr>
+        <p:txBody>
+          <a:bodyPr>
+            <a:noAutofit/>
+          </a:bodyPr>
+          <a:lstStyle/>
+          <a:p>
+            <a:pPr algn="l"/>
+            <a:r>
+              <a:rPr lang="en-US" altLang="zh-CN" sz="1800" dirty="0"/>
+              <a:t>2</a:t>
+            </a:r>
+            <a:r>
+              <a:rPr lang="zh-CN" altLang="zh-CN" sz="1800" b="1" dirty="0"/>
+              <a:t>基于多</a:t>
+            </a:r>
+            <a:r>
+              <a:rPr lang="en-US" altLang="zh-CN" sz="1800" b="1" dirty="0"/>
+              <a:t>Agent</a:t>
+            </a:r>
+            <a:r>
+              <a:rPr lang="zh-CN" altLang="zh-CN" sz="1800" b="1" dirty="0"/>
+              <a:t>的异常调度策略</a:t>
+            </a:r>
+            <a:endParaRPr lang="en-US" altLang="zh-CN" sz="1800" b="1" dirty="0"/>
+          </a:p>
+          <a:p>
+            <a:pPr algn="l"/>
+            <a:r>
+              <a:rPr lang="zh-CN" altLang="en-US" sz="1800" dirty="0"/>
+              <a:t>（</a:t>
+            </a:r>
+            <a:r>
+              <a:rPr lang="en-US" altLang="zh-CN" sz="1800" dirty="0"/>
+              <a:t>2</a:t>
+            </a:r>
+            <a:r>
+              <a:rPr lang="zh-CN" altLang="en-US" sz="1800" dirty="0"/>
+              <a:t>）</a:t>
+            </a:r>
+            <a:r>
+              <a:rPr lang="zh-CN" altLang="zh-CN" sz="1800" b="1" dirty="0"/>
+              <a:t>设备故障条件下的异常调度策略</a:t>
+            </a:r>
+            <a:endParaRPr lang="en-US" altLang="zh-CN" sz="1800" b="1" dirty="0"/>
+          </a:p>
+          <a:p>
+            <a:pPr algn="l"/>
+            <a:r>
+              <a:rPr lang="zh-CN" altLang="zh-CN" sz="1800" dirty="0"/>
+              <a:t>当设备由于零部件磨损、断裂等导致设备故障无法运行时</a:t>
+            </a:r>
+            <a:r>
+              <a:rPr lang="en-US" altLang="zh-CN" sz="1800" baseline="30000" dirty="0"/>
+              <a:t>[39]</a:t>
+            </a:r>
+            <a:r>
+              <a:rPr lang="zh-CN" altLang="zh-CN" sz="1800" dirty="0"/>
+              <a:t>，将导致原本安排给该设备的生产任务无法进行加工，同时由于工件中工序存在顺序约束，同属一工件的安排在正常设备上的工序任务也无法按照原生产计划进行，因此必须调整原有的调度方案。</a:t>
+            </a:r>
+          </a:p>
+          <a:p>
+            <a:pPr algn="l"/>
+            <a:r>
+              <a:rPr lang="zh-CN" altLang="en-US" sz="1800" dirty="0"/>
+              <a:t>本研究对设备故障作出以下假设：</a:t>
+            </a:r>
+            <a:endParaRPr lang="en-US" altLang="zh-CN" sz="1800" dirty="0"/>
+          </a:p>
+          <a:p>
+            <a:pPr algn="l"/>
+            <a:r>
+              <a:rPr lang="en-US" altLang="zh-CN" sz="1800" dirty="0"/>
+              <a:t>a)</a:t>
+            </a:r>
+            <a:r>
+              <a:rPr lang="zh-CN" altLang="zh-CN" dirty="0"/>
+              <a:t>工序加工过程不可中断</a:t>
+            </a:r>
+            <a:endParaRPr lang="en-US" altLang="zh-CN" dirty="0"/>
+          </a:p>
+          <a:p>
+            <a:pPr algn="l"/>
+            <a:r>
+              <a:rPr lang="en-US" altLang="zh-CN" sz="1800" dirty="0"/>
+              <a:t>b)</a:t>
+            </a:r>
+            <a:r>
+              <a:rPr lang="zh-CN" altLang="zh-CN" dirty="0"/>
+              <a:t>工件任务由所属地区的工厂优先处理</a:t>
+            </a:r>
+            <a:endParaRPr lang="en-US" altLang="zh-CN" sz="1800" dirty="0"/>
+          </a:p>
+          <a:p>
+            <a:pPr algn="l"/>
+            <a:endParaRPr lang="en-US" altLang="zh-CN" sz="1800" dirty="0"/>
+          </a:p>
+          <a:p>
+            <a:pPr algn="l"/>
+            <a:r>
+              <a:rPr lang="zh-CN" altLang="zh-CN" b="1" dirty="0"/>
+              <a:t>异常调度策略</a:t>
+            </a:r>
+            <a:r>
+              <a:rPr lang="zh-CN" altLang="en-US" b="1" dirty="0"/>
+              <a:t>执行过程</a:t>
+            </a:r>
+            <a:endParaRPr lang="en-US" altLang="zh-CN" b="1" dirty="0"/>
+          </a:p>
+          <a:p>
+            <a:pPr algn="l"/>
+            <a:r>
+              <a:rPr lang="zh-CN" altLang="en-US" b="1" dirty="0"/>
+              <a:t>（</a:t>
+            </a:r>
+            <a:r>
+              <a:rPr lang="en-US" altLang="zh-CN" b="1" dirty="0"/>
+              <a:t>1</a:t>
+            </a:r>
+            <a:r>
+              <a:rPr lang="zh-CN" altLang="en-US" b="1" dirty="0"/>
+              <a:t>）监控</a:t>
+            </a:r>
+            <a:r>
+              <a:rPr lang="en-US" altLang="zh-CN" b="1" dirty="0"/>
+              <a:t>Agent </a:t>
+            </a:r>
+            <a:r>
+              <a:rPr lang="zh-CN" altLang="en-US" b="1" dirty="0"/>
+              <a:t>读取并通知故障信息</a:t>
+            </a:r>
+            <a:endParaRPr lang="en-US" altLang="zh-CN" b="1" dirty="0"/>
+          </a:p>
+          <a:p>
+            <a:pPr algn="l"/>
+            <a:r>
+              <a:rPr lang="zh-CN" altLang="en-US" b="1" dirty="0"/>
+              <a:t>（</a:t>
+            </a:r>
+            <a:r>
+              <a:rPr lang="en-US" altLang="zh-CN" b="1" dirty="0"/>
+              <a:t>2</a:t>
+            </a:r>
+            <a:r>
+              <a:rPr lang="zh-CN" altLang="en-US" b="1" dirty="0"/>
+              <a:t>）</a:t>
+            </a:r>
+            <a:r>
+              <a:rPr lang="zh-CN" altLang="zh-CN" dirty="0"/>
+              <a:t>工序回收与工件任务封装</a:t>
+            </a:r>
+            <a:endParaRPr lang="en-US" altLang="zh-CN" dirty="0"/>
+          </a:p>
+          <a:p>
+            <a:pPr algn="l"/>
+            <a:r>
+              <a:rPr lang="zh-CN" altLang="en-US" dirty="0"/>
+              <a:t>（</a:t>
+            </a:r>
+            <a:r>
+              <a:rPr lang="en-US" altLang="zh-CN" dirty="0"/>
+              <a:t>3</a:t>
+            </a:r>
+            <a:r>
+              <a:rPr lang="zh-CN" altLang="en-US" dirty="0"/>
+              <a:t>）执行生产任务跨区域分解流程</a:t>
+            </a:r>
+            <a:endParaRPr lang="en-US" altLang="zh-CN" dirty="0"/>
+          </a:p>
+        </p:txBody>
+      </p:sp>
+    </p:spTree>
+    <p:extLst>
+      <p:ext uri="{BB962C8B-B14F-4D97-AF65-F5344CB8AC3E}">
+        <p14:creationId xmlns:p14="http://schemas.microsoft.com/office/powerpoint/2010/main" val="180818400"/>
+      </p:ext>
+    </p:extLst>
+  </p:cSld>
+  <p:clrMapOvr>
+    <a:masterClrMapping/>
+  </p:clrMapOvr>
+</p:sld>
+</file>
+
+<file path=ppt/slides/slide14.xml><?xml version="1.0" encoding="utf-8"?>
+<p:sld xmlns:a="http://schemas.openxmlformats.org/drawingml/2006/main" xmlns:r="http://schemas.openxmlformats.org/officeDocument/2006/relationships" xmlns:p="http://schemas.openxmlformats.org/presentationml/2006/main">
+  <p:cSld>
+    <p:spTree>
+      <p:nvGrpSpPr>
+        <p:cNvPr id="1" name=""/>
+        <p:cNvGrpSpPr/>
+        <p:nvPr/>
+      </p:nvGrpSpPr>
+      <p:grpSpPr>
+        <a:xfrm>
+          <a:off x="0" y="0"/>
+          <a:ext cx="0" cy="0"/>
+          <a:chOff x="0" y="0"/>
+          <a:chExt cx="0" cy="0"/>
+        </a:xfrm>
+      </p:grpSpPr>
+      <p:sp>
+        <p:nvSpPr>
+          <p:cNvPr id="2" name="标题 1">
+            <a:extLst>
+              <a:ext uri="{FF2B5EF4-FFF2-40B4-BE49-F238E27FC236}">
+                <a16:creationId xmlns:a16="http://schemas.microsoft.com/office/drawing/2014/main" id="{F9DE3B63-B259-4545-BF5E-35030AA15785}"/>
+              </a:ext>
+            </a:extLst>
+          </p:cNvPr>
+          <p:cNvSpPr>
+            <a:spLocks noGrp="1"/>
+          </p:cNvSpPr>
+          <p:nvPr>
+            <p:ph type="ctrTitle"/>
+          </p:nvPr>
+        </p:nvSpPr>
+        <p:spPr>
+          <a:xfrm>
+            <a:off x="1586144" y="1734923"/>
+            <a:ext cx="9144000" cy="2387600"/>
+          </a:xfrm>
+        </p:spPr>
+        <p:txBody>
+          <a:bodyPr/>
+          <a:lstStyle/>
+          <a:p>
+            <a:r>
+              <a:rPr lang="zh-CN" altLang="en-US" dirty="0"/>
+              <a:t>柔性生产动态调度系统中的调度算法</a:t>
+            </a:r>
+          </a:p>
+        </p:txBody>
+      </p:sp>
+    </p:spTree>
+    <p:extLst>
+      <p:ext uri="{BB962C8B-B14F-4D97-AF65-F5344CB8AC3E}">
+        <p14:creationId xmlns:p14="http://schemas.microsoft.com/office/powerpoint/2010/main" val="1524756574"/>
+      </p:ext>
+    </p:extLst>
+  </p:cSld>
+  <p:clrMapOvr>
+    <a:masterClrMapping/>
+  </p:clrMapOvr>
+</p:sld>
+</file>
+
+<file path=ppt/slides/slide15.xml><?xml version="1.0" encoding="utf-8"?>
+<p:sld xmlns:a="http://schemas.openxmlformats.org/drawingml/2006/main" xmlns:r="http://schemas.openxmlformats.org/officeDocument/2006/relationships" xmlns:p="http://schemas.openxmlformats.org/presentationml/2006/main">
+  <p:cSld>
+    <p:spTree>
+      <p:nvGrpSpPr>
+        <p:cNvPr id="1" name=""/>
+        <p:cNvGrpSpPr/>
+        <p:nvPr/>
+      </p:nvGrpSpPr>
+      <p:grpSpPr>
+        <a:xfrm>
+          <a:off x="0" y="0"/>
+          <a:ext cx="0" cy="0"/>
+          <a:chOff x="0" y="0"/>
+          <a:chExt cx="0" cy="0"/>
+        </a:xfrm>
+      </p:grpSpPr>
+      <mc:AlternateContent xmlns:mc="http://schemas.openxmlformats.org/markup-compatibility/2006">
+        <mc:Choice xmlns:a14="http://schemas.microsoft.com/office/drawing/2010/main" Requires="a14">
+          <p:sp>
+            <p:nvSpPr>
+              <p:cNvPr id="8" name="副标题 2">
+                <a:extLst>
+                  <a:ext uri="{FF2B5EF4-FFF2-40B4-BE49-F238E27FC236}">
+                    <a16:creationId xmlns:a16="http://schemas.microsoft.com/office/drawing/2014/main" id="{9CFD6E50-AA4E-4C30-9601-D0B17FC987E2}"/>
+                  </a:ext>
+                </a:extLst>
+              </p:cNvPr>
+              <p:cNvSpPr>
+                <a:spLocks noGrp="1"/>
+              </p:cNvSpPr>
+              <p:nvPr>
+                <p:ph type="subTitle" idx="1"/>
+              </p:nvPr>
+            </p:nvSpPr>
+            <p:spPr>
+              <a:xfrm>
+                <a:off x="887767" y="479392"/>
+                <a:ext cx="9780233" cy="5157927"/>
+              </a:xfrm>
+            </p:spPr>
+            <p:txBody>
+              <a:bodyPr>
+                <a:noAutofit/>
+              </a:bodyPr>
+              <a:lstStyle/>
+              <a:p>
+                <a:pPr algn="l"/>
+                <a:r>
+                  <a:rPr lang="zh-CN" altLang="en-US" sz="1800" dirty="0"/>
+                  <a:t>四柔性生产调度系统中的调度算法</a:t>
+                </a:r>
+                <a:endParaRPr lang="en-US" altLang="zh-CN" sz="1800" dirty="0"/>
+              </a:p>
+              <a:p>
+                <a:pPr algn="l"/>
+                <a:r>
+                  <a:rPr lang="zh-CN" altLang="en-US" sz="1800" dirty="0"/>
+                  <a:t>本研究使用改进的蚁群算法作为调度算法。柔性作业调度问题</a:t>
+                </a:r>
+                <a:r>
+                  <a:rPr lang="en-US" altLang="zh-CN" sz="1800" dirty="0"/>
+                  <a:t>(FJSP)</a:t>
+                </a:r>
+                <a:r>
+                  <a:rPr lang="zh-CN" altLang="en-US" sz="1800" dirty="0"/>
+                  <a:t>与</a:t>
+                </a:r>
+                <a:r>
+                  <a:rPr lang="en-US" altLang="zh-CN" sz="1800" dirty="0"/>
+                  <a:t>TSP</a:t>
+                </a:r>
+                <a:r>
+                  <a:rPr lang="zh-CN" altLang="en-US" sz="1800" dirty="0"/>
+                  <a:t>最大的区别在于</a:t>
+                </a:r>
+                <a:r>
+                  <a:rPr lang="en-US" altLang="zh-CN" sz="1800" dirty="0"/>
+                  <a:t>FJSP</a:t>
+                </a:r>
+                <a:r>
+                  <a:rPr lang="zh-CN" altLang="en-US" sz="1800" dirty="0"/>
+                  <a:t>中同属一工件的工件存在顺序约束以及机器选择，因此在基本蚁群算法</a:t>
+                </a:r>
+                <a:endParaRPr lang="en-US" altLang="zh-CN" sz="1800" dirty="0"/>
+              </a:p>
+              <a:p>
+                <a:pPr algn="l"/>
+                <a:r>
+                  <a:rPr lang="zh-CN" altLang="en-US" sz="1800" dirty="0"/>
+                  <a:t>中</a:t>
+                </a:r>
+                <a:r>
+                  <a:rPr lang="en-US" altLang="zh-CN" sz="1800" dirty="0"/>
+                  <a:t>TSP</a:t>
+                </a:r>
+                <a:r>
+                  <a:rPr lang="zh-CN" altLang="en-US" sz="1800" dirty="0"/>
+                  <a:t>和</a:t>
+                </a:r>
+                <a:r>
+                  <a:rPr lang="en-US" altLang="zh-CN" sz="1800" dirty="0"/>
+                  <a:t>FJSP</a:t>
+                </a:r>
+                <a:r>
+                  <a:rPr lang="zh-CN" altLang="en-US" sz="1800" dirty="0"/>
+                  <a:t>的数学表达式存在差异：</a:t>
+                </a:r>
+                <a:endParaRPr lang="en-US" altLang="zh-CN" sz="1800" dirty="0"/>
+              </a:p>
+              <a:p>
+                <a:pPr algn="l"/>
+                <a14:m>
+                  <m:oMathPara xmlns:m="http://schemas.openxmlformats.org/officeDocument/2006/math">
+                    <m:oMathParaPr>
+                      <m:jc m:val="centerGroup"/>
+                    </m:oMathParaPr>
+                    <m:oMath xmlns:m="http://schemas.openxmlformats.org/officeDocument/2006/math">
+                      <m:sSubSup>
+                        <m:sSubSupPr>
+                          <m:ctrlPr>
+                            <a:rPr lang="zh-CN" altLang="zh-CN" sz="1800" i="1"/>
+                          </m:ctrlPr>
+                        </m:sSubSupPr>
+                        <m:e>
+                          <m:r>
+                            <a:rPr lang="en-US" altLang="zh-CN" sz="1800" i="1"/>
+                            <m:t>𝑃</m:t>
+                          </m:r>
+                        </m:e>
+                        <m:sub>
+                          <m:r>
+                            <a:rPr lang="en-US" altLang="zh-CN" sz="1800" i="1"/>
+                            <m:t>𝑖</m:t>
+                          </m:r>
+                          <m:r>
+                            <a:rPr lang="en-US" altLang="zh-CN" sz="1800" i="1"/>
+                            <m:t>,</m:t>
+                          </m:r>
+                          <m:r>
+                            <a:rPr lang="en-US" altLang="zh-CN" sz="1800" i="1"/>
+                            <m:t>𝑗</m:t>
+                          </m:r>
+                        </m:sub>
+                        <m:sup>
+                          <m:r>
+                            <a:rPr lang="en-US" altLang="zh-CN" sz="1800" i="1"/>
+                            <m:t>𝑥</m:t>
+                          </m:r>
+                        </m:sup>
+                      </m:sSubSup>
+                      <m:r>
+                        <a:rPr lang="en-US" altLang="zh-CN" sz="1800"/>
+                        <m:t>(</m:t>
+                      </m:r>
+                      <m:r>
+                        <a:rPr lang="en-US" altLang="zh-CN" sz="1800" i="1"/>
+                        <m:t>𝑡</m:t>
+                      </m:r>
+                      <m:r>
+                        <a:rPr lang="en-US" altLang="zh-CN" sz="1800"/>
+                        <m:t>)=</m:t>
+                      </m:r>
+                      <m:d>
+                        <m:dPr>
+                          <m:begChr m:val="{"/>
+                          <m:endChr m:val=""/>
+                          <m:ctrlPr>
+                            <a:rPr lang="zh-CN" altLang="zh-CN" sz="1800" i="1"/>
+                          </m:ctrlPr>
+                        </m:dPr>
+                        <m:e>
+                          <m:eqArr>
+                            <m:eqArrPr>
+                              <m:ctrlPr>
+                                <a:rPr lang="zh-CN" altLang="zh-CN" sz="1800" i="1"/>
+                              </m:ctrlPr>
+                            </m:eqArrPr>
+                            <m:e>
+                              <m:f>
+                                <m:fPr>
+                                  <m:ctrlPr>
+                                    <a:rPr lang="zh-CN" altLang="zh-CN" sz="1800" i="1"/>
+                                  </m:ctrlPr>
+                                </m:fPr>
+                                <m:num>
+                                  <m:sSubSup>
+                                    <m:sSubSupPr>
+                                      <m:ctrlPr>
+                                        <a:rPr lang="zh-CN" altLang="zh-CN" sz="1800" i="1"/>
+                                      </m:ctrlPr>
+                                    </m:sSubSupPr>
+                                    <m:e>
+                                      <m:r>
+                                        <a:rPr lang="en-US" altLang="zh-CN" sz="1800" i="1"/>
+                                        <m:t>𝜏</m:t>
+                                      </m:r>
+                                    </m:e>
+                                    <m:sub>
+                                      <m:r>
+                                        <a:rPr lang="en-US" altLang="zh-CN" sz="1800" i="1"/>
+                                        <m:t>𝑖</m:t>
+                                      </m:r>
+                                      <m:r>
+                                        <a:rPr lang="en-US" altLang="zh-CN" sz="1800" i="1"/>
+                                        <m:t>,</m:t>
+                                      </m:r>
+                                      <m:r>
+                                        <a:rPr lang="en-US" altLang="zh-CN" sz="1800" i="1"/>
+                                        <m:t>𝑗</m:t>
+                                      </m:r>
+                                    </m:sub>
+                                    <m:sup>
+                                      <m:r>
+                                        <a:rPr lang="en-US" altLang="zh-CN" sz="1800" i="1"/>
+                                        <m:t>𝛼</m:t>
+                                      </m:r>
+                                    </m:sup>
+                                  </m:sSubSup>
+                                  <m:r>
+                                    <a:rPr lang="en-US" altLang="zh-CN" sz="1800" i="1"/>
+                                    <m:t>(</m:t>
+                                  </m:r>
+                                  <m:r>
+                                    <a:rPr lang="en-US" altLang="zh-CN" sz="1800" i="1"/>
+                                    <m:t>𝑡</m:t>
+                                  </m:r>
+                                  <m:r>
+                                    <a:rPr lang="en-US" altLang="zh-CN" sz="1800" i="1"/>
+                                    <m:t>)</m:t>
+                                  </m:r>
+                                  <m:sSubSup>
+                                    <m:sSubSupPr>
+                                      <m:ctrlPr>
+                                        <a:rPr lang="zh-CN" altLang="zh-CN" sz="1800" i="1"/>
+                                      </m:ctrlPr>
+                                    </m:sSubSupPr>
+                                    <m:e>
+                                      <m:r>
+                                        <a:rPr lang="en-US" altLang="zh-CN" sz="1800" i="1"/>
+                                        <m:t>𝜂</m:t>
+                                      </m:r>
+                                    </m:e>
+                                    <m:sub>
+                                      <m:r>
+                                        <a:rPr lang="en-US" altLang="zh-CN" sz="1800" i="1"/>
+                                        <m:t>𝑖</m:t>
+                                      </m:r>
+                                      <m:r>
+                                        <a:rPr lang="en-US" altLang="zh-CN" sz="1800" i="1"/>
+                                        <m:t>,</m:t>
+                                      </m:r>
+                                      <m:r>
+                                        <a:rPr lang="en-US" altLang="zh-CN" sz="1800" i="1"/>
+                                        <m:t>𝑗</m:t>
+                                      </m:r>
+                                    </m:sub>
+                                    <m:sup>
+                                      <m:r>
+                                        <a:rPr lang="en-US" altLang="zh-CN" sz="1800" i="1"/>
+                                        <m:t>𝛽</m:t>
+                                      </m:r>
+                                    </m:sup>
+                                  </m:sSubSup>
+                                  <m:r>
+                                    <a:rPr lang="en-US" altLang="zh-CN" sz="1800" i="1"/>
+                                    <m:t>(</m:t>
+                                  </m:r>
+                                  <m:r>
+                                    <a:rPr lang="en-US" altLang="zh-CN" sz="1800" i="1"/>
+                                    <m:t>𝑡</m:t>
+                                  </m:r>
+                                  <m:r>
+                                    <a:rPr lang="en-US" altLang="zh-CN" sz="1800" i="1"/>
+                                    <m:t>)</m:t>
+                                  </m:r>
+                                </m:num>
+                                <m:den>
+                                  <m:nary>
+                                    <m:naryPr>
+                                      <m:chr m:val="∑"/>
+                                      <m:limLoc m:val="undOvr"/>
+                                      <m:supHide m:val="on"/>
+                                      <m:ctrlPr>
+                                        <a:rPr lang="zh-CN" altLang="zh-CN" sz="1800" i="1"/>
+                                      </m:ctrlPr>
+                                    </m:naryPr>
+                                    <m:sub>
+                                      <m:r>
+                                        <a:rPr lang="en-US" altLang="zh-CN" sz="1800" i="1"/>
+                                        <m:t>𝑠</m:t>
+                                      </m:r>
+                                      <m:r>
+                                        <a:rPr lang="en-US" altLang="zh-CN" sz="1800" i="1"/>
+                                        <m:t>∈</m:t>
+                                      </m:r>
+                                      <m:sSubSup>
+                                        <m:sSubSupPr>
+                                          <m:ctrlPr>
+                                            <a:rPr lang="zh-CN" altLang="zh-CN" sz="1800" i="1"/>
+                                          </m:ctrlPr>
+                                        </m:sSubSupPr>
+                                        <m:e>
+                                          <m:r>
+                                            <a:rPr lang="en-US" altLang="zh-CN" sz="1800" i="1"/>
+                                            <m:t>𝑎𝑙𝑙𝑜𝑤𝑒𝑑</m:t>
+                                          </m:r>
+                                        </m:e>
+                                        <m:sub>
+                                          <m:r>
+                                            <a:rPr lang="en-US" altLang="zh-CN" sz="1800" i="1"/>
+                                            <m:t>𝑖</m:t>
+                                          </m:r>
+                                        </m:sub>
+                                        <m:sup>
+                                          <m:r>
+                                            <a:rPr lang="en-US" altLang="zh-CN" sz="1800" i="1"/>
+                                            <m:t>𝑥</m:t>
+                                          </m:r>
+                                        </m:sup>
+                                      </m:sSubSup>
+                                    </m:sub>
+                                    <m:sup/>
+                                    <m:e>
+                                      <m:sSubSup>
+                                        <m:sSubSupPr>
+                                          <m:ctrlPr>
+                                            <a:rPr lang="zh-CN" altLang="zh-CN" sz="1800" i="1"/>
+                                          </m:ctrlPr>
+                                        </m:sSubSupPr>
+                                        <m:e>
+                                          <m:r>
+                                            <a:rPr lang="en-US" altLang="zh-CN" sz="1800" i="1"/>
+                                            <m:t>𝜏</m:t>
+                                          </m:r>
+                                        </m:e>
+                                        <m:sub>
+                                          <m:r>
+                                            <a:rPr lang="en-US" altLang="zh-CN" sz="1800" i="1"/>
+                                            <m:t>𝑖</m:t>
+                                          </m:r>
+                                          <m:r>
+                                            <a:rPr lang="en-US" altLang="zh-CN" sz="1800" i="1"/>
+                                            <m:t>,</m:t>
+                                          </m:r>
+                                          <m:r>
+                                            <a:rPr lang="en-US" altLang="zh-CN" sz="1800" i="1"/>
+                                            <m:t>𝑠</m:t>
+                                          </m:r>
+                                        </m:sub>
+                                        <m:sup>
+                                          <m:r>
+                                            <a:rPr lang="en-US" altLang="zh-CN" sz="1800" i="1"/>
+                                            <m:t>𝛼</m:t>
+                                          </m:r>
+                                        </m:sup>
+                                      </m:sSubSup>
+                                      <m:r>
+                                        <a:rPr lang="en-US" altLang="zh-CN" sz="1800" i="1"/>
+                                        <m:t>(</m:t>
+                                      </m:r>
+                                      <m:r>
+                                        <a:rPr lang="en-US" altLang="zh-CN" sz="1800" i="1"/>
+                                        <m:t>𝑡</m:t>
+                                      </m:r>
+                                      <m:r>
+                                        <a:rPr lang="en-US" altLang="zh-CN" sz="1800" i="1"/>
+                                        <m:t>)</m:t>
+                                      </m:r>
+                                      <m:sSubSup>
+                                        <m:sSubSupPr>
+                                          <m:ctrlPr>
+                                            <a:rPr lang="zh-CN" altLang="zh-CN" sz="1800" i="1"/>
+                                          </m:ctrlPr>
+                                        </m:sSubSupPr>
+                                        <m:e>
+                                          <m:r>
+                                            <a:rPr lang="en-US" altLang="zh-CN" sz="1800" i="1"/>
+                                            <m:t>𝜂</m:t>
+                                          </m:r>
+                                        </m:e>
+                                        <m:sub>
+                                          <m:r>
+                                            <a:rPr lang="en-US" altLang="zh-CN" sz="1800" i="1"/>
+                                            <m:t>𝑖</m:t>
+                                          </m:r>
+                                          <m:r>
+                                            <a:rPr lang="en-US" altLang="zh-CN" sz="1800" i="1"/>
+                                            <m:t>,</m:t>
+                                          </m:r>
+                                          <m:r>
+                                            <a:rPr lang="en-US" altLang="zh-CN" sz="1800" i="1"/>
+                                            <m:t>𝑠</m:t>
+                                          </m:r>
+                                        </m:sub>
+                                        <m:sup>
+                                          <m:r>
+                                            <a:rPr lang="en-US" altLang="zh-CN" sz="1800" i="1"/>
+                                            <m:t>𝛽</m:t>
+                                          </m:r>
+                                        </m:sup>
+                                      </m:sSubSup>
+                                      <m:r>
+                                        <a:rPr lang="en-US" altLang="zh-CN" sz="1800" i="1"/>
+                                        <m:t>(</m:t>
+                                      </m:r>
+                                      <m:r>
+                                        <a:rPr lang="en-US" altLang="zh-CN" sz="1800" i="1"/>
+                                        <m:t>𝑡</m:t>
+                                      </m:r>
+                                      <m:r>
+                                        <a:rPr lang="en-US" altLang="zh-CN" sz="1800" i="1"/>
+                                        <m:t>)</m:t>
+                                      </m:r>
+                                    </m:e>
+                                  </m:nary>
+                                </m:den>
+                              </m:f>
+                              <m:r>
+                                <a:rPr lang="en-US" altLang="zh-CN" sz="1800"/>
+                                <m:t>,  &amp;</m:t>
+                              </m:r>
+                              <m:r>
+                                <a:rPr lang="en-US" altLang="zh-CN" sz="1800" i="1"/>
+                                <m:t>𝑗</m:t>
+                              </m:r>
+                              <m:r>
+                                <a:rPr lang="en-US" altLang="zh-CN" sz="1800"/>
+                                <m:t>∈</m:t>
+                              </m:r>
+                              <m:sSubSup>
+                                <m:sSubSupPr>
+                                  <m:ctrlPr>
+                                    <a:rPr lang="zh-CN" altLang="zh-CN" sz="1800" i="1"/>
+                                  </m:ctrlPr>
+                                </m:sSubSupPr>
+                                <m:e>
+                                  <m:r>
+                                    <a:rPr lang="en-US" altLang="zh-CN" sz="1800" i="1"/>
+                                    <m:t>𝑎𝑙𝑙𝑜𝑤𝑒𝑑</m:t>
+                                  </m:r>
+                                </m:e>
+                                <m:sub>
+                                  <m:r>
+                                    <a:rPr lang="en-US" altLang="zh-CN" sz="1800" i="1"/>
+                                    <m:t>𝑖</m:t>
+                                  </m:r>
+                                </m:sub>
+                                <m:sup>
+                                  <m:r>
+                                    <a:rPr lang="en-US" altLang="zh-CN" sz="1800" i="1"/>
+                                    <m:t>𝑥</m:t>
+                                  </m:r>
+                                </m:sup>
+                              </m:sSubSup>
+                            </m:e>
+                            <m:e>
+                              <m:r>
+                                <a:rPr lang="en-US" altLang="zh-CN" sz="1800"/>
+                                <m:t>0                       ,  &amp;</m:t>
+                              </m:r>
+                              <m:r>
+                                <a:rPr lang="en-US" altLang="zh-CN" sz="1800" i="1"/>
+                                <m:t>𝑜𝑡h𝑒𝑟𝑤𝑖𝑠𝑒</m:t>
+                              </m:r>
+                            </m:e>
+                          </m:eqArr>
+                        </m:e>
+                      </m:d>
+                    </m:oMath>
+                  </m:oMathPara>
+                </a14:m>
+                <a:endParaRPr lang="en-US" altLang="zh-CN" sz="1800" dirty="0"/>
+              </a:p>
+              <a:p>
+                <a:pPr algn="l"/>
+                <a:endParaRPr lang="en-US" altLang="zh-CN" sz="1800" dirty="0"/>
+              </a:p>
+              <a:p>
+                <a:pPr algn="l"/>
+                <a:endParaRPr lang="en-US" altLang="zh-CN" sz="1800" dirty="0"/>
+              </a:p>
+              <a:p>
+                <a:pPr algn="l"/>
+                <a:endParaRPr lang="en-US" altLang="zh-CN" sz="1800" dirty="0"/>
+              </a:p>
+              <a:p>
+                <a:pPr algn="l"/>
+                <a:endParaRPr lang="en-US" altLang="zh-CN" sz="1800" dirty="0"/>
+              </a:p>
+              <a:p>
+                <a:pPr algn="l"/>
+                <a:endParaRPr lang="en-US" altLang="zh-CN" sz="1800" dirty="0"/>
+              </a:p>
+              <a:p>
+                <a:pPr algn="l"/>
+                <a:endParaRPr lang="en-US" altLang="zh-CN" sz="1800" dirty="0"/>
+              </a:p>
+              <a:p>
+                <a:pPr algn="l"/>
+                <a:endParaRPr lang="en-US" altLang="zh-CN" sz="1800" dirty="0"/>
+              </a:p>
+              <a:p>
+                <a:pPr algn="l"/>
+                <a14:m>
+                  <m:oMathPara xmlns:m="http://schemas.openxmlformats.org/officeDocument/2006/math">
+                    <m:oMathParaPr>
+                      <m:jc m:val="centerGroup"/>
+                    </m:oMathParaPr>
+                    <m:oMath xmlns:m="http://schemas.openxmlformats.org/officeDocument/2006/math">
+                      <m:sSubSup>
+                        <m:sSubSupPr>
+                          <m:ctrlPr>
+                            <a:rPr lang="zh-CN" altLang="zh-CN" sz="1800" i="1"/>
+                          </m:ctrlPr>
+                        </m:sSubSupPr>
+                        <m:e>
+                          <m:r>
+                            <a:rPr lang="en-US" altLang="zh-CN" sz="1800" i="1"/>
+                            <m:t>𝜂</m:t>
+                          </m:r>
+                        </m:e>
+                        <m:sub>
+                          <m:r>
+                            <a:rPr lang="en-US" altLang="zh-CN" sz="1800" i="1"/>
+                            <m:t>𝑖</m:t>
+                          </m:r>
+                          <m:r>
+                            <a:rPr lang="en-US" altLang="zh-CN" sz="1800" i="1"/>
+                            <m:t>,</m:t>
+                          </m:r>
+                          <m:r>
+                            <a:rPr lang="en-US" altLang="zh-CN" sz="1800" i="1"/>
+                            <m:t>𝑗</m:t>
+                          </m:r>
+                          <m:r>
+                            <a:rPr lang="en-US" altLang="zh-CN" sz="1800" i="1"/>
+                            <m:t>,</m:t>
+                          </m:r>
+                          <m:r>
+                            <a:rPr lang="en-US" altLang="zh-CN" sz="1800" i="1"/>
+                            <m:t>𝑘</m:t>
+                          </m:r>
+                        </m:sub>
+                        <m:sup>
+                          <m:r>
+                            <a:rPr lang="en-US" altLang="zh-CN" sz="1800" i="1"/>
+                            <m:t>𝑥</m:t>
+                          </m:r>
+                        </m:sup>
+                      </m:sSubSup>
+                      <m:r>
+                        <a:rPr lang="en-US" altLang="zh-CN" sz="1800"/>
+                        <m:t>(</m:t>
+                      </m:r>
+                      <m:r>
+                        <a:rPr lang="en-US" altLang="zh-CN" sz="1800" i="1"/>
+                        <m:t>𝑡</m:t>
+                      </m:r>
+                      <m:r>
+                        <a:rPr lang="en-US" altLang="zh-CN" sz="1800"/>
+                        <m:t>)=  </m:t>
+                      </m:r>
+                      <m:f>
+                        <m:fPr>
+                          <m:ctrlPr>
+                            <a:rPr lang="zh-CN" altLang="zh-CN" sz="1800" i="1"/>
+                          </m:ctrlPr>
+                        </m:fPr>
+                        <m:num>
+                          <m:r>
+                            <a:rPr lang="en-US" altLang="zh-CN" sz="1800" i="1"/>
+                            <m:t>1</m:t>
+                          </m:r>
+                        </m:num>
+                        <m:den>
+                          <m:sSub>
+                            <m:sSubPr>
+                              <m:ctrlPr>
+                                <a:rPr lang="zh-CN" altLang="zh-CN" sz="1800" i="1"/>
+                              </m:ctrlPr>
+                            </m:sSubPr>
+                            <m:e>
+                              <m:r>
+                                <a:rPr lang="en-US" altLang="zh-CN" sz="1800" i="1"/>
+                                <m:t>𝑐</m:t>
+                              </m:r>
+                            </m:e>
+                            <m:sub>
+                              <m:r>
+                                <a:rPr lang="en-US" altLang="zh-CN" sz="1800" i="1"/>
+                                <m:t>𝑖</m:t>
+                              </m:r>
+                              <m:r>
+                                <a:rPr lang="en-US" altLang="zh-CN" sz="1800" i="1"/>
+                                <m:t>,</m:t>
+                              </m:r>
+                              <m:r>
+                                <a:rPr lang="en-US" altLang="zh-CN" sz="1800" i="1"/>
+                                <m:t>𝑗</m:t>
+                              </m:r>
+                              <m:r>
+                                <a:rPr lang="en-US" altLang="zh-CN" sz="1800" i="1"/>
+                                <m:t>,</m:t>
+                              </m:r>
+                              <m:r>
+                                <a:rPr lang="en-US" altLang="zh-CN" sz="1800" i="1"/>
+                                <m:t>𝑘</m:t>
+                              </m:r>
+                            </m:sub>
+                          </m:sSub>
+                        </m:den>
+                      </m:f>
+                      <m:r>
+                        <a:rPr lang="en-US" altLang="zh-CN" sz="1800"/>
+                        <m:t>,  </m:t>
+                      </m:r>
+                      <m:r>
+                        <a:rPr lang="en-US" altLang="zh-CN" sz="1800" i="1"/>
+                        <m:t>𝑗</m:t>
+                      </m:r>
+                      <m:r>
+                        <a:rPr lang="en-US" altLang="zh-CN" sz="1800"/>
+                        <m:t>∈</m:t>
+                      </m:r>
+                      <m:sSubSup>
+                        <m:sSubSupPr>
+                          <m:ctrlPr>
+                            <a:rPr lang="zh-CN" altLang="zh-CN" sz="1800" i="1"/>
+                          </m:ctrlPr>
+                        </m:sSubSupPr>
+                        <m:e>
+                          <m:r>
+                            <a:rPr lang="en-US" altLang="zh-CN" sz="1800" i="1"/>
+                            <m:t>𝑎𝑙𝑙𝑜𝑤𝑒𝑑</m:t>
+                          </m:r>
+                        </m:e>
+                        <m:sub>
+                          <m:r>
+                            <a:rPr lang="en-US" altLang="zh-CN" sz="1800" i="1"/>
+                            <m:t>𝑖</m:t>
+                          </m:r>
+                        </m:sub>
+                        <m:sup>
+                          <m:r>
+                            <a:rPr lang="en-US" altLang="zh-CN" sz="1800" i="1"/>
+                            <m:t>𝑥</m:t>
+                          </m:r>
+                        </m:sup>
+                      </m:sSubSup>
+                      <m:r>
+                        <a:rPr lang="en-US" altLang="zh-CN" sz="1800" i="1"/>
+                        <m:t>, </m:t>
+                      </m:r>
+                      <m:r>
+                        <a:rPr lang="en-US" altLang="zh-CN" sz="1800" i="1"/>
+                        <m:t>𝑘</m:t>
+                      </m:r>
+                      <m:r>
+                        <a:rPr lang="en-US" altLang="zh-CN" sz="1800"/>
+                        <m:t>∈</m:t>
+                      </m:r>
+                      <m:sSubSup>
+                        <m:sSubSupPr>
+                          <m:ctrlPr>
+                            <a:rPr lang="zh-CN" altLang="zh-CN" sz="1800" i="1"/>
+                          </m:ctrlPr>
+                        </m:sSubSupPr>
+                        <m:e>
+                          <m:r>
+                            <a:rPr lang="en-US" altLang="zh-CN" sz="1800" i="1"/>
+                            <m:t>𝑀𝐶</m:t>
+                          </m:r>
+                        </m:e>
+                        <m:sub>
+                          <m:r>
+                            <a:rPr lang="en-US" altLang="zh-CN" sz="1800" i="1"/>
+                            <m:t>𝑖</m:t>
+                          </m:r>
+                          <m:r>
+                            <a:rPr lang="en-US" altLang="zh-CN" sz="1800" i="1"/>
+                            <m:t>,</m:t>
+                          </m:r>
+                          <m:r>
+                            <a:rPr lang="en-US" altLang="zh-CN" sz="1800" i="1"/>
+                            <m:t>𝑗</m:t>
+                          </m:r>
+                        </m:sub>
+                        <m:sup>
+                          <m:r>
+                            <a:rPr lang="en-US" altLang="zh-CN" sz="1800" i="1"/>
+                            <m:t> </m:t>
+                          </m:r>
+                        </m:sup>
+                      </m:sSubSup>
+                    </m:oMath>
+                  </m:oMathPara>
+                </a14:m>
+                <a:endParaRPr lang="en-US" altLang="zh-CN" sz="1800" dirty="0"/>
+              </a:p>
+              <a:p>
+                <a:pPr algn="l"/>
+                <a:endParaRPr lang="en-US" altLang="zh-CN" sz="1800" dirty="0"/>
+              </a:p>
+              <a:p>
+                <a:pPr algn="l"/>
+                <a:endParaRPr lang="en-US" altLang="zh-CN" sz="1800" dirty="0"/>
+              </a:p>
+              <a:p>
+                <a:pPr algn="l"/>
+                <a:endParaRPr lang="en-US" altLang="zh-CN" sz="1800" dirty="0"/>
+              </a:p>
+              <a:p>
+                <a:pPr algn="l"/>
+                <a:endParaRPr lang="en-US" altLang="zh-CN" sz="1800" dirty="0"/>
+              </a:p>
+              <a:p>
+                <a:pPr algn="l"/>
+                <a:endParaRPr lang="en-US" altLang="zh-CN" sz="1800" dirty="0"/>
+              </a:p>
+              <a:p>
+                <a:pPr algn="l"/>
+                <a:endParaRPr lang="en-US" altLang="zh-CN" sz="1800" dirty="0"/>
+              </a:p>
+            </p:txBody>
+          </p:sp>
+        </mc:Choice>
+        <mc:Fallback>
+          <p:sp>
+            <p:nvSpPr>
+              <p:cNvPr id="8" name="副标题 2">
+                <a:extLst>
+                  <a:ext uri="{FF2B5EF4-FFF2-40B4-BE49-F238E27FC236}">
+                    <a16:creationId xmlns:a16="http://schemas.microsoft.com/office/drawing/2014/main" id="{9CFD6E50-AA4E-4C30-9601-D0B17FC987E2}"/>
+                  </a:ext>
+                </a:extLst>
+              </p:cNvPr>
+              <p:cNvSpPr>
+                <a:spLocks noGrp="1" noRot="1" noChangeAspect="1" noMove="1" noResize="1" noEditPoints="1" noAdjustHandles="1" noChangeArrowheads="1" noChangeShapeType="1" noTextEdit="1"/>
+              </p:cNvSpPr>
+              <p:nvPr>
+                <p:ph type="subTitle" idx="1"/>
+              </p:nvPr>
+            </p:nvSpPr>
+            <p:spPr>
+              <a:xfrm>
+                <a:off x="887767" y="479392"/>
+                <a:ext cx="9780233" cy="5157927"/>
+              </a:xfrm>
+              <a:blipFill>
+                <a:blip r:embed="rId2"/>
+                <a:stretch>
+                  <a:fillRect l="-561" t="-1300" r="-499" b="-9456"/>
+                </a:stretch>
+              </a:blipFill>
+            </p:spPr>
+            <p:txBody>
+              <a:bodyPr/>
+              <a:lstStyle/>
+              <a:p>
+                <a:r>
+                  <a:rPr lang="zh-CN" altLang="en-US">
+                    <a:noFill/>
+                  </a:rPr>
+                  <a:t> </a:t>
+                </a:r>
+              </a:p>
+            </p:txBody>
+          </p:sp>
+        </mc:Fallback>
+      </mc:AlternateContent>
+      <mc:AlternateContent xmlns:mc="http://schemas.openxmlformats.org/markup-compatibility/2006">
+        <mc:Choice xmlns:a14="http://schemas.microsoft.com/office/drawing/2010/main" Requires="a14">
+          <p:sp>
+            <p:nvSpPr>
+              <p:cNvPr id="3" name="矩形 2">
+                <a:extLst>
+                  <a:ext uri="{FF2B5EF4-FFF2-40B4-BE49-F238E27FC236}">
+                    <a16:creationId xmlns:a16="http://schemas.microsoft.com/office/drawing/2014/main" id="{712CDB54-A6B4-4EB7-9DD9-528317F6A706}"/>
+                  </a:ext>
+                </a:extLst>
+              </p:cNvPr>
+              <p:cNvSpPr/>
+              <p:nvPr/>
+            </p:nvSpPr>
+            <p:spPr>
+              <a:xfrm>
+                <a:off x="3830604" y="2845892"/>
+                <a:ext cx="4530791" cy="1166217"/>
+              </a:xfrm>
+              <a:prstGeom prst="rect">
+                <a:avLst/>
+              </a:prstGeom>
+            </p:spPr>
+            <p:txBody>
+              <a:bodyPr wrap="none">
+                <a:spAutoFit/>
+              </a:bodyPr>
+              <a:lstStyle/>
+              <a:p>
+                <a14:m>
+                  <m:oMathPara xmlns:m="http://schemas.openxmlformats.org/officeDocument/2006/math">
+                    <m:oMathParaPr>
+                      <m:jc m:val="centerGroup"/>
+                    </m:oMathParaPr>
+                    <m:oMath xmlns:m="http://schemas.openxmlformats.org/officeDocument/2006/math">
+                      <m:sSubSup>
+                        <m:sSubSupPr>
+                          <m:ctrlPr>
+                            <a:rPr lang="zh-CN" altLang="en-US">
+                              <a:latin typeface="Cambria Math" panose="02040503050406030204" pitchFamily="18" charset="0"/>
+                            </a:rPr>
+                          </m:ctrlPr>
+                        </m:sSubSupPr>
+                        <m:e>
+                          <m:r>
+                            <a:rPr lang="zh-CN" altLang="en-US" i="1">
+                              <a:latin typeface="Cambria Math" panose="02040503050406030204" pitchFamily="18" charset="0"/>
+                            </a:rPr>
+                            <m:t>𝜂</m:t>
+                          </m:r>
+                        </m:e>
+                        <m:sub>
+                          <m:r>
+                            <a:rPr lang="zh-CN" altLang="en-US" i="1">
+                              <a:latin typeface="Cambria Math" panose="02040503050406030204" pitchFamily="18" charset="0"/>
+                            </a:rPr>
+                            <m:t>𝑖</m:t>
+                          </m:r>
+                          <m:r>
+                            <a:rPr lang="zh-CN" altLang="en-US" i="0">
+                              <a:latin typeface="Cambria Math" panose="02040503050406030204" pitchFamily="18" charset="0"/>
+                            </a:rPr>
+                            <m:t>,</m:t>
+                          </m:r>
+                          <m:r>
+                            <a:rPr lang="zh-CN" altLang="en-US" i="1">
+                              <a:latin typeface="Cambria Math" panose="02040503050406030204" pitchFamily="18" charset="0"/>
+                            </a:rPr>
+                            <m:t>𝑗</m:t>
+                          </m:r>
+                        </m:sub>
+                        <m:sup>
+                          <m:r>
+                            <a:rPr lang="zh-CN" altLang="en-US" i="0">
+                              <a:latin typeface="Cambria Math" panose="02040503050406030204" pitchFamily="18" charset="0"/>
+                            </a:rPr>
+                            <m:t> </m:t>
+                          </m:r>
+                        </m:sup>
+                      </m:sSubSup>
+                      <m:r>
+                        <a:rPr lang="zh-CN" altLang="en-US" i="0">
+                          <a:latin typeface="Cambria Math" panose="02040503050406030204" pitchFamily="18" charset="0"/>
+                        </a:rPr>
+                        <m:t>(</m:t>
+                      </m:r>
+                      <m:r>
+                        <a:rPr lang="zh-CN" altLang="en-US" i="1">
+                          <a:latin typeface="Cambria Math" panose="02040503050406030204" pitchFamily="18" charset="0"/>
+                        </a:rPr>
+                        <m:t>𝑡</m:t>
+                      </m:r>
+                      <m:r>
+                        <a:rPr lang="zh-CN" altLang="en-US" i="0">
+                          <a:latin typeface="Cambria Math" panose="02040503050406030204" pitchFamily="18" charset="0"/>
+                        </a:rPr>
+                        <m:t>)=</m:t>
+                      </m:r>
+                      <m:d>
+                        <m:dPr>
+                          <m:begChr m:val="{"/>
+                          <m:endChr m:val=""/>
+                          <m:ctrlPr>
+                            <a:rPr lang="zh-CN" altLang="en-US" i="1">
+                              <a:latin typeface="Cambria Math" panose="02040503050406030204" pitchFamily="18" charset="0"/>
+                            </a:rPr>
+                          </m:ctrlPr>
+                        </m:dPr>
+                        <m:e>
+                          <m:eqArr>
+                            <m:eqArrPr>
+                              <m:ctrlPr>
+                                <a:rPr lang="zh-CN" altLang="en-US" i="1">
+                                  <a:latin typeface="Cambria Math" panose="02040503050406030204" pitchFamily="18" charset="0"/>
+                                </a:rPr>
+                              </m:ctrlPr>
+                            </m:eqArrPr>
+                            <m:e>
+                              <m:nary>
+                                <m:naryPr>
+                                  <m:chr m:val="∑"/>
+                                  <m:limLoc m:val="undOvr"/>
+                                  <m:supHide m:val="on"/>
+                                  <m:ctrlPr>
+                                    <a:rPr lang="zh-CN" altLang="en-US" i="1">
+                                      <a:latin typeface="Cambria Math" panose="02040503050406030204" pitchFamily="18" charset="0"/>
+                                    </a:rPr>
+                                  </m:ctrlPr>
+                                </m:naryPr>
+                                <m:sub>
+                                  <m:r>
+                                    <a:rPr lang="zh-CN" altLang="en-US" i="1">
+                                      <a:latin typeface="Cambria Math" panose="02040503050406030204" pitchFamily="18" charset="0"/>
+                                    </a:rPr>
+                                    <m:t>𝑘</m:t>
+                                  </m:r>
+                                  <m:r>
+                                    <a:rPr lang="zh-CN" altLang="en-US" i="0">
+                                      <a:latin typeface="Cambria Math" panose="02040503050406030204" pitchFamily="18" charset="0"/>
+                                    </a:rPr>
+                                    <m:t>∈</m:t>
+                                  </m:r>
+                                  <m:sSub>
+                                    <m:sSubPr>
+                                      <m:ctrlPr>
+                                        <a:rPr lang="zh-CN" altLang="en-US" i="1">
+                                          <a:latin typeface="Cambria Math" panose="02040503050406030204" pitchFamily="18" charset="0"/>
+                                        </a:rPr>
+                                      </m:ctrlPr>
+                                    </m:sSubPr>
+                                    <m:e>
+                                      <m:r>
+                                        <a:rPr lang="zh-CN" altLang="en-US" i="1">
+                                          <a:latin typeface="Cambria Math" panose="02040503050406030204" pitchFamily="18" charset="0"/>
+                                        </a:rPr>
+                                        <m:t>𝑀𝐶</m:t>
+                                      </m:r>
+                                    </m:e>
+                                    <m:sub>
+                                      <m:r>
+                                        <a:rPr lang="zh-CN" altLang="en-US" i="1">
+                                          <a:latin typeface="Cambria Math" panose="02040503050406030204" pitchFamily="18" charset="0"/>
+                                        </a:rPr>
+                                        <m:t>𝑖</m:t>
+                                      </m:r>
+                                      <m:r>
+                                        <a:rPr lang="zh-CN" altLang="en-US" i="0">
+                                          <a:latin typeface="Cambria Math" panose="02040503050406030204" pitchFamily="18" charset="0"/>
+                                        </a:rPr>
+                                        <m:t>,</m:t>
+                                      </m:r>
+                                      <m:r>
+                                        <a:rPr lang="zh-CN" altLang="en-US" i="1">
+                                          <a:latin typeface="Cambria Math" panose="02040503050406030204" pitchFamily="18" charset="0"/>
+                                        </a:rPr>
+                                        <m:t>𝑗</m:t>
+                                      </m:r>
+                                    </m:sub>
+                                  </m:sSub>
+                                </m:sub>
+                                <m:sup/>
+                                <m:e>
+                                  <m:d>
+                                    <m:dPr>
+                                      <m:begChr m:val=""/>
+                                      <m:ctrlPr>
+                                        <a:rPr lang="zh-CN" altLang="en-US" i="1">
+                                          <a:latin typeface="Cambria Math" panose="02040503050406030204" pitchFamily="18" charset="0"/>
+                                        </a:rPr>
+                                      </m:ctrlPr>
+                                    </m:dPr>
+                                    <m:e>
+                                      <m:sSubSup>
+                                        <m:sSubSupPr>
+                                          <m:ctrlPr>
+                                            <a:rPr lang="zh-CN" altLang="en-US" i="1">
+                                              <a:latin typeface="Cambria Math" panose="02040503050406030204" pitchFamily="18" charset="0"/>
+                                            </a:rPr>
+                                          </m:ctrlPr>
+                                        </m:sSubSupPr>
+                                        <m:e>
+                                          <m:r>
+                                            <a:rPr lang="zh-CN" altLang="en-US" i="1">
+                                              <a:latin typeface="Cambria Math" panose="02040503050406030204" pitchFamily="18" charset="0"/>
+                                            </a:rPr>
+                                            <m:t>𝜂</m:t>
+                                          </m:r>
+                                        </m:e>
+                                        <m:sub>
+                                          <m:r>
+                                            <a:rPr lang="zh-CN" altLang="en-US" i="1">
+                                              <a:latin typeface="Cambria Math" panose="02040503050406030204" pitchFamily="18" charset="0"/>
+                                            </a:rPr>
+                                            <m:t>𝑖</m:t>
+                                          </m:r>
+                                          <m:r>
+                                            <a:rPr lang="zh-CN" altLang="en-US" i="0">
+                                              <a:latin typeface="Cambria Math" panose="02040503050406030204" pitchFamily="18" charset="0"/>
+                                            </a:rPr>
+                                            <m:t>,</m:t>
+                                          </m:r>
+                                          <m:r>
+                                            <a:rPr lang="zh-CN" altLang="en-US" i="1">
+                                              <a:latin typeface="Cambria Math" panose="02040503050406030204" pitchFamily="18" charset="0"/>
+                                            </a:rPr>
+                                            <m:t>𝑗</m:t>
+                                          </m:r>
+                                          <m:r>
+                                            <a:rPr lang="zh-CN" altLang="en-US" i="0">
+                                              <a:latin typeface="Cambria Math" panose="02040503050406030204" pitchFamily="18" charset="0"/>
+                                            </a:rPr>
+                                            <m:t>,</m:t>
+                                          </m:r>
+                                          <m:r>
+                                            <a:rPr lang="zh-CN" altLang="en-US" i="1">
+                                              <a:latin typeface="Cambria Math" panose="02040503050406030204" pitchFamily="18" charset="0"/>
+                                            </a:rPr>
+                                            <m:t>𝑘</m:t>
+                                          </m:r>
+                                        </m:sub>
+                                        <m:sup>
+                                          <m:r>
+                                            <a:rPr lang="zh-CN" altLang="en-US" i="1">
+                                              <a:latin typeface="Cambria Math" panose="02040503050406030204" pitchFamily="18" charset="0"/>
+                                            </a:rPr>
+                                            <m:t>𝑥</m:t>
+                                          </m:r>
+                                          <m:r>
+                                            <a:rPr lang="zh-CN" altLang="en-US" i="0">
+                                              <a:latin typeface="Cambria Math" panose="02040503050406030204" pitchFamily="18" charset="0"/>
+                                            </a:rPr>
+                                            <m:t> </m:t>
+                                          </m:r>
+                                        </m:sup>
+                                      </m:sSubSup>
+                                      <m:r>
+                                        <a:rPr lang="zh-CN" altLang="en-US" i="0">
+                                          <a:latin typeface="Cambria Math" panose="02040503050406030204" pitchFamily="18" charset="0"/>
+                                        </a:rPr>
+                                        <m:t>(</m:t>
+                                      </m:r>
+                                      <m:r>
+                                        <a:rPr lang="zh-CN" altLang="en-US" i="1">
+                                          <a:latin typeface="Cambria Math" panose="02040503050406030204" pitchFamily="18" charset="0"/>
+                                        </a:rPr>
+                                        <m:t>𝑡</m:t>
+                                      </m:r>
+                                    </m:e>
+                                  </m:d>
+                                </m:e>
+                              </m:nary>
+                              <m:r>
+                                <a:rPr lang="zh-CN" altLang="en-US" i="0">
+                                  <a:latin typeface="Cambria Math" panose="02040503050406030204" pitchFamily="18" charset="0"/>
+                                </a:rPr>
+                                <m:t>,  &amp;</m:t>
+                              </m:r>
+                              <m:r>
+                                <a:rPr lang="zh-CN" altLang="en-US" i="1">
+                                  <a:latin typeface="Cambria Math" panose="02040503050406030204" pitchFamily="18" charset="0"/>
+                                </a:rPr>
+                                <m:t>𝑗</m:t>
+                              </m:r>
+                              <m:r>
+                                <a:rPr lang="zh-CN" altLang="en-US" i="0">
+                                  <a:latin typeface="Cambria Math" panose="02040503050406030204" pitchFamily="18" charset="0"/>
+                                </a:rPr>
+                                <m:t>∈</m:t>
+                              </m:r>
+                              <m:sSubSup>
+                                <m:sSubSupPr>
+                                  <m:ctrlPr>
+                                    <a:rPr lang="zh-CN" altLang="en-US" i="1">
+                                      <a:latin typeface="Cambria Math" panose="02040503050406030204" pitchFamily="18" charset="0"/>
+                                    </a:rPr>
+                                  </m:ctrlPr>
+                                </m:sSubSupPr>
+                                <m:e>
+                                  <m:r>
+                                    <a:rPr lang="zh-CN" altLang="en-US" i="1">
+                                      <a:latin typeface="Cambria Math" panose="02040503050406030204" pitchFamily="18" charset="0"/>
+                                    </a:rPr>
+                                    <m:t>𝑎𝑙𝑙𝑜𝑤𝑒𝑑</m:t>
+                                  </m:r>
+                                </m:e>
+                                <m:sub>
+                                  <m:r>
+                                    <a:rPr lang="zh-CN" altLang="en-US" i="1">
+                                      <a:latin typeface="Cambria Math" panose="02040503050406030204" pitchFamily="18" charset="0"/>
+                                    </a:rPr>
+                                    <m:t>𝑖</m:t>
+                                  </m:r>
+                                </m:sub>
+                                <m:sup>
+                                  <m:r>
+                                    <a:rPr lang="zh-CN" altLang="en-US" i="1">
+                                      <a:latin typeface="Cambria Math" panose="02040503050406030204" pitchFamily="18" charset="0"/>
+                                    </a:rPr>
+                                    <m:t>𝑥</m:t>
+                                  </m:r>
+                                </m:sup>
+                              </m:sSubSup>
+                            </m:e>
+                            <m:e>
+                              <m:r>
+                                <a:rPr lang="zh-CN" altLang="en-US" i="0">
+                                  <a:latin typeface="Cambria Math" panose="02040503050406030204" pitchFamily="18" charset="0"/>
+                                </a:rPr>
+                                <m:t>0            ,  &amp;</m:t>
+                              </m:r>
+                              <m:r>
+                                <a:rPr lang="zh-CN" altLang="en-US" i="1">
+                                  <a:latin typeface="Cambria Math" panose="02040503050406030204" pitchFamily="18" charset="0"/>
+                                </a:rPr>
+                                <m:t>𝑜𝑡h𝑒𝑟𝑤𝑖𝑠𝑒</m:t>
+                              </m:r>
+                            </m:e>
+                          </m:eqArr>
+                        </m:e>
+                      </m:d>
+                    </m:oMath>
+                  </m:oMathPara>
+                </a14:m>
+                <a:endParaRPr lang="zh-CN" altLang="en-US" dirty="0"/>
+              </a:p>
+            </p:txBody>
+          </p:sp>
+        </mc:Choice>
+        <mc:Fallback>
+          <p:sp>
+            <p:nvSpPr>
+              <p:cNvPr id="3" name="矩形 2">
+                <a:extLst>
+                  <a:ext uri="{FF2B5EF4-FFF2-40B4-BE49-F238E27FC236}">
+                    <a16:creationId xmlns:a16="http://schemas.microsoft.com/office/drawing/2014/main" id="{712CDB54-A6B4-4EB7-9DD9-528317F6A706}"/>
+                  </a:ext>
+                </a:extLst>
+              </p:cNvPr>
+              <p:cNvSpPr>
+                <a:spLocks noRot="1" noChangeAspect="1" noMove="1" noResize="1" noEditPoints="1" noAdjustHandles="1" noChangeArrowheads="1" noChangeShapeType="1" noTextEdit="1"/>
+              </p:cNvSpPr>
+              <p:nvPr/>
+            </p:nvSpPr>
+            <p:spPr>
+              <a:xfrm>
+                <a:off x="3830604" y="2845892"/>
+                <a:ext cx="4530791" cy="1166217"/>
+              </a:xfrm>
+              <a:prstGeom prst="rect">
+                <a:avLst/>
+              </a:prstGeom>
+              <a:blipFill>
+                <a:blip r:embed="rId3"/>
+                <a:stretch>
+                  <a:fillRect/>
+                </a:stretch>
+              </a:blipFill>
+            </p:spPr>
+            <p:txBody>
+              <a:bodyPr/>
+              <a:lstStyle/>
+              <a:p>
+                <a:r>
+                  <a:rPr lang="zh-CN" altLang="en-US">
+                    <a:noFill/>
+                  </a:rPr>
+                  <a:t> </a:t>
+                </a:r>
+              </a:p>
+            </p:txBody>
+          </p:sp>
+        </mc:Fallback>
+      </mc:AlternateContent>
+    </p:spTree>
+    <p:extLst>
+      <p:ext uri="{BB962C8B-B14F-4D97-AF65-F5344CB8AC3E}">
+        <p14:creationId xmlns:p14="http://schemas.microsoft.com/office/powerpoint/2010/main" val="2994743131"/>
+      </p:ext>
+    </p:extLst>
+  </p:cSld>
+  <p:clrMapOvr>
+    <a:masterClrMapping/>
+  </p:clrMapOvr>
+</p:sld>
+</file>
+
+<file path=ppt/slides/slide16.xml><?xml version="1.0" encoding="utf-8"?>
+<p:sld xmlns:a="http://schemas.openxmlformats.org/drawingml/2006/main" xmlns:r="http://schemas.openxmlformats.org/officeDocument/2006/relationships" xmlns:p="http://schemas.openxmlformats.org/presentationml/2006/main">
+  <p:cSld>
+    <p:spTree>
+      <p:nvGrpSpPr>
+        <p:cNvPr id="1" name=""/>
+        <p:cNvGrpSpPr/>
+        <p:nvPr/>
+      </p:nvGrpSpPr>
+      <p:grpSpPr>
+        <a:xfrm>
+          <a:off x="0" y="0"/>
+          <a:ext cx="0" cy="0"/>
+          <a:chOff x="0" y="0"/>
+          <a:chExt cx="0" cy="0"/>
+        </a:xfrm>
+      </p:grpSpPr>
+      <p:sp>
+        <p:nvSpPr>
+          <p:cNvPr id="8" name="副标题 2">
+            <a:extLst>
+              <a:ext uri="{FF2B5EF4-FFF2-40B4-BE49-F238E27FC236}">
+                <a16:creationId xmlns:a16="http://schemas.microsoft.com/office/drawing/2014/main" id="{9CFD6E50-AA4E-4C30-9601-D0B17FC987E2}"/>
+              </a:ext>
+            </a:extLst>
+          </p:cNvPr>
+          <p:cNvSpPr>
+            <a:spLocks noGrp="1"/>
+          </p:cNvSpPr>
+          <p:nvPr>
+            <p:ph type="subTitle" idx="1"/>
+          </p:nvPr>
+        </p:nvSpPr>
+        <p:spPr>
+          <a:xfrm>
+            <a:off x="887767" y="479392"/>
+            <a:ext cx="9780233" cy="5157927"/>
+          </a:xfrm>
+        </p:spPr>
+        <p:txBody>
+          <a:bodyPr>
+            <a:noAutofit/>
+          </a:bodyPr>
+          <a:lstStyle/>
+          <a:p>
+            <a:pPr algn="l"/>
+            <a:r>
+              <a:rPr lang="zh-CN" altLang="en-US" sz="1800" dirty="0"/>
+              <a:t>对基本蚁群算法的改进</a:t>
+            </a:r>
+            <a:endParaRPr lang="en-US" altLang="zh-CN" sz="1800" dirty="0"/>
+          </a:p>
+          <a:p>
+            <a:pPr algn="l"/>
+            <a:r>
+              <a:rPr lang="zh-CN" altLang="en-US" sz="1800" dirty="0"/>
+              <a:t>基本蚁群算法的缺点：收敛慢、易早熟</a:t>
+            </a:r>
+            <a:endParaRPr lang="en-US" altLang="zh-CN" sz="1800" dirty="0"/>
+          </a:p>
+          <a:p>
+            <a:pPr algn="l"/>
+            <a:endParaRPr lang="en-US" altLang="zh-CN" sz="1800" dirty="0"/>
+          </a:p>
+          <a:p>
+            <a:pPr algn="l"/>
+            <a:r>
+              <a:rPr lang="zh-CN" altLang="en-US" sz="1800" dirty="0"/>
+              <a:t>改进：</a:t>
+            </a:r>
+            <a:endParaRPr lang="en-US" altLang="zh-CN" sz="1800" dirty="0"/>
+          </a:p>
+          <a:p>
+            <a:pPr algn="l"/>
+            <a:r>
+              <a:rPr lang="zh-CN" altLang="en-US" sz="1800" dirty="0"/>
+              <a:t>（</a:t>
+            </a:r>
+            <a:r>
+              <a:rPr lang="en-US" altLang="zh-CN" sz="1800" dirty="0"/>
+              <a:t>1</a:t>
+            </a:r>
+            <a:r>
+              <a:rPr lang="zh-CN" altLang="en-US" sz="1800" dirty="0"/>
+              <a:t>）设置信息素浓度的最大值和最小值</a:t>
+            </a:r>
+            <a:endParaRPr lang="en-US" altLang="zh-CN" sz="1800" dirty="0"/>
+          </a:p>
+          <a:p>
+            <a:pPr algn="l"/>
+            <a:r>
+              <a:rPr lang="zh-CN" altLang="en-US" sz="1800" dirty="0"/>
+              <a:t>（</a:t>
+            </a:r>
+            <a:r>
+              <a:rPr lang="en-US" altLang="zh-CN" sz="1800" dirty="0"/>
+              <a:t>2</a:t>
+            </a:r>
+            <a:r>
+              <a:rPr lang="zh-CN" altLang="en-US" sz="1800" dirty="0"/>
+              <a:t>）只对每轮迭代中的最优蚂蚁的路径进行信息素更新，更新公式为：</a:t>
+            </a:r>
+            <a:endParaRPr lang="en-US" altLang="zh-CN" sz="1800" dirty="0"/>
+          </a:p>
+          <a:p>
+            <a:pPr algn="l"/>
+            <a:r>
+              <a:rPr lang="zh-CN" altLang="en-US" sz="1800" dirty="0"/>
+              <a:t>（</a:t>
+            </a:r>
+            <a:r>
+              <a:rPr lang="en-US" altLang="zh-CN" sz="1800" dirty="0"/>
+              <a:t>3</a:t>
+            </a:r>
+            <a:r>
+              <a:rPr lang="zh-CN" altLang="en-US" sz="1800" dirty="0"/>
+              <a:t>）在前</a:t>
+            </a:r>
+            <a:r>
+              <a:rPr lang="en-US" altLang="zh-CN" sz="1800" dirty="0"/>
+              <a:t>10%</a:t>
+            </a:r>
+            <a:r>
+              <a:rPr lang="zh-CN" altLang="en-US" sz="1800" dirty="0"/>
+              <a:t>的迭代次数中，均匀分布蚂蚁的位置</a:t>
+            </a:r>
+            <a:endParaRPr lang="en-US" altLang="zh-CN" sz="1800" dirty="0"/>
+          </a:p>
+          <a:p>
+            <a:pPr algn="l"/>
+            <a:r>
+              <a:rPr lang="zh-CN" altLang="en-US" sz="1800" dirty="0"/>
+              <a:t>（</a:t>
+            </a:r>
+            <a:r>
+              <a:rPr lang="en-US" altLang="zh-CN" sz="1800" dirty="0"/>
+              <a:t>4</a:t>
+            </a:r>
+            <a:r>
+              <a:rPr lang="zh-CN" altLang="en-US" sz="1800" dirty="0"/>
+              <a:t>）在前</a:t>
+            </a:r>
+            <a:r>
+              <a:rPr lang="en-US" altLang="zh-CN" sz="1800" dirty="0"/>
+              <a:t>10%</a:t>
+            </a:r>
+            <a:r>
+              <a:rPr lang="zh-CN" altLang="en-US" sz="1800" dirty="0"/>
+              <a:t>的迭代次数中，忽略信息素的指引作用</a:t>
+            </a:r>
+            <a:endParaRPr lang="en-US" altLang="zh-CN" sz="1800" dirty="0"/>
+          </a:p>
+          <a:p>
+            <a:pPr algn="l"/>
+            <a:r>
+              <a:rPr lang="zh-CN" altLang="en-US" sz="1800" dirty="0"/>
+              <a:t>（</a:t>
+            </a:r>
+            <a:r>
+              <a:rPr lang="en-US" altLang="zh-CN" sz="1800" dirty="0"/>
+              <a:t>5</a:t>
+            </a:r>
+            <a:r>
+              <a:rPr lang="zh-CN" altLang="en-US" sz="1800" dirty="0"/>
+              <a:t>）当蚂蚁的当前解时间大于全局最优解时，终止该蚂蚁的后续搜索</a:t>
+            </a:r>
+            <a:r>
+              <a:rPr lang="en-US" altLang="zh-CN" sz="1800" dirty="0"/>
+              <a:t>	</a:t>
+            </a:r>
+            <a:endParaRPr lang="en-US" altLang="zh-CN" dirty="0"/>
+          </a:p>
+        </p:txBody>
+      </p:sp>
+    </p:spTree>
+    <p:extLst>
+      <p:ext uri="{BB962C8B-B14F-4D97-AF65-F5344CB8AC3E}">
+        <p14:creationId xmlns:p14="http://schemas.microsoft.com/office/powerpoint/2010/main" val="396465920"/>
+      </p:ext>
+    </p:extLst>
+  </p:cSld>
+  <p:clrMapOvr>
+    <a:masterClrMapping/>
+  </p:clrMapOvr>
+</p:sld>
+</file>
+
+<file path=ppt/slides/slide17.xml><?xml version="1.0" encoding="utf-8"?>
+<p:sld xmlns:a="http://schemas.openxmlformats.org/drawingml/2006/main" xmlns:r="http://schemas.openxmlformats.org/officeDocument/2006/relationships" xmlns:p="http://schemas.openxmlformats.org/presentationml/2006/main">
+  <p:cSld>
+    <p:spTree>
+      <p:nvGrpSpPr>
+        <p:cNvPr id="1" name=""/>
+        <p:cNvGrpSpPr/>
+        <p:nvPr/>
+      </p:nvGrpSpPr>
+      <p:grpSpPr>
+        <a:xfrm>
+          <a:off x="0" y="0"/>
+          <a:ext cx="0" cy="0"/>
+          <a:chOff x="0" y="0"/>
+          <a:chExt cx="0" cy="0"/>
+        </a:xfrm>
+      </p:grpSpPr>
+      <p:sp>
+        <p:nvSpPr>
+          <p:cNvPr id="8" name="副标题 2">
+            <a:extLst>
+              <a:ext uri="{FF2B5EF4-FFF2-40B4-BE49-F238E27FC236}">
+                <a16:creationId xmlns:a16="http://schemas.microsoft.com/office/drawing/2014/main" id="{9CFD6E50-AA4E-4C30-9601-D0B17FC987E2}"/>
+              </a:ext>
+            </a:extLst>
+          </p:cNvPr>
+          <p:cNvSpPr>
+            <a:spLocks noGrp="1"/>
+          </p:cNvSpPr>
+          <p:nvPr>
+            <p:ph type="subTitle" idx="1"/>
+          </p:nvPr>
+        </p:nvSpPr>
+        <p:spPr>
+          <a:xfrm>
+            <a:off x="887767" y="479392"/>
+            <a:ext cx="9780233" cy="5157927"/>
+          </a:xfrm>
+        </p:spPr>
+        <p:txBody>
+          <a:bodyPr>
+            <a:noAutofit/>
+          </a:bodyPr>
+          <a:lstStyle/>
+          <a:p>
+            <a:pPr algn="l"/>
+            <a:r>
+              <a:rPr lang="zh-CN" altLang="en-US" sz="1800" dirty="0"/>
+              <a:t>改进蚁群算法的实验验证</a:t>
+            </a:r>
+            <a:endParaRPr lang="en-US" altLang="zh-CN" sz="1800" dirty="0"/>
+          </a:p>
+          <a:p>
+            <a:pPr algn="l"/>
+            <a:endParaRPr lang="en-US" altLang="zh-CN" dirty="0"/>
+          </a:p>
+        </p:txBody>
+      </p:sp>
+    </p:spTree>
+    <p:extLst>
+      <p:ext uri="{BB962C8B-B14F-4D97-AF65-F5344CB8AC3E}">
+        <p14:creationId xmlns:p14="http://schemas.microsoft.com/office/powerpoint/2010/main" val="1927272771"/>
+      </p:ext>
+    </p:extLst>
+  </p:cSld>
+  <p:clrMapOvr>
+    <a:masterClrMapping/>
+  </p:clrMapOvr>
+</p:sld>
+</file>
+
+<file path=ppt/slides/slide18.xml><?xml version="1.0" encoding="utf-8"?>
+<p:sld xmlns:a="http://schemas.openxmlformats.org/drawingml/2006/main" xmlns:r="http://schemas.openxmlformats.org/officeDocument/2006/relationships" xmlns:p="http://schemas.openxmlformats.org/presentationml/2006/main">
+  <p:cSld>
+    <p:spTree>
+      <p:nvGrpSpPr>
+        <p:cNvPr id="1" name=""/>
+        <p:cNvGrpSpPr/>
+        <p:nvPr/>
+      </p:nvGrpSpPr>
+      <p:grpSpPr>
+        <a:xfrm>
+          <a:off x="0" y="0"/>
+          <a:ext cx="0" cy="0"/>
+          <a:chOff x="0" y="0"/>
+          <a:chExt cx="0" cy="0"/>
+        </a:xfrm>
+      </p:grpSpPr>
+      <p:sp>
+        <p:nvSpPr>
+          <p:cNvPr id="2" name="标题 1">
+            <a:extLst>
+              <a:ext uri="{FF2B5EF4-FFF2-40B4-BE49-F238E27FC236}">
+                <a16:creationId xmlns:a16="http://schemas.microsoft.com/office/drawing/2014/main" id="{F9DE3B63-B259-4545-BF5E-35030AA15785}"/>
+              </a:ext>
+            </a:extLst>
+          </p:cNvPr>
+          <p:cNvSpPr>
+            <a:spLocks noGrp="1"/>
+          </p:cNvSpPr>
+          <p:nvPr>
+            <p:ph type="ctrTitle"/>
+          </p:nvPr>
+        </p:nvSpPr>
+        <p:spPr>
+          <a:xfrm>
+            <a:off x="1586144" y="1734923"/>
+            <a:ext cx="9144000" cy="2387600"/>
+          </a:xfrm>
+        </p:spPr>
+        <p:txBody>
+          <a:bodyPr/>
+          <a:lstStyle/>
+          <a:p>
+            <a:r>
+              <a:rPr lang="zh-CN" altLang="en-US" dirty="0"/>
+              <a:t>基于多</a:t>
+            </a:r>
+            <a:r>
+              <a:rPr lang="en-US" altLang="zh-CN" dirty="0"/>
+              <a:t>Agent</a:t>
+            </a:r>
+            <a:r>
+              <a:rPr lang="zh-CN" altLang="en-US" dirty="0"/>
+              <a:t>的动态调度系统实现</a:t>
+            </a:r>
+          </a:p>
+        </p:txBody>
+      </p:sp>
+    </p:spTree>
+    <p:extLst>
+      <p:ext uri="{BB962C8B-B14F-4D97-AF65-F5344CB8AC3E}">
+        <p14:creationId xmlns:p14="http://schemas.microsoft.com/office/powerpoint/2010/main" val="4174433234"/>
+      </p:ext>
+    </p:extLst>
+  </p:cSld>
+  <p:clrMapOvr>
+    <a:masterClrMapping/>
+  </p:clrMapOvr>
+</p:sld>
+</file>
+
+<file path=ppt/slides/slide19.xml><?xml version="1.0" encoding="utf-8"?>
+<p:sld xmlns:a="http://schemas.openxmlformats.org/drawingml/2006/main" xmlns:r="http://schemas.openxmlformats.org/officeDocument/2006/relationships" xmlns:p="http://schemas.openxmlformats.org/presentationml/2006/main">
+  <p:cSld>
+    <p:spTree>
+      <p:nvGrpSpPr>
+        <p:cNvPr id="1" name=""/>
+        <p:cNvGrpSpPr/>
+        <p:nvPr/>
+      </p:nvGrpSpPr>
+      <p:grpSpPr>
+        <a:xfrm>
+          <a:off x="0" y="0"/>
+          <a:ext cx="0" cy="0"/>
+          <a:chOff x="0" y="0"/>
+          <a:chExt cx="0" cy="0"/>
+        </a:xfrm>
+      </p:grpSpPr>
+      <p:sp>
+        <p:nvSpPr>
+          <p:cNvPr id="8" name="副标题 2">
+            <a:extLst>
+              <a:ext uri="{FF2B5EF4-FFF2-40B4-BE49-F238E27FC236}">
+                <a16:creationId xmlns:a16="http://schemas.microsoft.com/office/drawing/2014/main" id="{9CFD6E50-AA4E-4C30-9601-D0B17FC987E2}"/>
+              </a:ext>
+            </a:extLst>
+          </p:cNvPr>
+          <p:cNvSpPr>
+            <a:spLocks noGrp="1"/>
+          </p:cNvSpPr>
+          <p:nvPr>
+            <p:ph type="subTitle" idx="1"/>
+          </p:nvPr>
+        </p:nvSpPr>
+        <p:spPr>
+          <a:xfrm>
+            <a:off x="1956076" y="1014272"/>
+            <a:ext cx="12007389" cy="7289341"/>
+          </a:xfrm>
+        </p:spPr>
+        <p:txBody>
+          <a:bodyPr>
+            <a:noAutofit/>
+          </a:bodyPr>
+          <a:lstStyle/>
+          <a:p>
+            <a:pPr algn="l"/>
+            <a:r>
+              <a:rPr lang="zh-CN" altLang="en-US" dirty="0"/>
+              <a:t>多</a:t>
+            </a:r>
+            <a:r>
+              <a:rPr lang="en-US" altLang="zh-CN" dirty="0"/>
+              <a:t>Agent</a:t>
+            </a:r>
+            <a:r>
+              <a:rPr lang="zh-CN" altLang="en-US" dirty="0"/>
+              <a:t>系统的面向对象设计</a:t>
+            </a:r>
+            <a:endParaRPr lang="en-US" altLang="zh-CN" dirty="0"/>
+          </a:p>
+          <a:p>
+            <a:pPr algn="l"/>
+            <a:r>
+              <a:rPr lang="en-US" altLang="zh-CN" dirty="0"/>
+              <a:t>Agent</a:t>
+            </a:r>
+            <a:r>
+              <a:rPr lang="zh-CN" altLang="en-US" dirty="0"/>
+              <a:t>可</a:t>
+            </a:r>
+            <a:endParaRPr lang="en-US" altLang="zh-CN" dirty="0"/>
+          </a:p>
+          <a:p>
+            <a:pPr algn="l"/>
+            <a:r>
+              <a:rPr lang="zh-CN" altLang="en-US" dirty="0"/>
+              <a:t>看作是粒度更大，具有智能性的对象。</a:t>
+            </a:r>
+            <a:endParaRPr lang="en-US" altLang="zh-CN" dirty="0"/>
+          </a:p>
+        </p:txBody>
+      </p:sp>
+      <p:sp>
+        <p:nvSpPr>
+          <p:cNvPr id="2" name="Rectangle 2">
+            <a:extLst>
+              <a:ext uri="{FF2B5EF4-FFF2-40B4-BE49-F238E27FC236}">
+                <a16:creationId xmlns:a16="http://schemas.microsoft.com/office/drawing/2014/main" id="{E577A380-5E33-43A5-978F-F2693D1C0207}"/>
+              </a:ext>
+            </a:extLst>
+          </p:cNvPr>
+          <p:cNvSpPr>
+            <a:spLocks noChangeArrowheads="1"/>
+          </p:cNvSpPr>
+          <p:nvPr/>
+        </p:nvSpPr>
+        <p:spPr bwMode="auto">
+          <a:xfrm>
+            <a:off x="1068309" y="534879"/>
+            <a:ext cx="14968364" cy="45719"/>
+          </a:xfrm>
+          <a:prstGeom prst="rect">
+            <a:avLst/>
+          </a:prstGeom>
+          <a:noFill/>
+          <a:ln>
+            <a:noFill/>
+          </a:ln>
+          <a:effectLst/>
+          <a:extLst>
+            <a:ext uri="{909E8E84-426E-40DD-AFC4-6F175D3DCCD1}">
+              <a14:hiddenFill xmlns:a14="http://schemas.microsoft.com/office/drawing/2010/main">
+                <a:solidFill>
+                  <a:schemeClr val="accent1"/>
+                </a:solidFill>
+              </a14:hiddenFill>
+            </a:ext>
+            <a:ext uri="{91240B29-F687-4F45-9708-019B960494DF}">
+              <a14:hiddenLine xmlns:a14="http://schemas.microsoft.com/office/drawing/2010/main" w="9525">
+                <a:solidFill>
+                  <a:schemeClr val="tx1"/>
+                </a:solidFill>
+                <a:miter lim="800000"/>
+                <a:headEnd/>
+                <a:tailEnd/>
+              </a14:hiddenLine>
+            </a:ext>
+            <a:ext uri="{AF507438-7753-43E0-B8FC-AC1667EBCBE1}">
+              <a14:hiddenEffects xmlns:a14="http://schemas.microsoft.com/office/drawing/2010/main">
+                <a:effectLst>
+                  <a:outerShdw dist="35921" dir="2700000" algn="ctr" rotWithShape="0">
+                    <a:schemeClr val="bg2"/>
+                  </a:outerShdw>
+                </a:effectLst>
+              </a14:hiddenEffects>
+            </a:ext>
+          </a:extLst>
+        </p:spPr>
+        <p:txBody>
+          <a:bodyPr vert="horz" wrap="square" lIns="91440" tIns="45720" rIns="91440" bIns="45720" numCol="1" anchor="ctr" anchorCtr="0" compatLnSpc="1">
+            <a:prstTxWarp prst="textNoShape">
+              <a:avLst/>
+            </a:prstTxWarp>
+            <a:spAutoFit/>
+          </a:bodyPr>
+          <a:lstStyle/>
+          <a:p>
+            <a:endParaRPr lang="zh-CN" altLang="en-US"/>
+          </a:p>
+        </p:txBody>
+      </p:sp>
+      <p:sp>
+        <p:nvSpPr>
+          <p:cNvPr id="4" name="Rectangle 2">
+            <a:extLst>
+              <a:ext uri="{FF2B5EF4-FFF2-40B4-BE49-F238E27FC236}">
+                <a16:creationId xmlns:a16="http://schemas.microsoft.com/office/drawing/2014/main" id="{D4165BE5-D3FE-43E6-AF0F-AD122A2DFF05}"/>
+              </a:ext>
+            </a:extLst>
+          </p:cNvPr>
+          <p:cNvSpPr>
+            <a:spLocks noChangeArrowheads="1"/>
+          </p:cNvSpPr>
+          <p:nvPr/>
+        </p:nvSpPr>
+        <p:spPr bwMode="auto">
+          <a:xfrm>
+            <a:off x="0" y="0"/>
+            <a:ext cx="12192000" cy="0"/>
+          </a:xfrm>
+          <a:prstGeom prst="rect">
+            <a:avLst/>
+          </a:prstGeom>
+          <a:noFill/>
+          <a:ln>
+            <a:noFill/>
+          </a:ln>
+          <a:effectLst/>
+          <a:extLst>
+            <a:ext uri="{909E8E84-426E-40DD-AFC4-6F175D3DCCD1}">
+              <a14:hiddenFill xmlns:a14="http://schemas.microsoft.com/office/drawing/2010/main">
+                <a:solidFill>
+                  <a:schemeClr val="accent1"/>
+                </a:solidFill>
+              </a14:hiddenFill>
+            </a:ext>
+            <a:ext uri="{91240B29-F687-4F45-9708-019B960494DF}">
+              <a14:hiddenLine xmlns:a14="http://schemas.microsoft.com/office/drawing/2010/main" w="9525">
+                <a:solidFill>
+                  <a:schemeClr val="tx1"/>
+                </a:solidFill>
+                <a:miter lim="800000"/>
+                <a:headEnd/>
+                <a:tailEnd/>
+              </a14:hiddenLine>
+            </a:ext>
+            <a:ext uri="{AF507438-7753-43E0-B8FC-AC1667EBCBE1}">
+              <a14:hiddenEffects xmlns:a14="http://schemas.microsoft.com/office/drawing/2010/main">
+                <a:effectLst>
+                  <a:outerShdw dist="35921" dir="2700000" algn="ctr" rotWithShape="0">
+                    <a:schemeClr val="bg2"/>
+                  </a:outerShdw>
+                </a:effectLst>
+              </a14:hiddenEffects>
+            </a:ext>
+          </a:extLst>
+        </p:spPr>
+        <p:txBody>
+          <a:bodyPr vert="horz" wrap="none" lIns="91440" tIns="45720" rIns="91440" bIns="45720" numCol="1" anchor="ctr" anchorCtr="0" compatLnSpc="1">
+            <a:prstTxWarp prst="textNoShape">
+              <a:avLst/>
+            </a:prstTxWarp>
+            <a:spAutoFit/>
+          </a:bodyPr>
+          <a:lstStyle/>
+          <a:p>
+            <a:endParaRPr lang="zh-CN" altLang="en-US"/>
+          </a:p>
+        </p:txBody>
+      </p:sp>
+      <p:graphicFrame>
+        <p:nvGraphicFramePr>
+          <p:cNvPr id="5" name="对象 4">
+            <a:extLst>
+              <a:ext uri="{FF2B5EF4-FFF2-40B4-BE49-F238E27FC236}">
+                <a16:creationId xmlns:a16="http://schemas.microsoft.com/office/drawing/2014/main" id="{39604BE4-F6A6-4A62-AF16-53A2B3351577}"/>
+              </a:ext>
+            </a:extLst>
+          </p:cNvPr>
+          <p:cNvGraphicFramePr>
+            <a:graphicFrameLocks noChangeAspect="1"/>
+          </p:cNvGraphicFramePr>
+          <p:nvPr>
+            <p:extLst>
+              <p:ext uri="{D42A27DB-BD31-4B8C-83A1-F6EECF244321}">
+                <p14:modId xmlns:p14="http://schemas.microsoft.com/office/powerpoint/2010/main" val="2675067459"/>
+              </p:ext>
+            </p:extLst>
+          </p:nvPr>
+        </p:nvGraphicFramePr>
+        <p:xfrm>
+          <a:off x="2163777" y="1014271"/>
+          <a:ext cx="8818076" cy="5679191"/>
+        </p:xfrm>
+        <a:graphic>
+          <a:graphicData uri="http://schemas.openxmlformats.org/presentationml/2006/ole">
+            <mc:AlternateContent xmlns:mc="http://schemas.openxmlformats.org/markup-compatibility/2006">
+              <mc:Choice xmlns:v="urn:schemas-microsoft-com:vml" Requires="v">
+                <p:oleObj spid="_x0000_s6155" name="Visio" r:id="rId3" imgW="13855827" imgH="8923782" progId="Visio.Drawing.11">
+                  <p:embed/>
+                </p:oleObj>
+              </mc:Choice>
+              <mc:Fallback>
+                <p:oleObj name="Visio" r:id="rId3" imgW="13855827" imgH="8923782" progId="Visio.Drawing.11">
+                  <p:embed/>
+                  <p:pic>
+                    <p:nvPicPr>
+                      <p:cNvPr id="0" name="Object 1"/>
+                      <p:cNvPicPr>
+                        <a:picLocks noChangeAspect="1" noChangeArrowheads="1"/>
+                      </p:cNvPicPr>
+                      <p:nvPr/>
+                    </p:nvPicPr>
+                    <p:blipFill>
+                      <a:blip r:embed="rId4">
+                        <a:extLst>
+                          <a:ext uri="{28A0092B-C50C-407E-A947-70E740481C1C}">
+                            <a14:useLocalDpi xmlns:a14="http://schemas.microsoft.com/office/drawing/2010/main" val="0"/>
+                          </a:ext>
+                        </a:extLst>
+                      </a:blip>
+                      <a:srcRect/>
+                      <a:stretch>
+                        <a:fillRect/>
+                      </a:stretch>
+                    </p:blipFill>
+                    <p:spPr bwMode="auto">
+                      <a:xfrm>
+                        <a:off x="2163777" y="1014271"/>
+                        <a:ext cx="8818076" cy="5679191"/>
+                      </a:xfrm>
+                      <a:prstGeom prst="rect">
+                        <a:avLst/>
+                      </a:prstGeom>
+                      <a:noFill/>
+                    </p:spPr>
+                  </p:pic>
+                </p:oleObj>
+              </mc:Fallback>
+            </mc:AlternateContent>
+          </a:graphicData>
+        </a:graphic>
+      </p:graphicFrame>
+    </p:spTree>
+    <p:extLst>
+      <p:ext uri="{BB962C8B-B14F-4D97-AF65-F5344CB8AC3E}">
+        <p14:creationId xmlns:p14="http://schemas.microsoft.com/office/powerpoint/2010/main" val="2305190385"/>
+      </p:ext>
+    </p:extLst>
+  </p:cSld>
+  <p:clrMapOvr>
+    <a:masterClrMapping/>
+  </p:clrMapOvr>
+</p:sld>
+</file>
+
 <file path=ppt/slides/slide2.xml><?xml version="1.0" encoding="utf-8"?>
 <p:sld xmlns:a="http://schemas.openxmlformats.org/drawingml/2006/main" xmlns:r="http://schemas.openxmlformats.org/officeDocument/2006/relationships" xmlns:p="http://schemas.openxmlformats.org/presentationml/2006/main">
   <p:cSld>
@@ -3458,6 +6353,1520 @@
     <p:extLst>
       <p:ext uri="{BB962C8B-B14F-4D97-AF65-F5344CB8AC3E}">
         <p14:creationId xmlns:p14="http://schemas.microsoft.com/office/powerpoint/2010/main" val="2694223463"/>
+      </p:ext>
+    </p:extLst>
+  </p:cSld>
+  <p:clrMapOvr>
+    <a:masterClrMapping/>
+  </p:clrMapOvr>
+</p:sld>
+</file>
+
+<file path=ppt/slides/slide20.xml><?xml version="1.0" encoding="utf-8"?>
+<p:sld xmlns:a="http://schemas.openxmlformats.org/drawingml/2006/main" xmlns:r="http://schemas.openxmlformats.org/officeDocument/2006/relationships" xmlns:p="http://schemas.openxmlformats.org/presentationml/2006/main">
+  <p:cSld>
+    <p:spTree>
+      <p:nvGrpSpPr>
+        <p:cNvPr id="1" name=""/>
+        <p:cNvGrpSpPr/>
+        <p:nvPr/>
+      </p:nvGrpSpPr>
+      <p:grpSpPr>
+        <a:xfrm>
+          <a:off x="0" y="0"/>
+          <a:ext cx="0" cy="0"/>
+          <a:chOff x="0" y="0"/>
+          <a:chExt cx="0" cy="0"/>
+        </a:xfrm>
+      </p:grpSpPr>
+      <p:sp>
+        <p:nvSpPr>
+          <p:cNvPr id="8" name="副标题 2">
+            <a:extLst>
+              <a:ext uri="{FF2B5EF4-FFF2-40B4-BE49-F238E27FC236}">
+                <a16:creationId xmlns:a16="http://schemas.microsoft.com/office/drawing/2014/main" id="{9CFD6E50-AA4E-4C30-9601-D0B17FC987E2}"/>
+              </a:ext>
+            </a:extLst>
+          </p:cNvPr>
+          <p:cNvSpPr>
+            <a:spLocks noGrp="1"/>
+          </p:cNvSpPr>
+          <p:nvPr>
+            <p:ph type="subTitle" idx="1"/>
+          </p:nvPr>
+        </p:nvSpPr>
+        <p:spPr>
+          <a:xfrm>
+            <a:off x="1956076" y="1014272"/>
+            <a:ext cx="12007389" cy="7289341"/>
+          </a:xfrm>
+        </p:spPr>
+        <p:txBody>
+          <a:bodyPr>
+            <a:noAutofit/>
+          </a:bodyPr>
+          <a:lstStyle/>
+          <a:p>
+            <a:pPr algn="l"/>
+            <a:r>
+              <a:rPr lang="zh-CN" altLang="en-US" dirty="0"/>
+              <a:t>制造型企业的生产管理流程</a:t>
+            </a:r>
+            <a:endParaRPr lang="en-US" altLang="zh-CN" dirty="0"/>
+          </a:p>
+          <a:p>
+            <a:pPr algn="l"/>
+            <a:endParaRPr lang="en-US" altLang="zh-CN" dirty="0"/>
+          </a:p>
+        </p:txBody>
+      </p:sp>
+      <p:sp>
+        <p:nvSpPr>
+          <p:cNvPr id="2" name="Rectangle 2">
+            <a:extLst>
+              <a:ext uri="{FF2B5EF4-FFF2-40B4-BE49-F238E27FC236}">
+                <a16:creationId xmlns:a16="http://schemas.microsoft.com/office/drawing/2014/main" id="{E577A380-5E33-43A5-978F-F2693D1C0207}"/>
+              </a:ext>
+            </a:extLst>
+          </p:cNvPr>
+          <p:cNvSpPr>
+            <a:spLocks noChangeArrowheads="1"/>
+          </p:cNvSpPr>
+          <p:nvPr/>
+        </p:nvSpPr>
+        <p:spPr bwMode="auto">
+          <a:xfrm>
+            <a:off x="1068309" y="534879"/>
+            <a:ext cx="14968364" cy="45719"/>
+          </a:xfrm>
+          <a:prstGeom prst="rect">
+            <a:avLst/>
+          </a:prstGeom>
+          <a:noFill/>
+          <a:ln>
+            <a:noFill/>
+          </a:ln>
+          <a:effectLst/>
+          <a:extLst>
+            <a:ext uri="{909E8E84-426E-40DD-AFC4-6F175D3DCCD1}">
+              <a14:hiddenFill xmlns:a14="http://schemas.microsoft.com/office/drawing/2010/main">
+                <a:solidFill>
+                  <a:schemeClr val="accent1"/>
+                </a:solidFill>
+              </a14:hiddenFill>
+            </a:ext>
+            <a:ext uri="{91240B29-F687-4F45-9708-019B960494DF}">
+              <a14:hiddenLine xmlns:a14="http://schemas.microsoft.com/office/drawing/2010/main" w="9525">
+                <a:solidFill>
+                  <a:schemeClr val="tx1"/>
+                </a:solidFill>
+                <a:miter lim="800000"/>
+                <a:headEnd/>
+                <a:tailEnd/>
+              </a14:hiddenLine>
+            </a:ext>
+            <a:ext uri="{AF507438-7753-43E0-B8FC-AC1667EBCBE1}">
+              <a14:hiddenEffects xmlns:a14="http://schemas.microsoft.com/office/drawing/2010/main">
+                <a:effectLst>
+                  <a:outerShdw dist="35921" dir="2700000" algn="ctr" rotWithShape="0">
+                    <a:schemeClr val="bg2"/>
+                  </a:outerShdw>
+                </a:effectLst>
+              </a14:hiddenEffects>
+            </a:ext>
+          </a:extLst>
+        </p:spPr>
+        <p:txBody>
+          <a:bodyPr vert="horz" wrap="square" lIns="91440" tIns="45720" rIns="91440" bIns="45720" numCol="1" anchor="ctr" anchorCtr="0" compatLnSpc="1">
+            <a:prstTxWarp prst="textNoShape">
+              <a:avLst/>
+            </a:prstTxWarp>
+            <a:spAutoFit/>
+          </a:bodyPr>
+          <a:lstStyle/>
+          <a:p>
+            <a:endParaRPr lang="zh-CN" altLang="en-US"/>
+          </a:p>
+        </p:txBody>
+      </p:sp>
+      <p:graphicFrame>
+        <p:nvGraphicFramePr>
+          <p:cNvPr id="3" name="对象 2">
+            <a:extLst>
+              <a:ext uri="{FF2B5EF4-FFF2-40B4-BE49-F238E27FC236}">
+                <a16:creationId xmlns:a16="http://schemas.microsoft.com/office/drawing/2014/main" id="{BA377442-1EBA-4394-8AD0-5A329BF12496}"/>
+              </a:ext>
+            </a:extLst>
+          </p:cNvPr>
+          <p:cNvGraphicFramePr>
+            <a:graphicFrameLocks noChangeAspect="1"/>
+          </p:cNvGraphicFramePr>
+          <p:nvPr>
+            <p:extLst>
+              <p:ext uri="{D42A27DB-BD31-4B8C-83A1-F6EECF244321}">
+                <p14:modId xmlns:p14="http://schemas.microsoft.com/office/powerpoint/2010/main" val="865627251"/>
+              </p:ext>
+            </p:extLst>
+          </p:nvPr>
+        </p:nvGraphicFramePr>
+        <p:xfrm>
+          <a:off x="1258430" y="1612242"/>
+          <a:ext cx="7807393" cy="2894120"/>
+        </p:xfrm>
+        <a:graphic>
+          <a:graphicData uri="http://schemas.openxmlformats.org/presentationml/2006/ole">
+            <mc:AlternateContent xmlns:mc="http://schemas.openxmlformats.org/markup-compatibility/2006">
+              <mc:Choice xmlns:v="urn:schemas-microsoft-com:vml" Requires="v">
+                <p:oleObj spid="_x0000_s4109" name="Visio" r:id="rId3" imgW="4642866" imgH="1723644" progId="Visio.Drawing.11">
+                  <p:embed/>
+                </p:oleObj>
+              </mc:Choice>
+              <mc:Fallback>
+                <p:oleObj name="Visio" r:id="rId3" imgW="4642866" imgH="1723644" progId="Visio.Drawing.11">
+                  <p:embed/>
+                  <p:pic>
+                    <p:nvPicPr>
+                      <p:cNvPr id="0" name="Object 1"/>
+                      <p:cNvPicPr>
+                        <a:picLocks noChangeAspect="1" noChangeArrowheads="1"/>
+                      </p:cNvPicPr>
+                      <p:nvPr/>
+                    </p:nvPicPr>
+                    <p:blipFill>
+                      <a:blip r:embed="rId4">
+                        <a:extLst>
+                          <a:ext uri="{28A0092B-C50C-407E-A947-70E740481C1C}">
+                            <a14:useLocalDpi xmlns:a14="http://schemas.microsoft.com/office/drawing/2010/main" val="0"/>
+                          </a:ext>
+                        </a:extLst>
+                      </a:blip>
+                      <a:srcRect/>
+                      <a:stretch>
+                        <a:fillRect/>
+                      </a:stretch>
+                    </p:blipFill>
+                    <p:spPr bwMode="auto">
+                      <a:xfrm>
+                        <a:off x="1258430" y="1612242"/>
+                        <a:ext cx="7807393" cy="2894120"/>
+                      </a:xfrm>
+                      <a:prstGeom prst="rect">
+                        <a:avLst/>
+                      </a:prstGeom>
+                      <a:noFill/>
+                    </p:spPr>
+                  </p:pic>
+                </p:oleObj>
+              </mc:Fallback>
+            </mc:AlternateContent>
+          </a:graphicData>
+        </a:graphic>
+      </p:graphicFrame>
+    </p:spTree>
+    <p:extLst>
+      <p:ext uri="{BB962C8B-B14F-4D97-AF65-F5344CB8AC3E}">
+        <p14:creationId xmlns:p14="http://schemas.microsoft.com/office/powerpoint/2010/main" val="694395240"/>
+      </p:ext>
+    </p:extLst>
+  </p:cSld>
+  <p:clrMapOvr>
+    <a:masterClrMapping/>
+  </p:clrMapOvr>
+</p:sld>
+</file>
+
+<file path=ppt/slides/slide21.xml><?xml version="1.0" encoding="utf-8"?>
+<p:sld xmlns:a="http://schemas.openxmlformats.org/drawingml/2006/main" xmlns:r="http://schemas.openxmlformats.org/officeDocument/2006/relationships" xmlns:p="http://schemas.openxmlformats.org/presentationml/2006/main">
+  <p:cSld>
+    <p:spTree>
+      <p:nvGrpSpPr>
+        <p:cNvPr id="1" name=""/>
+        <p:cNvGrpSpPr/>
+        <p:nvPr/>
+      </p:nvGrpSpPr>
+      <p:grpSpPr>
+        <a:xfrm>
+          <a:off x="0" y="0"/>
+          <a:ext cx="0" cy="0"/>
+          <a:chOff x="0" y="0"/>
+          <a:chExt cx="0" cy="0"/>
+        </a:xfrm>
+      </p:grpSpPr>
+      <p:sp>
+        <p:nvSpPr>
+          <p:cNvPr id="8" name="副标题 2">
+            <a:extLst>
+              <a:ext uri="{FF2B5EF4-FFF2-40B4-BE49-F238E27FC236}">
+                <a16:creationId xmlns:a16="http://schemas.microsoft.com/office/drawing/2014/main" id="{9CFD6E50-AA4E-4C30-9601-D0B17FC987E2}"/>
+              </a:ext>
+            </a:extLst>
+          </p:cNvPr>
+          <p:cNvSpPr>
+            <a:spLocks noGrp="1"/>
+          </p:cNvSpPr>
+          <p:nvPr>
+            <p:ph type="subTitle" idx="1"/>
+          </p:nvPr>
+        </p:nvSpPr>
+        <p:spPr>
+          <a:xfrm>
+            <a:off x="887767" y="479392"/>
+            <a:ext cx="9780233" cy="5157927"/>
+          </a:xfrm>
+        </p:spPr>
+        <p:txBody>
+          <a:bodyPr>
+            <a:noAutofit/>
+          </a:bodyPr>
+          <a:lstStyle/>
+          <a:p>
+            <a:pPr algn="l"/>
+            <a:r>
+              <a:rPr lang="zh-CN" altLang="en-US" sz="1800" dirty="0"/>
+              <a:t>调度系统分为以下模块：</a:t>
+            </a:r>
+            <a:endParaRPr lang="en-US" altLang="zh-CN" sz="1800" dirty="0"/>
+          </a:p>
+          <a:p>
+            <a:pPr algn="l"/>
+            <a:endParaRPr lang="en-US" altLang="zh-CN" dirty="0"/>
+          </a:p>
+        </p:txBody>
+      </p:sp>
+      <p:sp>
+        <p:nvSpPr>
+          <p:cNvPr id="2" name="Rectangle 2">
+            <a:extLst>
+              <a:ext uri="{FF2B5EF4-FFF2-40B4-BE49-F238E27FC236}">
+                <a16:creationId xmlns:a16="http://schemas.microsoft.com/office/drawing/2014/main" id="{10EE25B2-DBAA-46C8-A057-293EFB05BB35}"/>
+              </a:ext>
+            </a:extLst>
+          </p:cNvPr>
+          <p:cNvSpPr>
+            <a:spLocks noChangeArrowheads="1"/>
+          </p:cNvSpPr>
+          <p:nvPr/>
+        </p:nvSpPr>
+        <p:spPr bwMode="auto">
+          <a:xfrm>
+            <a:off x="0" y="0"/>
+            <a:ext cx="12192000" cy="0"/>
+          </a:xfrm>
+          <a:prstGeom prst="rect">
+            <a:avLst/>
+          </a:prstGeom>
+          <a:noFill/>
+          <a:ln>
+            <a:noFill/>
+          </a:ln>
+          <a:effectLst/>
+          <a:extLst>
+            <a:ext uri="{909E8E84-426E-40DD-AFC4-6F175D3DCCD1}">
+              <a14:hiddenFill xmlns:a14="http://schemas.microsoft.com/office/drawing/2010/main">
+                <a:solidFill>
+                  <a:schemeClr val="accent1"/>
+                </a:solidFill>
+              </a14:hiddenFill>
+            </a:ext>
+            <a:ext uri="{91240B29-F687-4F45-9708-019B960494DF}">
+              <a14:hiddenLine xmlns:a14="http://schemas.microsoft.com/office/drawing/2010/main" w="9525">
+                <a:solidFill>
+                  <a:schemeClr val="tx1"/>
+                </a:solidFill>
+                <a:miter lim="800000"/>
+                <a:headEnd/>
+                <a:tailEnd/>
+              </a14:hiddenLine>
+            </a:ext>
+            <a:ext uri="{AF507438-7753-43E0-B8FC-AC1667EBCBE1}">
+              <a14:hiddenEffects xmlns:a14="http://schemas.microsoft.com/office/drawing/2010/main">
+                <a:effectLst>
+                  <a:outerShdw dist="35921" dir="2700000" algn="ctr" rotWithShape="0">
+                    <a:schemeClr val="bg2"/>
+                  </a:outerShdw>
+                </a:effectLst>
+              </a14:hiddenEffects>
+            </a:ext>
+          </a:extLst>
+        </p:spPr>
+        <p:txBody>
+          <a:bodyPr vert="horz" wrap="none" lIns="91440" tIns="45720" rIns="91440" bIns="45720" numCol="1" anchor="ctr" anchorCtr="0" compatLnSpc="1">
+            <a:prstTxWarp prst="textNoShape">
+              <a:avLst/>
+            </a:prstTxWarp>
+            <a:spAutoFit/>
+          </a:bodyPr>
+          <a:lstStyle/>
+          <a:p>
+            <a:endParaRPr lang="zh-CN" altLang="en-US"/>
+          </a:p>
+        </p:txBody>
+      </p:sp>
+      <p:graphicFrame>
+        <p:nvGraphicFramePr>
+          <p:cNvPr id="3" name="对象 2">
+            <a:extLst>
+              <a:ext uri="{FF2B5EF4-FFF2-40B4-BE49-F238E27FC236}">
+                <a16:creationId xmlns:a16="http://schemas.microsoft.com/office/drawing/2014/main" id="{85D59FB3-616E-4883-A918-23EBF0222BDC}"/>
+              </a:ext>
+            </a:extLst>
+          </p:cNvPr>
+          <p:cNvGraphicFramePr>
+            <a:graphicFrameLocks noChangeAspect="1"/>
+          </p:cNvGraphicFramePr>
+          <p:nvPr>
+            <p:extLst>
+              <p:ext uri="{D42A27DB-BD31-4B8C-83A1-F6EECF244321}">
+                <p14:modId xmlns:p14="http://schemas.microsoft.com/office/powerpoint/2010/main" val="1800461526"/>
+              </p:ext>
+            </p:extLst>
+          </p:nvPr>
+        </p:nvGraphicFramePr>
+        <p:xfrm>
+          <a:off x="2947386" y="1038687"/>
+          <a:ext cx="5433134" cy="4163221"/>
+        </p:xfrm>
+        <a:graphic>
+          <a:graphicData uri="http://schemas.openxmlformats.org/presentationml/2006/ole">
+            <mc:AlternateContent xmlns:mc="http://schemas.openxmlformats.org/markup-compatibility/2006">
+              <mc:Choice xmlns:v="urn:schemas-microsoft-com:vml" Requires="v">
+                <p:oleObj spid="_x0000_s7178" name="Visio" r:id="rId3" imgW="4967097" imgH="3814953" progId="Visio.Drawing.11">
+                  <p:embed/>
+                </p:oleObj>
+              </mc:Choice>
+              <mc:Fallback>
+                <p:oleObj name="Visio" r:id="rId3" imgW="4967097" imgH="3814953" progId="Visio.Drawing.11">
+                  <p:embed/>
+                  <p:pic>
+                    <p:nvPicPr>
+                      <p:cNvPr id="0" name="Object 1"/>
+                      <p:cNvPicPr>
+                        <a:picLocks noChangeAspect="1" noChangeArrowheads="1"/>
+                      </p:cNvPicPr>
+                      <p:nvPr/>
+                    </p:nvPicPr>
+                    <p:blipFill>
+                      <a:blip r:embed="rId4">
+                        <a:extLst>
+                          <a:ext uri="{28A0092B-C50C-407E-A947-70E740481C1C}">
+                            <a14:useLocalDpi xmlns:a14="http://schemas.microsoft.com/office/drawing/2010/main" val="0"/>
+                          </a:ext>
+                        </a:extLst>
+                      </a:blip>
+                      <a:srcRect/>
+                      <a:stretch>
+                        <a:fillRect/>
+                      </a:stretch>
+                    </p:blipFill>
+                    <p:spPr bwMode="auto">
+                      <a:xfrm>
+                        <a:off x="2947386" y="1038687"/>
+                        <a:ext cx="5433134" cy="4163221"/>
+                      </a:xfrm>
+                      <a:prstGeom prst="rect">
+                        <a:avLst/>
+                      </a:prstGeom>
+                      <a:noFill/>
+                    </p:spPr>
+                  </p:pic>
+                </p:oleObj>
+              </mc:Fallback>
+            </mc:AlternateContent>
+          </a:graphicData>
+        </a:graphic>
+      </p:graphicFrame>
+    </p:spTree>
+    <p:extLst>
+      <p:ext uri="{BB962C8B-B14F-4D97-AF65-F5344CB8AC3E}">
+        <p14:creationId xmlns:p14="http://schemas.microsoft.com/office/powerpoint/2010/main" val="2555812172"/>
+      </p:ext>
+    </p:extLst>
+  </p:cSld>
+  <p:clrMapOvr>
+    <a:masterClrMapping/>
+  </p:clrMapOvr>
+</p:sld>
+</file>
+
+<file path=ppt/slides/slide22.xml><?xml version="1.0" encoding="utf-8"?>
+<p:sld xmlns:a="http://schemas.openxmlformats.org/drawingml/2006/main" xmlns:r="http://schemas.openxmlformats.org/officeDocument/2006/relationships" xmlns:p="http://schemas.openxmlformats.org/presentationml/2006/main">
+  <p:cSld>
+    <p:spTree>
+      <p:nvGrpSpPr>
+        <p:cNvPr id="1" name=""/>
+        <p:cNvGrpSpPr/>
+        <p:nvPr/>
+      </p:nvGrpSpPr>
+      <p:grpSpPr>
+        <a:xfrm>
+          <a:off x="0" y="0"/>
+          <a:ext cx="0" cy="0"/>
+          <a:chOff x="0" y="0"/>
+          <a:chExt cx="0" cy="0"/>
+        </a:xfrm>
+      </p:grpSpPr>
+      <p:sp>
+        <p:nvSpPr>
+          <p:cNvPr id="8" name="副标题 2">
+            <a:extLst>
+              <a:ext uri="{FF2B5EF4-FFF2-40B4-BE49-F238E27FC236}">
+                <a16:creationId xmlns:a16="http://schemas.microsoft.com/office/drawing/2014/main" id="{9CFD6E50-AA4E-4C30-9601-D0B17FC987E2}"/>
+              </a:ext>
+            </a:extLst>
+          </p:cNvPr>
+          <p:cNvSpPr>
+            <a:spLocks noGrp="1"/>
+          </p:cNvSpPr>
+          <p:nvPr>
+            <p:ph type="subTitle" idx="1"/>
+          </p:nvPr>
+        </p:nvSpPr>
+        <p:spPr>
+          <a:xfrm>
+            <a:off x="887767" y="479392"/>
+            <a:ext cx="9780233" cy="5157927"/>
+          </a:xfrm>
+        </p:spPr>
+        <p:txBody>
+          <a:bodyPr>
+            <a:noAutofit/>
+          </a:bodyPr>
+          <a:lstStyle/>
+          <a:p>
+            <a:pPr algn="l"/>
+            <a:r>
+              <a:rPr lang="zh-CN" altLang="en-US" sz="1800" dirty="0"/>
+              <a:t>登录模块：</a:t>
+            </a:r>
+            <a:r>
+              <a:rPr lang="zh-CN" altLang="zh-CN" sz="1800" dirty="0"/>
+              <a:t>提供用户的登录和注册功能，根据用户权限提供对应的系统操作。</a:t>
+            </a:r>
+            <a:endParaRPr lang="en-US" altLang="zh-CN" sz="1800" dirty="0"/>
+          </a:p>
+        </p:txBody>
+      </p:sp>
+      <p:sp>
+        <p:nvSpPr>
+          <p:cNvPr id="2" name="Rectangle 2">
+            <a:extLst>
+              <a:ext uri="{FF2B5EF4-FFF2-40B4-BE49-F238E27FC236}">
+                <a16:creationId xmlns:a16="http://schemas.microsoft.com/office/drawing/2014/main" id="{10EE25B2-DBAA-46C8-A057-293EFB05BB35}"/>
+              </a:ext>
+            </a:extLst>
+          </p:cNvPr>
+          <p:cNvSpPr>
+            <a:spLocks noChangeArrowheads="1"/>
+          </p:cNvSpPr>
+          <p:nvPr/>
+        </p:nvSpPr>
+        <p:spPr bwMode="auto">
+          <a:xfrm>
+            <a:off x="0" y="0"/>
+            <a:ext cx="12192000" cy="0"/>
+          </a:xfrm>
+          <a:prstGeom prst="rect">
+            <a:avLst/>
+          </a:prstGeom>
+          <a:noFill/>
+          <a:ln>
+            <a:noFill/>
+          </a:ln>
+          <a:effectLst/>
+          <a:extLst>
+            <a:ext uri="{909E8E84-426E-40DD-AFC4-6F175D3DCCD1}">
+              <a14:hiddenFill xmlns:a14="http://schemas.microsoft.com/office/drawing/2010/main">
+                <a:solidFill>
+                  <a:schemeClr val="accent1"/>
+                </a:solidFill>
+              </a14:hiddenFill>
+            </a:ext>
+            <a:ext uri="{91240B29-F687-4F45-9708-019B960494DF}">
+              <a14:hiddenLine xmlns:a14="http://schemas.microsoft.com/office/drawing/2010/main" w="9525">
+                <a:solidFill>
+                  <a:schemeClr val="tx1"/>
+                </a:solidFill>
+                <a:miter lim="800000"/>
+                <a:headEnd/>
+                <a:tailEnd/>
+              </a14:hiddenLine>
+            </a:ext>
+            <a:ext uri="{AF507438-7753-43E0-B8FC-AC1667EBCBE1}">
+              <a14:hiddenEffects xmlns:a14="http://schemas.microsoft.com/office/drawing/2010/main">
+                <a:effectLst>
+                  <a:outerShdw dist="35921" dir="2700000" algn="ctr" rotWithShape="0">
+                    <a:schemeClr val="bg2"/>
+                  </a:outerShdw>
+                </a:effectLst>
+              </a14:hiddenEffects>
+            </a:ext>
+          </a:extLst>
+        </p:spPr>
+        <p:txBody>
+          <a:bodyPr vert="horz" wrap="none" lIns="91440" tIns="45720" rIns="91440" bIns="45720" numCol="1" anchor="ctr" anchorCtr="0" compatLnSpc="1">
+            <a:prstTxWarp prst="textNoShape">
+              <a:avLst/>
+            </a:prstTxWarp>
+            <a:spAutoFit/>
+          </a:bodyPr>
+          <a:lstStyle/>
+          <a:p>
+            <a:endParaRPr lang="zh-CN" altLang="en-US"/>
+          </a:p>
+        </p:txBody>
+      </p:sp>
+    </p:spTree>
+    <p:extLst>
+      <p:ext uri="{BB962C8B-B14F-4D97-AF65-F5344CB8AC3E}">
+        <p14:creationId xmlns:p14="http://schemas.microsoft.com/office/powerpoint/2010/main" val="4221190549"/>
+      </p:ext>
+    </p:extLst>
+  </p:cSld>
+  <p:clrMapOvr>
+    <a:masterClrMapping/>
+  </p:clrMapOvr>
+</p:sld>
+</file>
+
+<file path=ppt/slides/slide23.xml><?xml version="1.0" encoding="utf-8"?>
+<p:sld xmlns:a="http://schemas.openxmlformats.org/drawingml/2006/main" xmlns:r="http://schemas.openxmlformats.org/officeDocument/2006/relationships" xmlns:p="http://schemas.openxmlformats.org/presentationml/2006/main">
+  <p:cSld>
+    <p:spTree>
+      <p:nvGrpSpPr>
+        <p:cNvPr id="1" name=""/>
+        <p:cNvGrpSpPr/>
+        <p:nvPr/>
+      </p:nvGrpSpPr>
+      <p:grpSpPr>
+        <a:xfrm>
+          <a:off x="0" y="0"/>
+          <a:ext cx="0" cy="0"/>
+          <a:chOff x="0" y="0"/>
+          <a:chExt cx="0" cy="0"/>
+        </a:xfrm>
+      </p:grpSpPr>
+      <p:sp>
+        <p:nvSpPr>
+          <p:cNvPr id="8" name="副标题 2">
+            <a:extLst>
+              <a:ext uri="{FF2B5EF4-FFF2-40B4-BE49-F238E27FC236}">
+                <a16:creationId xmlns:a16="http://schemas.microsoft.com/office/drawing/2014/main" id="{9CFD6E50-AA4E-4C30-9601-D0B17FC987E2}"/>
+              </a:ext>
+            </a:extLst>
+          </p:cNvPr>
+          <p:cNvSpPr>
+            <a:spLocks noGrp="1"/>
+          </p:cNvSpPr>
+          <p:nvPr>
+            <p:ph type="subTitle" idx="1"/>
+          </p:nvPr>
+        </p:nvSpPr>
+        <p:spPr>
+          <a:xfrm>
+            <a:off x="887767" y="479392"/>
+            <a:ext cx="9780233" cy="5157927"/>
+          </a:xfrm>
+        </p:spPr>
+        <p:txBody>
+          <a:bodyPr>
+            <a:noAutofit/>
+          </a:bodyPr>
+          <a:lstStyle/>
+          <a:p>
+            <a:pPr algn="l"/>
+            <a:r>
+              <a:rPr lang="zh-CN" altLang="zh-CN" dirty="0"/>
+              <a:t>信息管理模块：提供对员工信息和物料信息的增删查改</a:t>
+            </a:r>
+            <a:endParaRPr lang="en-US" altLang="zh-CN" sz="1800" dirty="0"/>
+          </a:p>
+        </p:txBody>
+      </p:sp>
+      <p:sp>
+        <p:nvSpPr>
+          <p:cNvPr id="2" name="Rectangle 2">
+            <a:extLst>
+              <a:ext uri="{FF2B5EF4-FFF2-40B4-BE49-F238E27FC236}">
+                <a16:creationId xmlns:a16="http://schemas.microsoft.com/office/drawing/2014/main" id="{10EE25B2-DBAA-46C8-A057-293EFB05BB35}"/>
+              </a:ext>
+            </a:extLst>
+          </p:cNvPr>
+          <p:cNvSpPr>
+            <a:spLocks noChangeArrowheads="1"/>
+          </p:cNvSpPr>
+          <p:nvPr/>
+        </p:nvSpPr>
+        <p:spPr bwMode="auto">
+          <a:xfrm>
+            <a:off x="0" y="0"/>
+            <a:ext cx="12192000" cy="0"/>
+          </a:xfrm>
+          <a:prstGeom prst="rect">
+            <a:avLst/>
+          </a:prstGeom>
+          <a:noFill/>
+          <a:ln>
+            <a:noFill/>
+          </a:ln>
+          <a:effectLst/>
+          <a:extLst>
+            <a:ext uri="{909E8E84-426E-40DD-AFC4-6F175D3DCCD1}">
+              <a14:hiddenFill xmlns:a14="http://schemas.microsoft.com/office/drawing/2010/main">
+                <a:solidFill>
+                  <a:schemeClr val="accent1"/>
+                </a:solidFill>
+              </a14:hiddenFill>
+            </a:ext>
+            <a:ext uri="{91240B29-F687-4F45-9708-019B960494DF}">
+              <a14:hiddenLine xmlns:a14="http://schemas.microsoft.com/office/drawing/2010/main" w="9525">
+                <a:solidFill>
+                  <a:schemeClr val="tx1"/>
+                </a:solidFill>
+                <a:miter lim="800000"/>
+                <a:headEnd/>
+                <a:tailEnd/>
+              </a14:hiddenLine>
+            </a:ext>
+            <a:ext uri="{AF507438-7753-43E0-B8FC-AC1667EBCBE1}">
+              <a14:hiddenEffects xmlns:a14="http://schemas.microsoft.com/office/drawing/2010/main">
+                <a:effectLst>
+                  <a:outerShdw dist="35921" dir="2700000" algn="ctr" rotWithShape="0">
+                    <a:schemeClr val="bg2"/>
+                  </a:outerShdw>
+                </a:effectLst>
+              </a14:hiddenEffects>
+            </a:ext>
+          </a:extLst>
+        </p:spPr>
+        <p:txBody>
+          <a:bodyPr vert="horz" wrap="none" lIns="91440" tIns="45720" rIns="91440" bIns="45720" numCol="1" anchor="ctr" anchorCtr="0" compatLnSpc="1">
+            <a:prstTxWarp prst="textNoShape">
+              <a:avLst/>
+            </a:prstTxWarp>
+            <a:spAutoFit/>
+          </a:bodyPr>
+          <a:lstStyle/>
+          <a:p>
+            <a:endParaRPr lang="zh-CN" altLang="en-US"/>
+          </a:p>
+        </p:txBody>
+      </p:sp>
+    </p:spTree>
+    <p:extLst>
+      <p:ext uri="{BB962C8B-B14F-4D97-AF65-F5344CB8AC3E}">
+        <p14:creationId xmlns:p14="http://schemas.microsoft.com/office/powerpoint/2010/main" val="2040523971"/>
+      </p:ext>
+    </p:extLst>
+  </p:cSld>
+  <p:clrMapOvr>
+    <a:masterClrMapping/>
+  </p:clrMapOvr>
+</p:sld>
+</file>
+
+<file path=ppt/slides/slide24.xml><?xml version="1.0" encoding="utf-8"?>
+<p:sld xmlns:a="http://schemas.openxmlformats.org/drawingml/2006/main" xmlns:r="http://schemas.openxmlformats.org/officeDocument/2006/relationships" xmlns:p="http://schemas.openxmlformats.org/presentationml/2006/main">
+  <p:cSld>
+    <p:spTree>
+      <p:nvGrpSpPr>
+        <p:cNvPr id="1" name=""/>
+        <p:cNvGrpSpPr/>
+        <p:nvPr/>
+      </p:nvGrpSpPr>
+      <p:grpSpPr>
+        <a:xfrm>
+          <a:off x="0" y="0"/>
+          <a:ext cx="0" cy="0"/>
+          <a:chOff x="0" y="0"/>
+          <a:chExt cx="0" cy="0"/>
+        </a:xfrm>
+      </p:grpSpPr>
+      <p:sp>
+        <p:nvSpPr>
+          <p:cNvPr id="8" name="副标题 2">
+            <a:extLst>
+              <a:ext uri="{FF2B5EF4-FFF2-40B4-BE49-F238E27FC236}">
+                <a16:creationId xmlns:a16="http://schemas.microsoft.com/office/drawing/2014/main" id="{9CFD6E50-AA4E-4C30-9601-D0B17FC987E2}"/>
+              </a:ext>
+            </a:extLst>
+          </p:cNvPr>
+          <p:cNvSpPr>
+            <a:spLocks noGrp="1"/>
+          </p:cNvSpPr>
+          <p:nvPr>
+            <p:ph type="subTitle" idx="1"/>
+          </p:nvPr>
+        </p:nvSpPr>
+        <p:spPr>
+          <a:xfrm>
+            <a:off x="887767" y="479392"/>
+            <a:ext cx="9780233" cy="5157927"/>
+          </a:xfrm>
+        </p:spPr>
+        <p:txBody>
+          <a:bodyPr>
+            <a:noAutofit/>
+          </a:bodyPr>
+          <a:lstStyle/>
+          <a:p>
+            <a:r>
+              <a:rPr lang="zh-CN" altLang="zh-CN" dirty="0"/>
+              <a:t>资源管理模块：可用于对各个地区的工厂中车间结构以及设备配置进行查看和修改，同时可查看设备的工作状态。</a:t>
+            </a:r>
+          </a:p>
+        </p:txBody>
+      </p:sp>
+      <p:sp>
+        <p:nvSpPr>
+          <p:cNvPr id="2" name="Rectangle 2">
+            <a:extLst>
+              <a:ext uri="{FF2B5EF4-FFF2-40B4-BE49-F238E27FC236}">
+                <a16:creationId xmlns:a16="http://schemas.microsoft.com/office/drawing/2014/main" id="{10EE25B2-DBAA-46C8-A057-293EFB05BB35}"/>
+              </a:ext>
+            </a:extLst>
+          </p:cNvPr>
+          <p:cNvSpPr>
+            <a:spLocks noChangeArrowheads="1"/>
+          </p:cNvSpPr>
+          <p:nvPr/>
+        </p:nvSpPr>
+        <p:spPr bwMode="auto">
+          <a:xfrm>
+            <a:off x="0" y="0"/>
+            <a:ext cx="12192000" cy="0"/>
+          </a:xfrm>
+          <a:prstGeom prst="rect">
+            <a:avLst/>
+          </a:prstGeom>
+          <a:noFill/>
+          <a:ln>
+            <a:noFill/>
+          </a:ln>
+          <a:effectLst/>
+          <a:extLst>
+            <a:ext uri="{909E8E84-426E-40DD-AFC4-6F175D3DCCD1}">
+              <a14:hiddenFill xmlns:a14="http://schemas.microsoft.com/office/drawing/2010/main">
+                <a:solidFill>
+                  <a:schemeClr val="accent1"/>
+                </a:solidFill>
+              </a14:hiddenFill>
+            </a:ext>
+            <a:ext uri="{91240B29-F687-4F45-9708-019B960494DF}">
+              <a14:hiddenLine xmlns:a14="http://schemas.microsoft.com/office/drawing/2010/main" w="9525">
+                <a:solidFill>
+                  <a:schemeClr val="tx1"/>
+                </a:solidFill>
+                <a:miter lim="800000"/>
+                <a:headEnd/>
+                <a:tailEnd/>
+              </a14:hiddenLine>
+            </a:ext>
+            <a:ext uri="{AF507438-7753-43E0-B8FC-AC1667EBCBE1}">
+              <a14:hiddenEffects xmlns:a14="http://schemas.microsoft.com/office/drawing/2010/main">
+                <a:effectLst>
+                  <a:outerShdw dist="35921" dir="2700000" algn="ctr" rotWithShape="0">
+                    <a:schemeClr val="bg2"/>
+                  </a:outerShdw>
+                </a:effectLst>
+              </a14:hiddenEffects>
+            </a:ext>
+          </a:extLst>
+        </p:spPr>
+        <p:txBody>
+          <a:bodyPr vert="horz" wrap="none" lIns="91440" tIns="45720" rIns="91440" bIns="45720" numCol="1" anchor="ctr" anchorCtr="0" compatLnSpc="1">
+            <a:prstTxWarp prst="textNoShape">
+              <a:avLst/>
+            </a:prstTxWarp>
+            <a:spAutoFit/>
+          </a:bodyPr>
+          <a:lstStyle/>
+          <a:p>
+            <a:endParaRPr lang="zh-CN" altLang="en-US"/>
+          </a:p>
+        </p:txBody>
+      </p:sp>
+    </p:spTree>
+    <p:extLst>
+      <p:ext uri="{BB962C8B-B14F-4D97-AF65-F5344CB8AC3E}">
+        <p14:creationId xmlns:p14="http://schemas.microsoft.com/office/powerpoint/2010/main" val="184257184"/>
+      </p:ext>
+    </p:extLst>
+  </p:cSld>
+  <p:clrMapOvr>
+    <a:masterClrMapping/>
+  </p:clrMapOvr>
+</p:sld>
+</file>
+
+<file path=ppt/slides/slide25.xml><?xml version="1.0" encoding="utf-8"?>
+<p:sld xmlns:a="http://schemas.openxmlformats.org/drawingml/2006/main" xmlns:r="http://schemas.openxmlformats.org/officeDocument/2006/relationships" xmlns:p="http://schemas.openxmlformats.org/presentationml/2006/main">
+  <p:cSld>
+    <p:spTree>
+      <p:nvGrpSpPr>
+        <p:cNvPr id="1" name=""/>
+        <p:cNvGrpSpPr/>
+        <p:nvPr/>
+      </p:nvGrpSpPr>
+      <p:grpSpPr>
+        <a:xfrm>
+          <a:off x="0" y="0"/>
+          <a:ext cx="0" cy="0"/>
+          <a:chOff x="0" y="0"/>
+          <a:chExt cx="0" cy="0"/>
+        </a:xfrm>
+      </p:grpSpPr>
+      <p:sp>
+        <p:nvSpPr>
+          <p:cNvPr id="8" name="副标题 2">
+            <a:extLst>
+              <a:ext uri="{FF2B5EF4-FFF2-40B4-BE49-F238E27FC236}">
+                <a16:creationId xmlns:a16="http://schemas.microsoft.com/office/drawing/2014/main" id="{9CFD6E50-AA4E-4C30-9601-D0B17FC987E2}"/>
+              </a:ext>
+            </a:extLst>
+          </p:cNvPr>
+          <p:cNvSpPr>
+            <a:spLocks noGrp="1"/>
+          </p:cNvSpPr>
+          <p:nvPr>
+            <p:ph type="subTitle" idx="1"/>
+          </p:nvPr>
+        </p:nvSpPr>
+        <p:spPr>
+          <a:xfrm>
+            <a:off x="887767" y="479392"/>
+            <a:ext cx="9780233" cy="5157927"/>
+          </a:xfrm>
+        </p:spPr>
+        <p:txBody>
+          <a:bodyPr>
+            <a:noAutofit/>
+          </a:bodyPr>
+          <a:lstStyle/>
+          <a:p>
+            <a:pPr algn="l"/>
+            <a:r>
+              <a:rPr lang="zh-CN" altLang="zh-CN" dirty="0"/>
+              <a:t>工艺管理模块：对系统内产品的工艺信息进行管理，可查看产品的组成，工件的加工工艺等。当用户是工艺管理员时，可对工艺信息进行增删查改。</a:t>
+            </a:r>
+            <a:endParaRPr lang="en-US" altLang="zh-CN" sz="1800" dirty="0"/>
+          </a:p>
+        </p:txBody>
+      </p:sp>
+      <p:sp>
+        <p:nvSpPr>
+          <p:cNvPr id="2" name="Rectangle 2">
+            <a:extLst>
+              <a:ext uri="{FF2B5EF4-FFF2-40B4-BE49-F238E27FC236}">
+                <a16:creationId xmlns:a16="http://schemas.microsoft.com/office/drawing/2014/main" id="{10EE25B2-DBAA-46C8-A057-293EFB05BB35}"/>
+              </a:ext>
+            </a:extLst>
+          </p:cNvPr>
+          <p:cNvSpPr>
+            <a:spLocks noChangeArrowheads="1"/>
+          </p:cNvSpPr>
+          <p:nvPr/>
+        </p:nvSpPr>
+        <p:spPr bwMode="auto">
+          <a:xfrm>
+            <a:off x="0" y="0"/>
+            <a:ext cx="12192000" cy="0"/>
+          </a:xfrm>
+          <a:prstGeom prst="rect">
+            <a:avLst/>
+          </a:prstGeom>
+          <a:noFill/>
+          <a:ln>
+            <a:noFill/>
+          </a:ln>
+          <a:effectLst/>
+          <a:extLst>
+            <a:ext uri="{909E8E84-426E-40DD-AFC4-6F175D3DCCD1}">
+              <a14:hiddenFill xmlns:a14="http://schemas.microsoft.com/office/drawing/2010/main">
+                <a:solidFill>
+                  <a:schemeClr val="accent1"/>
+                </a:solidFill>
+              </a14:hiddenFill>
+            </a:ext>
+            <a:ext uri="{91240B29-F687-4F45-9708-019B960494DF}">
+              <a14:hiddenLine xmlns:a14="http://schemas.microsoft.com/office/drawing/2010/main" w="9525">
+                <a:solidFill>
+                  <a:schemeClr val="tx1"/>
+                </a:solidFill>
+                <a:miter lim="800000"/>
+                <a:headEnd/>
+                <a:tailEnd/>
+              </a14:hiddenLine>
+            </a:ext>
+            <a:ext uri="{AF507438-7753-43E0-B8FC-AC1667EBCBE1}">
+              <a14:hiddenEffects xmlns:a14="http://schemas.microsoft.com/office/drawing/2010/main">
+                <a:effectLst>
+                  <a:outerShdw dist="35921" dir="2700000" algn="ctr" rotWithShape="0">
+                    <a:schemeClr val="bg2"/>
+                  </a:outerShdw>
+                </a:effectLst>
+              </a14:hiddenEffects>
+            </a:ext>
+          </a:extLst>
+        </p:spPr>
+        <p:txBody>
+          <a:bodyPr vert="horz" wrap="none" lIns="91440" tIns="45720" rIns="91440" bIns="45720" numCol="1" anchor="ctr" anchorCtr="0" compatLnSpc="1">
+            <a:prstTxWarp prst="textNoShape">
+              <a:avLst/>
+            </a:prstTxWarp>
+            <a:spAutoFit/>
+          </a:bodyPr>
+          <a:lstStyle/>
+          <a:p>
+            <a:endParaRPr lang="zh-CN" altLang="en-US"/>
+          </a:p>
+        </p:txBody>
+      </p:sp>
+    </p:spTree>
+    <p:extLst>
+      <p:ext uri="{BB962C8B-B14F-4D97-AF65-F5344CB8AC3E}">
+        <p14:creationId xmlns:p14="http://schemas.microsoft.com/office/powerpoint/2010/main" val="3538221216"/>
+      </p:ext>
+    </p:extLst>
+  </p:cSld>
+  <p:clrMapOvr>
+    <a:masterClrMapping/>
+  </p:clrMapOvr>
+</p:sld>
+</file>
+
+<file path=ppt/slides/slide26.xml><?xml version="1.0" encoding="utf-8"?>
+<p:sld xmlns:a="http://schemas.openxmlformats.org/drawingml/2006/main" xmlns:r="http://schemas.openxmlformats.org/officeDocument/2006/relationships" xmlns:p="http://schemas.openxmlformats.org/presentationml/2006/main">
+  <p:cSld>
+    <p:spTree>
+      <p:nvGrpSpPr>
+        <p:cNvPr id="1" name=""/>
+        <p:cNvGrpSpPr/>
+        <p:nvPr/>
+      </p:nvGrpSpPr>
+      <p:grpSpPr>
+        <a:xfrm>
+          <a:off x="0" y="0"/>
+          <a:ext cx="0" cy="0"/>
+          <a:chOff x="0" y="0"/>
+          <a:chExt cx="0" cy="0"/>
+        </a:xfrm>
+      </p:grpSpPr>
+      <p:sp>
+        <p:nvSpPr>
+          <p:cNvPr id="8" name="副标题 2">
+            <a:extLst>
+              <a:ext uri="{FF2B5EF4-FFF2-40B4-BE49-F238E27FC236}">
+                <a16:creationId xmlns:a16="http://schemas.microsoft.com/office/drawing/2014/main" id="{9CFD6E50-AA4E-4C30-9601-D0B17FC987E2}"/>
+              </a:ext>
+            </a:extLst>
+          </p:cNvPr>
+          <p:cNvSpPr>
+            <a:spLocks noGrp="1"/>
+          </p:cNvSpPr>
+          <p:nvPr>
+            <p:ph type="subTitle" idx="1"/>
+          </p:nvPr>
+        </p:nvSpPr>
+        <p:spPr>
+          <a:xfrm>
+            <a:off x="887767" y="479392"/>
+            <a:ext cx="9780233" cy="5157927"/>
+          </a:xfrm>
+        </p:spPr>
+        <p:txBody>
+          <a:bodyPr>
+            <a:noAutofit/>
+          </a:bodyPr>
+          <a:lstStyle/>
+          <a:p>
+            <a:r>
+              <a:rPr lang="zh-CN" altLang="zh-CN" dirty="0"/>
+              <a:t>生产调度模块：用于接收客户的生产订单并制定对应的调度方案，提供对改进蚁群算法的参数设置以优化调度结果。也可由系统管理员直接设置参与调度的生产任务并制定生产计划。</a:t>
+            </a:r>
+          </a:p>
+        </p:txBody>
+      </p:sp>
+      <p:sp>
+        <p:nvSpPr>
+          <p:cNvPr id="2" name="Rectangle 2">
+            <a:extLst>
+              <a:ext uri="{FF2B5EF4-FFF2-40B4-BE49-F238E27FC236}">
+                <a16:creationId xmlns:a16="http://schemas.microsoft.com/office/drawing/2014/main" id="{10EE25B2-DBAA-46C8-A057-293EFB05BB35}"/>
+              </a:ext>
+            </a:extLst>
+          </p:cNvPr>
+          <p:cNvSpPr>
+            <a:spLocks noChangeArrowheads="1"/>
+          </p:cNvSpPr>
+          <p:nvPr/>
+        </p:nvSpPr>
+        <p:spPr bwMode="auto">
+          <a:xfrm>
+            <a:off x="0" y="0"/>
+            <a:ext cx="12192000" cy="0"/>
+          </a:xfrm>
+          <a:prstGeom prst="rect">
+            <a:avLst/>
+          </a:prstGeom>
+          <a:noFill/>
+          <a:ln>
+            <a:noFill/>
+          </a:ln>
+          <a:effectLst/>
+          <a:extLst>
+            <a:ext uri="{909E8E84-426E-40DD-AFC4-6F175D3DCCD1}">
+              <a14:hiddenFill xmlns:a14="http://schemas.microsoft.com/office/drawing/2010/main">
+                <a:solidFill>
+                  <a:schemeClr val="accent1"/>
+                </a:solidFill>
+              </a14:hiddenFill>
+            </a:ext>
+            <a:ext uri="{91240B29-F687-4F45-9708-019B960494DF}">
+              <a14:hiddenLine xmlns:a14="http://schemas.microsoft.com/office/drawing/2010/main" w="9525">
+                <a:solidFill>
+                  <a:schemeClr val="tx1"/>
+                </a:solidFill>
+                <a:miter lim="800000"/>
+                <a:headEnd/>
+                <a:tailEnd/>
+              </a14:hiddenLine>
+            </a:ext>
+            <a:ext uri="{AF507438-7753-43E0-B8FC-AC1667EBCBE1}">
+              <a14:hiddenEffects xmlns:a14="http://schemas.microsoft.com/office/drawing/2010/main">
+                <a:effectLst>
+                  <a:outerShdw dist="35921" dir="2700000" algn="ctr" rotWithShape="0">
+                    <a:schemeClr val="bg2"/>
+                  </a:outerShdw>
+                </a:effectLst>
+              </a14:hiddenEffects>
+            </a:ext>
+          </a:extLst>
+        </p:spPr>
+        <p:txBody>
+          <a:bodyPr vert="horz" wrap="none" lIns="91440" tIns="45720" rIns="91440" bIns="45720" numCol="1" anchor="ctr" anchorCtr="0" compatLnSpc="1">
+            <a:prstTxWarp prst="textNoShape">
+              <a:avLst/>
+            </a:prstTxWarp>
+            <a:spAutoFit/>
+          </a:bodyPr>
+          <a:lstStyle/>
+          <a:p>
+            <a:endParaRPr lang="zh-CN" altLang="en-US"/>
+          </a:p>
+        </p:txBody>
+      </p:sp>
+    </p:spTree>
+    <p:extLst>
+      <p:ext uri="{BB962C8B-B14F-4D97-AF65-F5344CB8AC3E}">
+        <p14:creationId xmlns:p14="http://schemas.microsoft.com/office/powerpoint/2010/main" val="3999158589"/>
+      </p:ext>
+    </p:extLst>
+  </p:cSld>
+  <p:clrMapOvr>
+    <a:masterClrMapping/>
+  </p:clrMapOvr>
+</p:sld>
+</file>
+
+<file path=ppt/slides/slide27.xml><?xml version="1.0" encoding="utf-8"?>
+<p:sld xmlns:a="http://schemas.openxmlformats.org/drawingml/2006/main" xmlns:r="http://schemas.openxmlformats.org/officeDocument/2006/relationships" xmlns:p="http://schemas.openxmlformats.org/presentationml/2006/main">
+  <p:cSld>
+    <p:spTree>
+      <p:nvGrpSpPr>
+        <p:cNvPr id="1" name=""/>
+        <p:cNvGrpSpPr/>
+        <p:nvPr/>
+      </p:nvGrpSpPr>
+      <p:grpSpPr>
+        <a:xfrm>
+          <a:off x="0" y="0"/>
+          <a:ext cx="0" cy="0"/>
+          <a:chOff x="0" y="0"/>
+          <a:chExt cx="0" cy="0"/>
+        </a:xfrm>
+      </p:grpSpPr>
+      <p:sp>
+        <p:nvSpPr>
+          <p:cNvPr id="8" name="副标题 2">
+            <a:extLst>
+              <a:ext uri="{FF2B5EF4-FFF2-40B4-BE49-F238E27FC236}">
+                <a16:creationId xmlns:a16="http://schemas.microsoft.com/office/drawing/2014/main" id="{9CFD6E50-AA4E-4C30-9601-D0B17FC987E2}"/>
+              </a:ext>
+            </a:extLst>
+          </p:cNvPr>
+          <p:cNvSpPr>
+            <a:spLocks noGrp="1"/>
+          </p:cNvSpPr>
+          <p:nvPr>
+            <p:ph type="subTitle" idx="1"/>
+          </p:nvPr>
+        </p:nvSpPr>
+        <p:spPr>
+          <a:xfrm>
+            <a:off x="887767" y="479392"/>
+            <a:ext cx="9780233" cy="5157927"/>
+          </a:xfrm>
+        </p:spPr>
+        <p:txBody>
+          <a:bodyPr>
+            <a:noAutofit/>
+          </a:bodyPr>
+          <a:lstStyle/>
+          <a:p>
+            <a:pPr algn="l"/>
+            <a:r>
+              <a:rPr lang="zh-CN" altLang="en-US" dirty="0"/>
+              <a:t>对生产任务跨区域分解策略的验证</a:t>
+            </a:r>
+            <a:endParaRPr lang="zh-CN" altLang="zh-CN" dirty="0"/>
+          </a:p>
+        </p:txBody>
+      </p:sp>
+      <p:sp>
+        <p:nvSpPr>
+          <p:cNvPr id="2" name="Rectangle 2">
+            <a:extLst>
+              <a:ext uri="{FF2B5EF4-FFF2-40B4-BE49-F238E27FC236}">
+                <a16:creationId xmlns:a16="http://schemas.microsoft.com/office/drawing/2014/main" id="{10EE25B2-DBAA-46C8-A057-293EFB05BB35}"/>
+              </a:ext>
+            </a:extLst>
+          </p:cNvPr>
+          <p:cNvSpPr>
+            <a:spLocks noChangeArrowheads="1"/>
+          </p:cNvSpPr>
+          <p:nvPr/>
+        </p:nvSpPr>
+        <p:spPr bwMode="auto">
+          <a:xfrm>
+            <a:off x="0" y="0"/>
+            <a:ext cx="12192000" cy="0"/>
+          </a:xfrm>
+          <a:prstGeom prst="rect">
+            <a:avLst/>
+          </a:prstGeom>
+          <a:noFill/>
+          <a:ln>
+            <a:noFill/>
+          </a:ln>
+          <a:effectLst/>
+          <a:extLst>
+            <a:ext uri="{909E8E84-426E-40DD-AFC4-6F175D3DCCD1}">
+              <a14:hiddenFill xmlns:a14="http://schemas.microsoft.com/office/drawing/2010/main">
+                <a:solidFill>
+                  <a:schemeClr val="accent1"/>
+                </a:solidFill>
+              </a14:hiddenFill>
+            </a:ext>
+            <a:ext uri="{91240B29-F687-4F45-9708-019B960494DF}">
+              <a14:hiddenLine xmlns:a14="http://schemas.microsoft.com/office/drawing/2010/main" w="9525">
+                <a:solidFill>
+                  <a:schemeClr val="tx1"/>
+                </a:solidFill>
+                <a:miter lim="800000"/>
+                <a:headEnd/>
+                <a:tailEnd/>
+              </a14:hiddenLine>
+            </a:ext>
+            <a:ext uri="{AF507438-7753-43E0-B8FC-AC1667EBCBE1}">
+              <a14:hiddenEffects xmlns:a14="http://schemas.microsoft.com/office/drawing/2010/main">
+                <a:effectLst>
+                  <a:outerShdw dist="35921" dir="2700000" algn="ctr" rotWithShape="0">
+                    <a:schemeClr val="bg2"/>
+                  </a:outerShdw>
+                </a:effectLst>
+              </a14:hiddenEffects>
+            </a:ext>
+          </a:extLst>
+        </p:spPr>
+        <p:txBody>
+          <a:bodyPr vert="horz" wrap="none" lIns="91440" tIns="45720" rIns="91440" bIns="45720" numCol="1" anchor="ctr" anchorCtr="0" compatLnSpc="1">
+            <a:prstTxWarp prst="textNoShape">
+              <a:avLst/>
+            </a:prstTxWarp>
+            <a:spAutoFit/>
+          </a:bodyPr>
+          <a:lstStyle/>
+          <a:p>
+            <a:endParaRPr lang="zh-CN" altLang="en-US"/>
+          </a:p>
+        </p:txBody>
+      </p:sp>
+    </p:spTree>
+    <p:extLst>
+      <p:ext uri="{BB962C8B-B14F-4D97-AF65-F5344CB8AC3E}">
+        <p14:creationId xmlns:p14="http://schemas.microsoft.com/office/powerpoint/2010/main" val="551344376"/>
+      </p:ext>
+    </p:extLst>
+  </p:cSld>
+  <p:clrMapOvr>
+    <a:masterClrMapping/>
+  </p:clrMapOvr>
+</p:sld>
+</file>
+
+<file path=ppt/slides/slide28.xml><?xml version="1.0" encoding="utf-8"?>
+<p:sld xmlns:a="http://schemas.openxmlformats.org/drawingml/2006/main" xmlns:r="http://schemas.openxmlformats.org/officeDocument/2006/relationships" xmlns:p="http://schemas.openxmlformats.org/presentationml/2006/main">
+  <p:cSld>
+    <p:spTree>
+      <p:nvGrpSpPr>
+        <p:cNvPr id="1" name=""/>
+        <p:cNvGrpSpPr/>
+        <p:nvPr/>
+      </p:nvGrpSpPr>
+      <p:grpSpPr>
+        <a:xfrm>
+          <a:off x="0" y="0"/>
+          <a:ext cx="0" cy="0"/>
+          <a:chOff x="0" y="0"/>
+          <a:chExt cx="0" cy="0"/>
+        </a:xfrm>
+      </p:grpSpPr>
+      <p:sp>
+        <p:nvSpPr>
+          <p:cNvPr id="8" name="副标题 2">
+            <a:extLst>
+              <a:ext uri="{FF2B5EF4-FFF2-40B4-BE49-F238E27FC236}">
+                <a16:creationId xmlns:a16="http://schemas.microsoft.com/office/drawing/2014/main" id="{9CFD6E50-AA4E-4C30-9601-D0B17FC987E2}"/>
+              </a:ext>
+            </a:extLst>
+          </p:cNvPr>
+          <p:cNvSpPr>
+            <a:spLocks noGrp="1"/>
+          </p:cNvSpPr>
+          <p:nvPr>
+            <p:ph type="subTitle" idx="1"/>
+          </p:nvPr>
+        </p:nvSpPr>
+        <p:spPr>
+          <a:xfrm>
+            <a:off x="887767" y="479392"/>
+            <a:ext cx="9780233" cy="5157927"/>
+          </a:xfrm>
+        </p:spPr>
+        <p:txBody>
+          <a:bodyPr>
+            <a:noAutofit/>
+          </a:bodyPr>
+          <a:lstStyle/>
+          <a:p>
+            <a:pPr algn="l"/>
+            <a:r>
+              <a:rPr lang="zh-CN" altLang="en-US" dirty="0"/>
+              <a:t>对生产任务跨区域分解策略的验证</a:t>
+            </a:r>
+            <a:endParaRPr lang="zh-CN" altLang="zh-CN" dirty="0"/>
+          </a:p>
+        </p:txBody>
+      </p:sp>
+      <p:sp>
+        <p:nvSpPr>
+          <p:cNvPr id="2" name="Rectangle 2">
+            <a:extLst>
+              <a:ext uri="{FF2B5EF4-FFF2-40B4-BE49-F238E27FC236}">
+                <a16:creationId xmlns:a16="http://schemas.microsoft.com/office/drawing/2014/main" id="{10EE25B2-DBAA-46C8-A057-293EFB05BB35}"/>
+              </a:ext>
+            </a:extLst>
+          </p:cNvPr>
+          <p:cNvSpPr>
+            <a:spLocks noChangeArrowheads="1"/>
+          </p:cNvSpPr>
+          <p:nvPr/>
+        </p:nvSpPr>
+        <p:spPr bwMode="auto">
+          <a:xfrm>
+            <a:off x="0" y="0"/>
+            <a:ext cx="12192000" cy="0"/>
+          </a:xfrm>
+          <a:prstGeom prst="rect">
+            <a:avLst/>
+          </a:prstGeom>
+          <a:noFill/>
+          <a:ln>
+            <a:noFill/>
+          </a:ln>
+          <a:effectLst/>
+          <a:extLst>
+            <a:ext uri="{909E8E84-426E-40DD-AFC4-6F175D3DCCD1}">
+              <a14:hiddenFill xmlns:a14="http://schemas.microsoft.com/office/drawing/2010/main">
+                <a:solidFill>
+                  <a:schemeClr val="accent1"/>
+                </a:solidFill>
+              </a14:hiddenFill>
+            </a:ext>
+            <a:ext uri="{91240B29-F687-4F45-9708-019B960494DF}">
+              <a14:hiddenLine xmlns:a14="http://schemas.microsoft.com/office/drawing/2010/main" w="9525">
+                <a:solidFill>
+                  <a:schemeClr val="tx1"/>
+                </a:solidFill>
+                <a:miter lim="800000"/>
+                <a:headEnd/>
+                <a:tailEnd/>
+              </a14:hiddenLine>
+            </a:ext>
+            <a:ext uri="{AF507438-7753-43E0-B8FC-AC1667EBCBE1}">
+              <a14:hiddenEffects xmlns:a14="http://schemas.microsoft.com/office/drawing/2010/main">
+                <a:effectLst>
+                  <a:outerShdw dist="35921" dir="2700000" algn="ctr" rotWithShape="0">
+                    <a:schemeClr val="bg2"/>
+                  </a:outerShdw>
+                </a:effectLst>
+              </a14:hiddenEffects>
+            </a:ext>
+          </a:extLst>
+        </p:spPr>
+        <p:txBody>
+          <a:bodyPr vert="horz" wrap="none" lIns="91440" tIns="45720" rIns="91440" bIns="45720" numCol="1" anchor="ctr" anchorCtr="0" compatLnSpc="1">
+            <a:prstTxWarp prst="textNoShape">
+              <a:avLst/>
+            </a:prstTxWarp>
+            <a:spAutoFit/>
+          </a:bodyPr>
+          <a:lstStyle/>
+          <a:p>
+            <a:endParaRPr lang="zh-CN" altLang="en-US"/>
+          </a:p>
+        </p:txBody>
+      </p:sp>
+    </p:spTree>
+    <p:extLst>
+      <p:ext uri="{BB962C8B-B14F-4D97-AF65-F5344CB8AC3E}">
+        <p14:creationId xmlns:p14="http://schemas.microsoft.com/office/powerpoint/2010/main" val="3649825006"/>
+      </p:ext>
+    </p:extLst>
+  </p:cSld>
+  <p:clrMapOvr>
+    <a:masterClrMapping/>
+  </p:clrMapOvr>
+</p:sld>
+</file>
+
+<file path=ppt/slides/slide29.xml><?xml version="1.0" encoding="utf-8"?>
+<p:sld xmlns:a="http://schemas.openxmlformats.org/drawingml/2006/main" xmlns:r="http://schemas.openxmlformats.org/officeDocument/2006/relationships" xmlns:p="http://schemas.openxmlformats.org/presentationml/2006/main">
+  <p:cSld>
+    <p:spTree>
+      <p:nvGrpSpPr>
+        <p:cNvPr id="1" name=""/>
+        <p:cNvGrpSpPr/>
+        <p:nvPr/>
+      </p:nvGrpSpPr>
+      <p:grpSpPr>
+        <a:xfrm>
+          <a:off x="0" y="0"/>
+          <a:ext cx="0" cy="0"/>
+          <a:chOff x="0" y="0"/>
+          <a:chExt cx="0" cy="0"/>
+        </a:xfrm>
+      </p:grpSpPr>
+      <p:sp>
+        <p:nvSpPr>
+          <p:cNvPr id="8" name="副标题 2">
+            <a:extLst>
+              <a:ext uri="{FF2B5EF4-FFF2-40B4-BE49-F238E27FC236}">
+                <a16:creationId xmlns:a16="http://schemas.microsoft.com/office/drawing/2014/main" id="{9CFD6E50-AA4E-4C30-9601-D0B17FC987E2}"/>
+              </a:ext>
+            </a:extLst>
+          </p:cNvPr>
+          <p:cNvSpPr>
+            <a:spLocks noGrp="1"/>
+          </p:cNvSpPr>
+          <p:nvPr>
+            <p:ph type="subTitle" idx="1"/>
+          </p:nvPr>
+        </p:nvSpPr>
+        <p:spPr>
+          <a:xfrm>
+            <a:off x="887767" y="479392"/>
+            <a:ext cx="9780233" cy="5157927"/>
+          </a:xfrm>
+        </p:spPr>
+        <p:txBody>
+          <a:bodyPr>
+            <a:noAutofit/>
+          </a:bodyPr>
+          <a:lstStyle/>
+          <a:p>
+            <a:pPr algn="l"/>
+            <a:r>
+              <a:rPr lang="zh-CN" altLang="en-US" dirty="0"/>
+              <a:t>生产任务跨区域分解策略的验证</a:t>
+            </a:r>
+            <a:endParaRPr lang="zh-CN" altLang="zh-CN" dirty="0"/>
+          </a:p>
+        </p:txBody>
+      </p:sp>
+      <p:sp>
+        <p:nvSpPr>
+          <p:cNvPr id="2" name="Rectangle 2">
+            <a:extLst>
+              <a:ext uri="{FF2B5EF4-FFF2-40B4-BE49-F238E27FC236}">
+                <a16:creationId xmlns:a16="http://schemas.microsoft.com/office/drawing/2014/main" id="{10EE25B2-DBAA-46C8-A057-293EFB05BB35}"/>
+              </a:ext>
+            </a:extLst>
+          </p:cNvPr>
+          <p:cNvSpPr>
+            <a:spLocks noChangeArrowheads="1"/>
+          </p:cNvSpPr>
+          <p:nvPr/>
+        </p:nvSpPr>
+        <p:spPr bwMode="auto">
+          <a:xfrm>
+            <a:off x="0" y="0"/>
+            <a:ext cx="12192000" cy="0"/>
+          </a:xfrm>
+          <a:prstGeom prst="rect">
+            <a:avLst/>
+          </a:prstGeom>
+          <a:noFill/>
+          <a:ln>
+            <a:noFill/>
+          </a:ln>
+          <a:effectLst/>
+          <a:extLst>
+            <a:ext uri="{909E8E84-426E-40DD-AFC4-6F175D3DCCD1}">
+              <a14:hiddenFill xmlns:a14="http://schemas.microsoft.com/office/drawing/2010/main">
+                <a:solidFill>
+                  <a:schemeClr val="accent1"/>
+                </a:solidFill>
+              </a14:hiddenFill>
+            </a:ext>
+            <a:ext uri="{91240B29-F687-4F45-9708-019B960494DF}">
+              <a14:hiddenLine xmlns:a14="http://schemas.microsoft.com/office/drawing/2010/main" w="9525">
+                <a:solidFill>
+                  <a:schemeClr val="tx1"/>
+                </a:solidFill>
+                <a:miter lim="800000"/>
+                <a:headEnd/>
+                <a:tailEnd/>
+              </a14:hiddenLine>
+            </a:ext>
+            <a:ext uri="{AF507438-7753-43E0-B8FC-AC1667EBCBE1}">
+              <a14:hiddenEffects xmlns:a14="http://schemas.microsoft.com/office/drawing/2010/main">
+                <a:effectLst>
+                  <a:outerShdw dist="35921" dir="2700000" algn="ctr" rotWithShape="0">
+                    <a:schemeClr val="bg2"/>
+                  </a:outerShdw>
+                </a:effectLst>
+              </a14:hiddenEffects>
+            </a:ext>
+          </a:extLst>
+        </p:spPr>
+        <p:txBody>
+          <a:bodyPr vert="horz" wrap="none" lIns="91440" tIns="45720" rIns="91440" bIns="45720" numCol="1" anchor="ctr" anchorCtr="0" compatLnSpc="1">
+            <a:prstTxWarp prst="textNoShape">
+              <a:avLst/>
+            </a:prstTxWarp>
+            <a:spAutoFit/>
+          </a:bodyPr>
+          <a:lstStyle/>
+          <a:p>
+            <a:endParaRPr lang="zh-CN" altLang="en-US"/>
+          </a:p>
+        </p:txBody>
+      </p:sp>
+    </p:spTree>
+    <p:extLst>
+      <p:ext uri="{BB962C8B-B14F-4D97-AF65-F5344CB8AC3E}">
+        <p14:creationId xmlns:p14="http://schemas.microsoft.com/office/powerpoint/2010/main" val="1211228327"/>
       </p:ext>
     </p:extLst>
   </p:cSld>
@@ -3608,6 +8017,473 @@
 </p:sld>
 </file>
 
+<file path=ppt/slides/slide30.xml><?xml version="1.0" encoding="utf-8"?>
+<p:sld xmlns:a="http://schemas.openxmlformats.org/drawingml/2006/main" xmlns:r="http://schemas.openxmlformats.org/officeDocument/2006/relationships" xmlns:p="http://schemas.openxmlformats.org/presentationml/2006/main">
+  <p:cSld>
+    <p:spTree>
+      <p:nvGrpSpPr>
+        <p:cNvPr id="1" name=""/>
+        <p:cNvGrpSpPr/>
+        <p:nvPr/>
+      </p:nvGrpSpPr>
+      <p:grpSpPr>
+        <a:xfrm>
+          <a:off x="0" y="0"/>
+          <a:ext cx="0" cy="0"/>
+          <a:chOff x="0" y="0"/>
+          <a:chExt cx="0" cy="0"/>
+        </a:xfrm>
+      </p:grpSpPr>
+      <p:sp>
+        <p:nvSpPr>
+          <p:cNvPr id="8" name="副标题 2">
+            <a:extLst>
+              <a:ext uri="{FF2B5EF4-FFF2-40B4-BE49-F238E27FC236}">
+                <a16:creationId xmlns:a16="http://schemas.microsoft.com/office/drawing/2014/main" id="{9CFD6E50-AA4E-4C30-9601-D0B17FC987E2}"/>
+              </a:ext>
+            </a:extLst>
+          </p:cNvPr>
+          <p:cNvSpPr>
+            <a:spLocks noGrp="1"/>
+          </p:cNvSpPr>
+          <p:nvPr>
+            <p:ph type="subTitle" idx="1"/>
+          </p:nvPr>
+        </p:nvSpPr>
+        <p:spPr>
+          <a:xfrm>
+            <a:off x="887767" y="479392"/>
+            <a:ext cx="9780233" cy="5157927"/>
+          </a:xfrm>
+        </p:spPr>
+        <p:txBody>
+          <a:bodyPr>
+            <a:noAutofit/>
+          </a:bodyPr>
+          <a:lstStyle/>
+          <a:p>
+            <a:pPr algn="l"/>
+            <a:r>
+              <a:rPr lang="zh-CN" altLang="en-US" b="1" dirty="0"/>
+              <a:t>对</a:t>
+            </a:r>
+            <a:r>
+              <a:rPr lang="zh-CN" altLang="zh-CN" b="1" dirty="0"/>
+              <a:t>设备故障条件下的多</a:t>
+            </a:r>
+            <a:r>
+              <a:rPr lang="en-US" altLang="zh-CN" b="1" dirty="0"/>
+              <a:t>Agent</a:t>
+            </a:r>
+            <a:r>
+              <a:rPr lang="zh-CN" altLang="zh-CN" b="1" dirty="0"/>
+              <a:t>异常调度策略</a:t>
+            </a:r>
+            <a:r>
+              <a:rPr lang="zh-CN" altLang="en-US" b="1" dirty="0"/>
+              <a:t>的验证</a:t>
+            </a:r>
+            <a:endParaRPr lang="zh-CN" altLang="zh-CN" dirty="0"/>
+          </a:p>
+        </p:txBody>
+      </p:sp>
+      <p:sp>
+        <p:nvSpPr>
+          <p:cNvPr id="2" name="Rectangle 2">
+            <a:extLst>
+              <a:ext uri="{FF2B5EF4-FFF2-40B4-BE49-F238E27FC236}">
+                <a16:creationId xmlns:a16="http://schemas.microsoft.com/office/drawing/2014/main" id="{10EE25B2-DBAA-46C8-A057-293EFB05BB35}"/>
+              </a:ext>
+            </a:extLst>
+          </p:cNvPr>
+          <p:cNvSpPr>
+            <a:spLocks noChangeArrowheads="1"/>
+          </p:cNvSpPr>
+          <p:nvPr/>
+        </p:nvSpPr>
+        <p:spPr bwMode="auto">
+          <a:xfrm>
+            <a:off x="0" y="0"/>
+            <a:ext cx="12192000" cy="0"/>
+          </a:xfrm>
+          <a:prstGeom prst="rect">
+            <a:avLst/>
+          </a:prstGeom>
+          <a:noFill/>
+          <a:ln>
+            <a:noFill/>
+          </a:ln>
+          <a:effectLst/>
+          <a:extLst>
+            <a:ext uri="{909E8E84-426E-40DD-AFC4-6F175D3DCCD1}">
+              <a14:hiddenFill xmlns:a14="http://schemas.microsoft.com/office/drawing/2010/main">
+                <a:solidFill>
+                  <a:schemeClr val="accent1"/>
+                </a:solidFill>
+              </a14:hiddenFill>
+            </a:ext>
+            <a:ext uri="{91240B29-F687-4F45-9708-019B960494DF}">
+              <a14:hiddenLine xmlns:a14="http://schemas.microsoft.com/office/drawing/2010/main" w="9525">
+                <a:solidFill>
+                  <a:schemeClr val="tx1"/>
+                </a:solidFill>
+                <a:miter lim="800000"/>
+                <a:headEnd/>
+                <a:tailEnd/>
+              </a14:hiddenLine>
+            </a:ext>
+            <a:ext uri="{AF507438-7753-43E0-B8FC-AC1667EBCBE1}">
+              <a14:hiddenEffects xmlns:a14="http://schemas.microsoft.com/office/drawing/2010/main">
+                <a:effectLst>
+                  <a:outerShdw dist="35921" dir="2700000" algn="ctr" rotWithShape="0">
+                    <a:schemeClr val="bg2"/>
+                  </a:outerShdw>
+                </a:effectLst>
+              </a14:hiddenEffects>
+            </a:ext>
+          </a:extLst>
+        </p:spPr>
+        <p:txBody>
+          <a:bodyPr vert="horz" wrap="none" lIns="91440" tIns="45720" rIns="91440" bIns="45720" numCol="1" anchor="ctr" anchorCtr="0" compatLnSpc="1">
+            <a:prstTxWarp prst="textNoShape">
+              <a:avLst/>
+            </a:prstTxWarp>
+            <a:spAutoFit/>
+          </a:bodyPr>
+          <a:lstStyle/>
+          <a:p>
+            <a:endParaRPr lang="zh-CN" altLang="en-US"/>
+          </a:p>
+        </p:txBody>
+      </p:sp>
+    </p:spTree>
+    <p:extLst>
+      <p:ext uri="{BB962C8B-B14F-4D97-AF65-F5344CB8AC3E}">
+        <p14:creationId xmlns:p14="http://schemas.microsoft.com/office/powerpoint/2010/main" val="837388668"/>
+      </p:ext>
+    </p:extLst>
+  </p:cSld>
+  <p:clrMapOvr>
+    <a:masterClrMapping/>
+  </p:clrMapOvr>
+</p:sld>
+</file>
+
+<file path=ppt/slides/slide31.xml><?xml version="1.0" encoding="utf-8"?>
+<p:sld xmlns:a="http://schemas.openxmlformats.org/drawingml/2006/main" xmlns:r="http://schemas.openxmlformats.org/officeDocument/2006/relationships" xmlns:p="http://schemas.openxmlformats.org/presentationml/2006/main">
+  <p:cSld>
+    <p:spTree>
+      <p:nvGrpSpPr>
+        <p:cNvPr id="1" name=""/>
+        <p:cNvGrpSpPr/>
+        <p:nvPr/>
+      </p:nvGrpSpPr>
+      <p:grpSpPr>
+        <a:xfrm>
+          <a:off x="0" y="0"/>
+          <a:ext cx="0" cy="0"/>
+          <a:chOff x="0" y="0"/>
+          <a:chExt cx="0" cy="0"/>
+        </a:xfrm>
+      </p:grpSpPr>
+      <p:sp>
+        <p:nvSpPr>
+          <p:cNvPr id="8" name="副标题 2">
+            <a:extLst>
+              <a:ext uri="{FF2B5EF4-FFF2-40B4-BE49-F238E27FC236}">
+                <a16:creationId xmlns:a16="http://schemas.microsoft.com/office/drawing/2014/main" id="{9CFD6E50-AA4E-4C30-9601-D0B17FC987E2}"/>
+              </a:ext>
+            </a:extLst>
+          </p:cNvPr>
+          <p:cNvSpPr>
+            <a:spLocks noGrp="1"/>
+          </p:cNvSpPr>
+          <p:nvPr>
+            <p:ph type="subTitle" idx="1"/>
+          </p:nvPr>
+        </p:nvSpPr>
+        <p:spPr>
+          <a:xfrm>
+            <a:off x="887767" y="479392"/>
+            <a:ext cx="9780233" cy="5157927"/>
+          </a:xfrm>
+        </p:spPr>
+        <p:txBody>
+          <a:bodyPr>
+            <a:noAutofit/>
+          </a:bodyPr>
+          <a:lstStyle/>
+          <a:p>
+            <a:pPr algn="l"/>
+            <a:r>
+              <a:rPr lang="zh-CN" altLang="en-US" sz="1800" b="1" dirty="0"/>
+              <a:t>总结与展望</a:t>
+            </a:r>
+            <a:endParaRPr lang="en-US" altLang="zh-CN" sz="1800" b="1" dirty="0"/>
+          </a:p>
+          <a:p>
+            <a:pPr algn="l"/>
+            <a:endParaRPr lang="en-US" altLang="zh-CN" sz="1800" b="1" dirty="0"/>
+          </a:p>
+          <a:p>
+            <a:pPr algn="l"/>
+            <a:r>
+              <a:rPr lang="zh-CN" altLang="en-US" sz="1800" b="1" dirty="0"/>
+              <a:t>主要工作和创新包括：</a:t>
+            </a:r>
+            <a:endParaRPr lang="en-US" altLang="zh-CN" sz="1800" b="1" dirty="0"/>
+          </a:p>
+          <a:p>
+            <a:pPr algn="l"/>
+            <a:r>
+              <a:rPr lang="zh-CN" altLang="en-US" sz="1800" dirty="0"/>
+              <a:t>（</a:t>
+            </a:r>
+            <a:r>
+              <a:rPr lang="en-US" altLang="zh-CN" sz="1800" dirty="0"/>
+              <a:t>1</a:t>
+            </a:r>
+            <a:r>
+              <a:rPr lang="zh-CN" altLang="en-US" sz="1800" dirty="0"/>
+              <a:t>）设计了生产任务跨区域分解策略，更符合制造企业的实际需求</a:t>
+            </a:r>
+            <a:endParaRPr lang="en-US" altLang="zh-CN" sz="1800" dirty="0"/>
+          </a:p>
+          <a:p>
+            <a:pPr algn="l"/>
+            <a:r>
+              <a:rPr lang="zh-CN" altLang="en-US" sz="1800" dirty="0"/>
+              <a:t>（</a:t>
+            </a:r>
+            <a:r>
+              <a:rPr lang="en-US" altLang="zh-CN" sz="1800" dirty="0"/>
+              <a:t>2</a:t>
+            </a:r>
+            <a:r>
+              <a:rPr lang="zh-CN" altLang="en-US" sz="1800" dirty="0"/>
+              <a:t>）利用多</a:t>
+            </a:r>
+            <a:r>
+              <a:rPr lang="en-US" altLang="zh-CN" sz="1800" dirty="0"/>
+              <a:t>Agent</a:t>
+            </a:r>
+            <a:r>
+              <a:rPr lang="zh-CN" altLang="en-US" sz="1800" dirty="0"/>
+              <a:t>系统中</a:t>
+            </a:r>
+            <a:r>
+              <a:rPr lang="en-US" altLang="zh-CN" sz="1800" dirty="0"/>
+              <a:t>Agent</a:t>
+            </a:r>
+            <a:r>
+              <a:rPr lang="zh-CN" altLang="en-US" sz="1800" dirty="0"/>
+              <a:t>的灵活交互实现企业对异常因素的快速响应</a:t>
+            </a:r>
+            <a:endParaRPr lang="en-US" altLang="zh-CN" sz="1800" dirty="0"/>
+          </a:p>
+          <a:p>
+            <a:pPr algn="l"/>
+            <a:r>
+              <a:rPr lang="zh-CN" altLang="en-US" sz="1800" dirty="0"/>
+              <a:t>（</a:t>
+            </a:r>
+            <a:r>
+              <a:rPr lang="en-US" altLang="zh-CN" sz="1800" dirty="0"/>
+              <a:t>3</a:t>
+            </a:r>
+            <a:r>
+              <a:rPr lang="zh-CN" altLang="en-US" sz="1800" dirty="0"/>
+              <a:t>）开发了多</a:t>
+            </a:r>
+            <a:r>
+              <a:rPr lang="en-US" altLang="zh-CN" sz="1800" dirty="0"/>
+              <a:t>Agent</a:t>
+            </a:r>
+            <a:r>
+              <a:rPr lang="zh-CN" altLang="en-US" sz="1800" dirty="0"/>
+              <a:t>柔性生产调度系统，集成了改进的蚁群算法，实现企业生产管理的自动化和智能化，保证生产效率。</a:t>
+            </a:r>
+            <a:endParaRPr lang="en-US" altLang="zh-CN" sz="1800" dirty="0"/>
+          </a:p>
+          <a:p>
+            <a:pPr algn="l"/>
+            <a:endParaRPr lang="en-US" altLang="zh-CN" sz="1800" dirty="0"/>
+          </a:p>
+          <a:p>
+            <a:pPr algn="l"/>
+            <a:r>
+              <a:rPr lang="zh-CN" altLang="en-US" sz="1800" dirty="0"/>
+              <a:t>不足之处和后续的工作开展：</a:t>
+            </a:r>
+            <a:endParaRPr lang="en-US" altLang="zh-CN" sz="1800" dirty="0"/>
+          </a:p>
+          <a:p>
+            <a:pPr algn="l"/>
+            <a:r>
+              <a:rPr lang="zh-CN" altLang="en-US" sz="1800" dirty="0"/>
+              <a:t>（</a:t>
+            </a:r>
+            <a:r>
+              <a:rPr lang="en-US" altLang="zh-CN" sz="1800" dirty="0"/>
+              <a:t>1</a:t>
+            </a:r>
+            <a:r>
+              <a:rPr lang="zh-CN" altLang="en-US" sz="1800" dirty="0"/>
+              <a:t>）调度算法是基于最小化最大完成时间的单目标优化算法，今后可考虑包括生产成本、机器负载等因素，并结合多种调度算法来提高系统生产调度的实用性。</a:t>
+            </a:r>
+            <a:endParaRPr lang="en-US" altLang="zh-CN" sz="1800" dirty="0"/>
+          </a:p>
+          <a:p>
+            <a:pPr algn="l"/>
+            <a:r>
+              <a:rPr lang="zh-CN" altLang="en-US" sz="1800" dirty="0"/>
+              <a:t>（</a:t>
+            </a:r>
+            <a:r>
+              <a:rPr lang="en-US" altLang="zh-CN" sz="1800" dirty="0"/>
+              <a:t>2</a:t>
+            </a:r>
+            <a:r>
+              <a:rPr lang="zh-CN" altLang="en-US" sz="1800" dirty="0"/>
+              <a:t>）在生产跨区域跨区域分解过程以及算法</a:t>
+            </a:r>
+            <a:r>
+              <a:rPr lang="en-US" altLang="zh-CN" sz="1800" dirty="0"/>
+              <a:t>Agent</a:t>
+            </a:r>
+            <a:r>
+              <a:rPr lang="zh-CN" altLang="en-US" sz="1800" dirty="0"/>
+              <a:t>调度算法过程中，可进一步考虑工件在设备、车间以及各地区工厂之间的转移时间对最终调度方案的影响</a:t>
+            </a:r>
+            <a:endParaRPr lang="en-US" altLang="zh-CN" sz="1800" dirty="0"/>
+          </a:p>
+          <a:p>
+            <a:pPr algn="l"/>
+            <a:r>
+              <a:rPr lang="zh-CN" altLang="en-US" sz="1800" dirty="0"/>
+              <a:t>（</a:t>
+            </a:r>
+            <a:r>
+              <a:rPr lang="en-US" altLang="zh-CN" sz="1800" dirty="0"/>
+              <a:t>3</a:t>
+            </a:r>
+            <a:r>
+              <a:rPr lang="zh-CN" altLang="en-US" sz="1800" dirty="0"/>
+              <a:t>）</a:t>
+            </a:r>
+            <a:r>
+              <a:rPr lang="zh-CN" altLang="zh-CN" sz="1800" dirty="0"/>
+              <a:t>由于条件所限，本文的调度系统是在单机环境下运行的</a:t>
+            </a:r>
+            <a:r>
+              <a:rPr lang="zh-CN" altLang="en-US" sz="1800" dirty="0"/>
+              <a:t>，并且是通过仿真的方式对系统的可行性进行验证，后续可</a:t>
+            </a:r>
+            <a:r>
+              <a:rPr lang="zh-CN" altLang="zh-CN" sz="1800" dirty="0"/>
+              <a:t>以互联网为媒介，实现真正的分布式多</a:t>
+            </a:r>
+            <a:r>
+              <a:rPr lang="en-US" altLang="zh-CN" sz="1800" dirty="0"/>
+              <a:t>Agent</a:t>
+            </a:r>
+            <a:r>
+              <a:rPr lang="zh-CN" altLang="zh-CN" sz="1800" dirty="0"/>
+              <a:t>系统</a:t>
+            </a:r>
+            <a:r>
+              <a:rPr lang="zh-CN" altLang="en-US" sz="1800" dirty="0"/>
+              <a:t>的同时，在企业实际的生产环境中进行系统的可行性验证</a:t>
+            </a:r>
+            <a:r>
+              <a:rPr lang="zh-CN" altLang="zh-CN" sz="1800" dirty="0"/>
+              <a:t>。</a:t>
+            </a:r>
+          </a:p>
+        </p:txBody>
+      </p:sp>
+      <p:sp>
+        <p:nvSpPr>
+          <p:cNvPr id="2" name="Rectangle 2">
+            <a:extLst>
+              <a:ext uri="{FF2B5EF4-FFF2-40B4-BE49-F238E27FC236}">
+                <a16:creationId xmlns:a16="http://schemas.microsoft.com/office/drawing/2014/main" id="{10EE25B2-DBAA-46C8-A057-293EFB05BB35}"/>
+              </a:ext>
+            </a:extLst>
+          </p:cNvPr>
+          <p:cNvSpPr>
+            <a:spLocks noChangeArrowheads="1"/>
+          </p:cNvSpPr>
+          <p:nvPr/>
+        </p:nvSpPr>
+        <p:spPr bwMode="auto">
+          <a:xfrm>
+            <a:off x="0" y="0"/>
+            <a:ext cx="12192000" cy="0"/>
+          </a:xfrm>
+          <a:prstGeom prst="rect">
+            <a:avLst/>
+          </a:prstGeom>
+          <a:noFill/>
+          <a:ln>
+            <a:noFill/>
+          </a:ln>
+          <a:effectLst/>
+          <a:extLst>
+            <a:ext uri="{909E8E84-426E-40DD-AFC4-6F175D3DCCD1}">
+              <a14:hiddenFill xmlns:a14="http://schemas.microsoft.com/office/drawing/2010/main">
+                <a:solidFill>
+                  <a:schemeClr val="accent1"/>
+                </a:solidFill>
+              </a14:hiddenFill>
+            </a:ext>
+            <a:ext uri="{91240B29-F687-4F45-9708-019B960494DF}">
+              <a14:hiddenLine xmlns:a14="http://schemas.microsoft.com/office/drawing/2010/main" w="9525">
+                <a:solidFill>
+                  <a:schemeClr val="tx1"/>
+                </a:solidFill>
+                <a:miter lim="800000"/>
+                <a:headEnd/>
+                <a:tailEnd/>
+              </a14:hiddenLine>
+            </a:ext>
+            <a:ext uri="{AF507438-7753-43E0-B8FC-AC1667EBCBE1}">
+              <a14:hiddenEffects xmlns:a14="http://schemas.microsoft.com/office/drawing/2010/main">
+                <a:effectLst>
+                  <a:outerShdw dist="35921" dir="2700000" algn="ctr" rotWithShape="0">
+                    <a:schemeClr val="bg2"/>
+                  </a:outerShdw>
+                </a:effectLst>
+              </a14:hiddenEffects>
+            </a:ext>
+          </a:extLst>
+        </p:spPr>
+        <p:txBody>
+          <a:bodyPr vert="horz" wrap="none" lIns="91440" tIns="45720" rIns="91440" bIns="45720" numCol="1" anchor="ctr" anchorCtr="0" compatLnSpc="1">
+            <a:prstTxWarp prst="textNoShape">
+              <a:avLst/>
+            </a:prstTxWarp>
+            <a:spAutoFit/>
+          </a:bodyPr>
+          <a:lstStyle/>
+          <a:p>
+            <a:endParaRPr lang="zh-CN" altLang="en-US"/>
+          </a:p>
+        </p:txBody>
+      </p:sp>
+    </p:spTree>
+    <p:extLst>
+      <p:ext uri="{BB962C8B-B14F-4D97-AF65-F5344CB8AC3E}">
+        <p14:creationId xmlns:p14="http://schemas.microsoft.com/office/powerpoint/2010/main" val="1148364067"/>
+      </p:ext>
+    </p:extLst>
+  </p:cSld>
+  <p:clrMapOvr>
+    <a:masterClrMapping/>
+  </p:clrMapOvr>
+</p:sld>
+</file>
+
 <file path=ppt/slides/slide4.xml><?xml version="1.0" encoding="utf-8"?>
 <p:sld xmlns:a="http://schemas.openxmlformats.org/drawingml/2006/main" xmlns:r="http://schemas.openxmlformats.org/officeDocument/2006/relationships" xmlns:p="http://schemas.openxmlformats.org/presentationml/2006/main">
   <p:cSld>
@@ -3847,7 +8723,15 @@
           <a:p>
             <a:r>
               <a:rPr lang="zh-CN" altLang="en-US" dirty="0"/>
-              <a:t>背景研究</a:t>
+              <a:t>多</a:t>
+            </a:r>
+            <a:r>
+              <a:rPr lang="en-US" altLang="zh-CN" dirty="0"/>
+              <a:t>Agent</a:t>
+            </a:r>
+            <a:r>
+              <a:rPr lang="zh-CN" altLang="en-US" dirty="0"/>
+              <a:t>调度系统设计</a:t>
             </a:r>
           </a:p>
         </p:txBody>
@@ -3856,6 +8740,939 @@
     <p:extLst>
       <p:ext uri="{BB962C8B-B14F-4D97-AF65-F5344CB8AC3E}">
         <p14:creationId xmlns:p14="http://schemas.microsoft.com/office/powerpoint/2010/main" val="4293716833"/>
+      </p:ext>
+    </p:extLst>
+  </p:cSld>
+  <p:clrMapOvr>
+    <a:masterClrMapping/>
+  </p:clrMapOvr>
+</p:sld>
+</file>
+
+<file path=ppt/slides/slide6.xml><?xml version="1.0" encoding="utf-8"?>
+<p:sld xmlns:a="http://schemas.openxmlformats.org/drawingml/2006/main" xmlns:r="http://schemas.openxmlformats.org/officeDocument/2006/relationships" xmlns:p="http://schemas.openxmlformats.org/presentationml/2006/main">
+  <p:cSld>
+    <p:spTree>
+      <p:nvGrpSpPr>
+        <p:cNvPr id="1" name=""/>
+        <p:cNvGrpSpPr/>
+        <p:nvPr/>
+      </p:nvGrpSpPr>
+      <p:grpSpPr>
+        <a:xfrm>
+          <a:off x="0" y="0"/>
+          <a:ext cx="0" cy="0"/>
+          <a:chOff x="0" y="0"/>
+          <a:chExt cx="0" cy="0"/>
+        </a:xfrm>
+      </p:grpSpPr>
+      <p:sp>
+        <p:nvSpPr>
+          <p:cNvPr id="8" name="副标题 2">
+            <a:extLst>
+              <a:ext uri="{FF2B5EF4-FFF2-40B4-BE49-F238E27FC236}">
+                <a16:creationId xmlns:a16="http://schemas.microsoft.com/office/drawing/2014/main" id="{9CFD6E50-AA4E-4C30-9601-D0B17FC987E2}"/>
+              </a:ext>
+            </a:extLst>
+          </p:cNvPr>
+          <p:cNvSpPr>
+            <a:spLocks noGrp="1"/>
+          </p:cNvSpPr>
+          <p:nvPr>
+            <p:ph type="subTitle" idx="1"/>
+          </p:nvPr>
+        </p:nvSpPr>
+        <p:spPr>
+          <a:xfrm>
+            <a:off x="976544" y="479393"/>
+            <a:ext cx="9691456" cy="4545368"/>
+          </a:xfrm>
+        </p:spPr>
+        <p:txBody>
+          <a:bodyPr>
+            <a:noAutofit/>
+          </a:bodyPr>
+          <a:lstStyle/>
+          <a:p>
+            <a:pPr algn="l"/>
+            <a:r>
+              <a:rPr lang="zh-CN" altLang="en-US" sz="1800" dirty="0"/>
+              <a:t>系统功能分析：</a:t>
+            </a:r>
+            <a:endParaRPr lang="en-US" altLang="zh-CN" sz="1800" dirty="0"/>
+          </a:p>
+          <a:p>
+            <a:pPr algn="l"/>
+            <a:r>
+              <a:rPr lang="en-US" altLang="zh-CN" sz="1800" dirty="0"/>
+              <a:t>1</a:t>
+            </a:r>
+            <a:r>
+              <a:rPr lang="zh-CN" altLang="en-US" sz="1800" dirty="0"/>
+              <a:t>、接收并处理生产订单</a:t>
+            </a:r>
+            <a:endParaRPr lang="en-US" altLang="zh-CN" sz="1800" dirty="0"/>
+          </a:p>
+          <a:p>
+            <a:pPr algn="l"/>
+            <a:r>
+              <a:rPr lang="zh-CN" altLang="zh-CN" sz="1800" dirty="0"/>
+              <a:t>提炼客户对产品数量、精度、规格、交货期等要求</a:t>
+            </a:r>
+            <a:r>
+              <a:rPr lang="zh-CN" altLang="en-US" sz="1800" dirty="0"/>
+              <a:t>，进行订单审核</a:t>
+            </a:r>
+            <a:endParaRPr lang="en-US" altLang="zh-CN" sz="1800" dirty="0"/>
+          </a:p>
+          <a:p>
+            <a:pPr algn="l"/>
+            <a:r>
+              <a:rPr lang="en-US" altLang="zh-CN" sz="1800" dirty="0"/>
+              <a:t>2</a:t>
+            </a:r>
+            <a:r>
+              <a:rPr lang="zh-CN" altLang="en-US" sz="1800" dirty="0"/>
+              <a:t>、订单任务分解与分配</a:t>
+            </a:r>
+            <a:endParaRPr lang="en-US" altLang="zh-CN" sz="1800" dirty="0"/>
+          </a:p>
+          <a:p>
+            <a:pPr algn="l"/>
+            <a:r>
+              <a:rPr lang="zh-CN" altLang="zh-CN" sz="1800" dirty="0"/>
+              <a:t>工件的工序集合，根据工序在机器选择和加工路径的柔性特点计算调度方案，并向生产设备下达加工任务</a:t>
+            </a:r>
+            <a:endParaRPr lang="en-US" altLang="zh-CN" sz="1800" dirty="0"/>
+          </a:p>
+          <a:p>
+            <a:pPr algn="l"/>
+            <a:r>
+              <a:rPr lang="en-US" altLang="zh-CN" sz="1800" dirty="0"/>
+              <a:t>3</a:t>
+            </a:r>
+            <a:r>
+              <a:rPr lang="zh-CN" altLang="en-US" sz="1800" dirty="0"/>
+              <a:t>、异常调度</a:t>
+            </a:r>
+            <a:endParaRPr lang="en-US" altLang="zh-CN" sz="1800" dirty="0"/>
+          </a:p>
+          <a:p>
+            <a:pPr algn="l"/>
+            <a:r>
+              <a:rPr lang="zh-CN" altLang="zh-CN" sz="1800" dirty="0"/>
+              <a:t>能够快速响应如订单撤销、紧急订单、设备故障等异常因素，开启异常调度，尽量降低原生产计划对交货期、加工成本和设备负荷的影响</a:t>
+            </a:r>
+            <a:endParaRPr lang="en-US" altLang="zh-CN" sz="1800" dirty="0"/>
+          </a:p>
+          <a:p>
+            <a:pPr algn="l"/>
+            <a:r>
+              <a:rPr lang="en-US" altLang="zh-CN" sz="1800" dirty="0"/>
+              <a:t>4</a:t>
+            </a:r>
+            <a:r>
+              <a:rPr lang="zh-CN" altLang="en-US" sz="1800" dirty="0"/>
+              <a:t>、自动化管理</a:t>
+            </a:r>
+            <a:endParaRPr lang="en-US" altLang="zh-CN" sz="1800" dirty="0"/>
+          </a:p>
+          <a:p>
+            <a:pPr algn="l"/>
+            <a:r>
+              <a:rPr lang="zh-CN" altLang="zh-CN" sz="1800" dirty="0"/>
+              <a:t>对系统数据的高效管理，包括工艺信息、制造资源信息、历史工作信息、设备故障信息</a:t>
+            </a:r>
+            <a:endParaRPr lang="en-US" altLang="zh-CN" sz="1800" dirty="0"/>
+          </a:p>
+          <a:p>
+            <a:pPr algn="l"/>
+            <a:endParaRPr lang="en-US" altLang="zh-CN" sz="1800" dirty="0"/>
+          </a:p>
+          <a:p>
+            <a:pPr algn="l"/>
+            <a:r>
+              <a:rPr lang="zh-CN" altLang="en-US" sz="1800" dirty="0"/>
+              <a:t>对应的，本研究的调度系统</a:t>
+            </a:r>
+            <a:r>
+              <a:rPr lang="zh-CN" altLang="zh-CN" sz="1800" dirty="0"/>
+              <a:t>分别设计了五类</a:t>
+            </a:r>
+            <a:r>
+              <a:rPr lang="en-US" altLang="zh-CN" sz="1800" dirty="0"/>
+              <a:t>Agent</a:t>
+            </a:r>
+            <a:r>
+              <a:rPr lang="zh-CN" altLang="zh-CN" sz="1800" dirty="0"/>
+              <a:t>，包括管理</a:t>
+            </a:r>
+            <a:r>
+              <a:rPr lang="en-US" altLang="zh-CN" sz="1800" dirty="0"/>
+              <a:t>Agent</a:t>
+            </a:r>
+            <a:r>
+              <a:rPr lang="zh-CN" altLang="zh-CN" sz="1800" dirty="0"/>
+              <a:t>、资源</a:t>
+            </a:r>
+            <a:r>
+              <a:rPr lang="en-US" altLang="zh-CN" sz="1800" dirty="0"/>
+              <a:t>Agent</a:t>
+            </a:r>
+            <a:r>
+              <a:rPr lang="zh-CN" altLang="zh-CN" sz="1800" dirty="0"/>
+              <a:t>、工艺</a:t>
+            </a:r>
+            <a:r>
+              <a:rPr lang="en-US" altLang="zh-CN" sz="1800" dirty="0"/>
+              <a:t>Agent</a:t>
+            </a:r>
+            <a:r>
+              <a:rPr lang="zh-CN" altLang="zh-CN" sz="1800" dirty="0"/>
+              <a:t>、算法</a:t>
+            </a:r>
+            <a:r>
+              <a:rPr lang="en-US" altLang="zh-CN" sz="1800" dirty="0"/>
+              <a:t>Agent</a:t>
+            </a:r>
+            <a:r>
+              <a:rPr lang="zh-CN" altLang="zh-CN" sz="1800" dirty="0"/>
+              <a:t>、和监控</a:t>
+            </a:r>
+            <a:r>
+              <a:rPr lang="en-US" altLang="zh-CN" sz="1800" dirty="0"/>
+              <a:t>Agent</a:t>
+            </a:r>
+            <a:endParaRPr lang="zh-CN" altLang="en-US" sz="1800" dirty="0"/>
+          </a:p>
+        </p:txBody>
+      </p:sp>
+    </p:spTree>
+    <p:extLst>
+      <p:ext uri="{BB962C8B-B14F-4D97-AF65-F5344CB8AC3E}">
+        <p14:creationId xmlns:p14="http://schemas.microsoft.com/office/powerpoint/2010/main" val="69950565"/>
+      </p:ext>
+    </p:extLst>
+  </p:cSld>
+  <p:clrMapOvr>
+    <a:masterClrMapping/>
+  </p:clrMapOvr>
+</p:sld>
+</file>
+
+<file path=ppt/slides/slide7.xml><?xml version="1.0" encoding="utf-8"?>
+<p:sld xmlns:a="http://schemas.openxmlformats.org/drawingml/2006/main" xmlns:r="http://schemas.openxmlformats.org/officeDocument/2006/relationships" xmlns:p="http://schemas.openxmlformats.org/presentationml/2006/main">
+  <p:cSld>
+    <p:spTree>
+      <p:nvGrpSpPr>
+        <p:cNvPr id="1" name=""/>
+        <p:cNvGrpSpPr/>
+        <p:nvPr/>
+      </p:nvGrpSpPr>
+      <p:grpSpPr>
+        <a:xfrm>
+          <a:off x="0" y="0"/>
+          <a:ext cx="0" cy="0"/>
+          <a:chOff x="0" y="0"/>
+          <a:chExt cx="0" cy="0"/>
+        </a:xfrm>
+      </p:grpSpPr>
+      <p:sp>
+        <p:nvSpPr>
+          <p:cNvPr id="8" name="副标题 2">
+            <a:extLst>
+              <a:ext uri="{FF2B5EF4-FFF2-40B4-BE49-F238E27FC236}">
+                <a16:creationId xmlns:a16="http://schemas.microsoft.com/office/drawing/2014/main" id="{9CFD6E50-AA4E-4C30-9601-D0B17FC987E2}"/>
+              </a:ext>
+            </a:extLst>
+          </p:cNvPr>
+          <p:cNvSpPr>
+            <a:spLocks noGrp="1"/>
+          </p:cNvSpPr>
+          <p:nvPr>
+            <p:ph type="subTitle" idx="1"/>
+          </p:nvPr>
+        </p:nvSpPr>
+        <p:spPr>
+          <a:xfrm>
+            <a:off x="976544" y="479393"/>
+            <a:ext cx="9691456" cy="4545368"/>
+          </a:xfrm>
+        </p:spPr>
+        <p:txBody>
+          <a:bodyPr>
+            <a:normAutofit/>
+          </a:bodyPr>
+          <a:lstStyle/>
+          <a:p>
+            <a:pPr algn="l"/>
+            <a:r>
+              <a:rPr lang="zh-CN" altLang="en-US" sz="1800" dirty="0"/>
+              <a:t>资源</a:t>
+            </a:r>
+            <a:r>
+              <a:rPr lang="en-US" altLang="zh-CN" sz="1800" dirty="0"/>
+              <a:t>Agent</a:t>
+            </a:r>
+            <a:r>
+              <a:rPr lang="zh-CN" altLang="en-US" sz="1800" dirty="0"/>
+              <a:t>：代表制造企业内的制造资源，分为车间</a:t>
+            </a:r>
+            <a:r>
+              <a:rPr lang="en-US" altLang="zh-CN" sz="1800" dirty="0"/>
+              <a:t>Agent</a:t>
+            </a:r>
+            <a:r>
+              <a:rPr lang="zh-CN" altLang="en-US" sz="1800" dirty="0"/>
+              <a:t>和设备</a:t>
+            </a:r>
+            <a:r>
+              <a:rPr lang="en-US" altLang="zh-CN" sz="1800" dirty="0"/>
+              <a:t>Agent</a:t>
+            </a:r>
+            <a:r>
+              <a:rPr lang="zh-CN" altLang="en-US" sz="1800" dirty="0"/>
+              <a:t>。</a:t>
+            </a:r>
+            <a:r>
+              <a:rPr lang="zh-CN" altLang="zh-CN" sz="1800" dirty="0"/>
+              <a:t>设备</a:t>
+            </a:r>
+            <a:r>
+              <a:rPr lang="en-US" altLang="zh-CN" sz="1800" dirty="0"/>
+              <a:t>Agent</a:t>
+            </a:r>
+            <a:r>
+              <a:rPr lang="zh-CN" altLang="zh-CN" sz="1800" dirty="0"/>
+              <a:t>对应一个加工设备，记录设备的各项信息，包括设备名称、编号、工作状态、加工能力等；车间</a:t>
+            </a:r>
+            <a:r>
+              <a:rPr lang="en-US" altLang="zh-CN" sz="1800" dirty="0"/>
+              <a:t>Agent</a:t>
+            </a:r>
+            <a:r>
+              <a:rPr lang="zh-CN" altLang="zh-CN" sz="1800" dirty="0"/>
+              <a:t>对应系统内的一个车间，负责对该车间中的设备</a:t>
+            </a:r>
+            <a:r>
+              <a:rPr lang="en-US" altLang="zh-CN" sz="1800" dirty="0"/>
+              <a:t>Agent</a:t>
+            </a:r>
+            <a:r>
+              <a:rPr lang="zh-CN" altLang="zh-CN" sz="1800" dirty="0"/>
+              <a:t>进行管理</a:t>
+            </a:r>
+            <a:r>
+              <a:rPr lang="zh-CN" altLang="en-US" sz="1800" dirty="0"/>
+              <a:t>。</a:t>
+            </a:r>
+            <a:r>
+              <a:rPr lang="zh-CN" altLang="zh-CN" sz="1800" dirty="0"/>
+              <a:t>根据企业制造资源的分布式特点，同属一座工厂内的车间</a:t>
+            </a:r>
+            <a:r>
+              <a:rPr lang="en-US" altLang="zh-CN" sz="1800" dirty="0"/>
+              <a:t>Agent</a:t>
+            </a:r>
+            <a:r>
+              <a:rPr lang="zh-CN" altLang="zh-CN" sz="1800" dirty="0"/>
+              <a:t>和设备</a:t>
+            </a:r>
+            <a:r>
+              <a:rPr lang="en-US" altLang="zh-CN" sz="1800" dirty="0"/>
+              <a:t>Agent</a:t>
+            </a:r>
+            <a:r>
+              <a:rPr lang="zh-CN" altLang="zh-CN" sz="1800" dirty="0"/>
+              <a:t>构成一个资源</a:t>
+            </a:r>
+            <a:r>
+              <a:rPr lang="en-US" altLang="zh-CN" sz="1800" dirty="0"/>
+              <a:t>Agent</a:t>
+            </a:r>
+            <a:r>
+              <a:rPr lang="zh-CN" altLang="zh-CN" sz="1800" dirty="0"/>
+              <a:t>组</a:t>
+            </a:r>
+            <a:r>
+              <a:rPr lang="zh-CN" altLang="en-US" sz="1800" dirty="0"/>
+              <a:t>。</a:t>
+            </a:r>
+            <a:endParaRPr lang="en-US" altLang="zh-CN" sz="1800" dirty="0"/>
+          </a:p>
+          <a:p>
+            <a:pPr algn="l"/>
+            <a:endParaRPr lang="en-US" altLang="zh-CN" sz="1800" dirty="0"/>
+          </a:p>
+          <a:p>
+            <a:pPr algn="l"/>
+            <a:r>
+              <a:rPr lang="zh-CN" altLang="en-US" sz="1800" dirty="0"/>
+              <a:t>管理</a:t>
+            </a:r>
+            <a:r>
+              <a:rPr lang="en-US" altLang="zh-CN" sz="1800" dirty="0"/>
+              <a:t>Agent</a:t>
+            </a:r>
+            <a:r>
+              <a:rPr lang="zh-CN" altLang="en-US" sz="1800" dirty="0"/>
+              <a:t>：</a:t>
+            </a:r>
+            <a:r>
+              <a:rPr lang="zh-CN" altLang="zh-CN" sz="1800" dirty="0"/>
+              <a:t>分为全局管理</a:t>
+            </a:r>
+            <a:r>
+              <a:rPr lang="en-US" altLang="zh-CN" sz="1800" dirty="0"/>
+              <a:t>Agent</a:t>
+            </a:r>
+            <a:r>
+              <a:rPr lang="zh-CN" altLang="zh-CN" sz="1800" dirty="0"/>
+              <a:t>和子管理</a:t>
+            </a:r>
+            <a:r>
+              <a:rPr lang="en-US" altLang="zh-CN" sz="1800" dirty="0"/>
+              <a:t>Agent</a:t>
+            </a:r>
+            <a:r>
+              <a:rPr lang="zh-CN" altLang="zh-CN" sz="1800" dirty="0"/>
+              <a:t>。全局管理</a:t>
+            </a:r>
+            <a:r>
+              <a:rPr lang="en-US" altLang="zh-CN" sz="1800" dirty="0"/>
+              <a:t>Agent</a:t>
+            </a:r>
+            <a:r>
+              <a:rPr lang="zh-CN" altLang="zh-CN" sz="1800" dirty="0"/>
+              <a:t>相当于系统内部的管理员，协调</a:t>
+            </a:r>
+            <a:r>
+              <a:rPr lang="en-US" altLang="zh-CN" sz="1800" dirty="0"/>
+              <a:t>Agent</a:t>
+            </a:r>
+            <a:r>
+              <a:rPr lang="zh-CN" altLang="zh-CN" sz="1800" dirty="0"/>
+              <a:t>间的通信和任务配合流程。每个</a:t>
+            </a:r>
+            <a:r>
+              <a:rPr lang="en-US" altLang="zh-CN" sz="1800" dirty="0"/>
+              <a:t>Agent</a:t>
+            </a:r>
+            <a:r>
+              <a:rPr lang="zh-CN" altLang="zh-CN" sz="1800" dirty="0"/>
+              <a:t>在启动运行后需在全局管理</a:t>
+            </a:r>
+            <a:r>
+              <a:rPr lang="en-US" altLang="zh-CN" sz="1800" dirty="0"/>
+              <a:t>Agent</a:t>
+            </a:r>
+            <a:r>
+              <a:rPr lang="zh-CN" altLang="zh-CN" sz="1800" dirty="0"/>
+              <a:t>注册自身的通信标识，通信标识是</a:t>
+            </a:r>
+            <a:r>
+              <a:rPr lang="en-US" altLang="zh-CN" sz="1800" dirty="0"/>
+              <a:t>Agent</a:t>
+            </a:r>
+            <a:r>
+              <a:rPr lang="zh-CN" altLang="zh-CN" sz="1800" dirty="0"/>
+              <a:t>间通信和任务协调的重要依据。其次全局管理</a:t>
+            </a:r>
+            <a:r>
+              <a:rPr lang="en-US" altLang="zh-CN" sz="1800" dirty="0"/>
+              <a:t>Agent</a:t>
+            </a:r>
+            <a:r>
+              <a:rPr lang="zh-CN" altLang="zh-CN" sz="1800" dirty="0"/>
+              <a:t>作为系统对外的通信接口，负责接收并审核来自客户的生产订单，根据交货期对订单任务进行优先级排序，协调资源</a:t>
+            </a:r>
+            <a:r>
+              <a:rPr lang="en-US" altLang="zh-CN" sz="1800" dirty="0"/>
+              <a:t>Agent</a:t>
+            </a:r>
+            <a:r>
+              <a:rPr lang="zh-CN" altLang="zh-CN" sz="1800" dirty="0"/>
+              <a:t>和算法</a:t>
+            </a:r>
+            <a:r>
+              <a:rPr lang="en-US" altLang="zh-CN" sz="1800" dirty="0"/>
+              <a:t>Agent</a:t>
+            </a:r>
+            <a:r>
+              <a:rPr lang="zh-CN" altLang="zh-CN" sz="1800" dirty="0"/>
+              <a:t>对任务进行分解分配工作。同属一个地区工厂的资源</a:t>
+            </a:r>
+            <a:r>
+              <a:rPr lang="en-US" altLang="zh-CN" sz="1800" dirty="0"/>
+              <a:t>Agent</a:t>
+            </a:r>
+            <a:r>
+              <a:rPr lang="zh-CN" altLang="zh-CN" sz="1800" dirty="0"/>
+              <a:t>将构成一个资源</a:t>
+            </a:r>
+            <a:r>
+              <a:rPr lang="en-US" altLang="zh-CN" sz="1800" dirty="0"/>
+              <a:t>Agent</a:t>
+            </a:r>
+            <a:r>
+              <a:rPr lang="zh-CN" altLang="zh-CN" sz="1800" dirty="0"/>
+              <a:t>组，而子管理</a:t>
+            </a:r>
+            <a:r>
+              <a:rPr lang="en-US" altLang="zh-CN" sz="1800" dirty="0"/>
+              <a:t>Agent</a:t>
+            </a:r>
+            <a:r>
+              <a:rPr lang="zh-CN" altLang="zh-CN" sz="1800" dirty="0"/>
+              <a:t>是系统分配给一个资源</a:t>
+            </a:r>
+            <a:r>
+              <a:rPr lang="en-US" altLang="zh-CN" sz="1800" dirty="0"/>
+              <a:t>Agent</a:t>
+            </a:r>
+            <a:r>
+              <a:rPr lang="zh-CN" altLang="zh-CN" sz="1800" dirty="0"/>
+              <a:t>组的管理员，作为</a:t>
+            </a:r>
+            <a:r>
+              <a:rPr lang="en-US" altLang="zh-CN" sz="1800" dirty="0"/>
+              <a:t>Agent</a:t>
+            </a:r>
+            <a:r>
+              <a:rPr lang="zh-CN" altLang="zh-CN" sz="1800" dirty="0"/>
+              <a:t>组与全局管理</a:t>
+            </a:r>
+            <a:r>
+              <a:rPr lang="en-US" altLang="zh-CN" sz="1800" dirty="0"/>
+              <a:t>Agent</a:t>
+            </a:r>
+            <a:r>
+              <a:rPr lang="zh-CN" altLang="zh-CN" sz="1800" dirty="0"/>
+              <a:t>通信的主要接口。当子管理</a:t>
+            </a:r>
+            <a:r>
+              <a:rPr lang="en-US" altLang="zh-CN" sz="1800" dirty="0"/>
+              <a:t>Agent</a:t>
+            </a:r>
+            <a:r>
+              <a:rPr lang="zh-CN" altLang="zh-CN" sz="1800" dirty="0"/>
+              <a:t>接收到全局管理</a:t>
+            </a:r>
+            <a:r>
+              <a:rPr lang="en-US" altLang="zh-CN" sz="1800" dirty="0"/>
+              <a:t>Agent</a:t>
+            </a:r>
+            <a:r>
+              <a:rPr lang="zh-CN" altLang="zh-CN" sz="1800" dirty="0"/>
+              <a:t>传递的订单任务后，根据其下车间</a:t>
+            </a:r>
+            <a:r>
+              <a:rPr lang="en-US" altLang="zh-CN" sz="1800" dirty="0"/>
+              <a:t>Agent</a:t>
+            </a:r>
+            <a:r>
+              <a:rPr lang="zh-CN" altLang="zh-CN" sz="1800" dirty="0"/>
+              <a:t>的设备配置和加工能力来判断能否完成该任务。</a:t>
+            </a:r>
+            <a:endParaRPr lang="en-US" altLang="zh-CN" sz="1800" dirty="0"/>
+          </a:p>
+          <a:p>
+            <a:pPr algn="l"/>
+            <a:endParaRPr lang="zh-CN" altLang="en-US" sz="1800" dirty="0"/>
+          </a:p>
+        </p:txBody>
+      </p:sp>
+    </p:spTree>
+    <p:extLst>
+      <p:ext uri="{BB962C8B-B14F-4D97-AF65-F5344CB8AC3E}">
+        <p14:creationId xmlns:p14="http://schemas.microsoft.com/office/powerpoint/2010/main" val="2949852615"/>
+      </p:ext>
+    </p:extLst>
+  </p:cSld>
+  <p:clrMapOvr>
+    <a:masterClrMapping/>
+  </p:clrMapOvr>
+</p:sld>
+</file>
+
+<file path=ppt/slides/slide8.xml><?xml version="1.0" encoding="utf-8"?>
+<p:sld xmlns:a="http://schemas.openxmlformats.org/drawingml/2006/main" xmlns:r="http://schemas.openxmlformats.org/officeDocument/2006/relationships" xmlns:p="http://schemas.openxmlformats.org/presentationml/2006/main">
+  <p:cSld>
+    <p:spTree>
+      <p:nvGrpSpPr>
+        <p:cNvPr id="1" name=""/>
+        <p:cNvGrpSpPr/>
+        <p:nvPr/>
+      </p:nvGrpSpPr>
+      <p:grpSpPr>
+        <a:xfrm>
+          <a:off x="0" y="0"/>
+          <a:ext cx="0" cy="0"/>
+          <a:chOff x="0" y="0"/>
+          <a:chExt cx="0" cy="0"/>
+        </a:xfrm>
+      </p:grpSpPr>
+      <p:sp>
+        <p:nvSpPr>
+          <p:cNvPr id="8" name="副标题 2">
+            <a:extLst>
+              <a:ext uri="{FF2B5EF4-FFF2-40B4-BE49-F238E27FC236}">
+                <a16:creationId xmlns:a16="http://schemas.microsoft.com/office/drawing/2014/main" id="{9CFD6E50-AA4E-4C30-9601-D0B17FC987E2}"/>
+              </a:ext>
+            </a:extLst>
+          </p:cNvPr>
+          <p:cNvSpPr>
+            <a:spLocks noGrp="1"/>
+          </p:cNvSpPr>
+          <p:nvPr>
+            <p:ph type="subTitle" idx="1"/>
+          </p:nvPr>
+        </p:nvSpPr>
+        <p:spPr>
+          <a:xfrm>
+            <a:off x="976544" y="479393"/>
+            <a:ext cx="9691456" cy="4545368"/>
+          </a:xfrm>
+        </p:spPr>
+        <p:txBody>
+          <a:bodyPr>
+            <a:normAutofit/>
+          </a:bodyPr>
+          <a:lstStyle/>
+          <a:p>
+            <a:pPr algn="l"/>
+            <a:r>
+              <a:rPr lang="zh-CN" altLang="zh-CN" sz="1800" dirty="0"/>
+              <a:t>工艺</a:t>
+            </a:r>
+            <a:r>
+              <a:rPr lang="en-US" altLang="zh-CN" sz="1800" dirty="0"/>
+              <a:t>Agent: </a:t>
+            </a:r>
+            <a:r>
+              <a:rPr lang="zh-CN" altLang="zh-CN" sz="1800" dirty="0"/>
+              <a:t>负责对系统的产品工艺信息进行管理，为其他</a:t>
+            </a:r>
+            <a:r>
+              <a:rPr lang="en-US" altLang="zh-CN" sz="1800" dirty="0"/>
+              <a:t>Agent</a:t>
+            </a:r>
+            <a:r>
+              <a:rPr lang="zh-CN" altLang="zh-CN" sz="1800" dirty="0"/>
+              <a:t>提供数据查询服务</a:t>
+            </a:r>
+            <a:endParaRPr lang="en-US" altLang="zh-CN" sz="1800" dirty="0"/>
+          </a:p>
+          <a:p>
+            <a:pPr algn="l"/>
+            <a:endParaRPr lang="en-US" altLang="zh-CN" sz="1800" dirty="0"/>
+          </a:p>
+          <a:p>
+            <a:pPr algn="l"/>
+            <a:r>
+              <a:rPr lang="zh-CN" altLang="zh-CN" sz="1800" dirty="0"/>
+              <a:t>监控</a:t>
+            </a:r>
+            <a:r>
+              <a:rPr lang="en-US" altLang="zh-CN" sz="1800" dirty="0"/>
+              <a:t>Agent:</a:t>
+            </a:r>
+            <a:r>
+              <a:rPr lang="zh-CN" altLang="zh-CN" sz="1800" dirty="0"/>
+              <a:t>代表系统内的检测设备。监控</a:t>
+            </a:r>
+            <a:r>
+              <a:rPr lang="en-US" altLang="zh-CN" sz="1800" dirty="0"/>
+              <a:t>Agent</a:t>
+            </a:r>
+            <a:r>
+              <a:rPr lang="zh-CN" altLang="zh-CN" sz="1800" dirty="0"/>
+              <a:t>读取监控设备采集的设备工作状态信息，</a:t>
+            </a:r>
+            <a:r>
+              <a:rPr lang="zh-CN" altLang="en-US" sz="1800" dirty="0"/>
+              <a:t>传递故障信息，通知开启异常调度</a:t>
+            </a:r>
+            <a:r>
+              <a:rPr lang="zh-CN" altLang="zh-CN" sz="1800" dirty="0"/>
+              <a:t>。</a:t>
+            </a:r>
+            <a:endParaRPr lang="en-US" altLang="zh-CN" sz="1800" dirty="0"/>
+          </a:p>
+          <a:p>
+            <a:pPr algn="l"/>
+            <a:endParaRPr lang="zh-CN" altLang="zh-CN" sz="1800" dirty="0"/>
+          </a:p>
+          <a:p>
+            <a:pPr algn="l"/>
+            <a:r>
+              <a:rPr lang="zh-CN" altLang="zh-CN" sz="1800" dirty="0"/>
+              <a:t>算法</a:t>
+            </a:r>
+            <a:r>
+              <a:rPr lang="en-US" altLang="zh-CN" sz="1800" dirty="0"/>
+              <a:t>Agent: </a:t>
+            </a:r>
+            <a:r>
+              <a:rPr lang="zh-CN" altLang="zh-CN" sz="1800" dirty="0"/>
+              <a:t>封装了调度系统内的算法逻辑，基于特定的设备集合和生产任务为资源</a:t>
+            </a:r>
+            <a:r>
+              <a:rPr lang="en-US" altLang="zh-CN" sz="1800" dirty="0"/>
+              <a:t>Agent</a:t>
+            </a:r>
+            <a:r>
+              <a:rPr lang="zh-CN" altLang="zh-CN" sz="1800" dirty="0"/>
+              <a:t>组提供调度方案的计算服务。本文的算法</a:t>
+            </a:r>
+            <a:r>
+              <a:rPr lang="en-US" altLang="zh-CN" sz="1800" dirty="0"/>
+              <a:t>Agent</a:t>
+            </a:r>
+            <a:r>
+              <a:rPr lang="zh-CN" altLang="zh-CN" sz="1800" dirty="0"/>
+              <a:t>选择了基于改进蚁群算法的柔性作业车间调度算法。</a:t>
+            </a:r>
+            <a:endParaRPr lang="en-US" altLang="zh-CN" sz="1800" dirty="0"/>
+          </a:p>
+          <a:p>
+            <a:pPr algn="l"/>
+            <a:endParaRPr lang="en-US" altLang="zh-CN" sz="1800" dirty="0"/>
+          </a:p>
+          <a:p>
+            <a:pPr algn="l"/>
+            <a:r>
+              <a:rPr lang="zh-CN" altLang="en-US" sz="1800" dirty="0"/>
+              <a:t>最终系统的结构为：</a:t>
+            </a:r>
+          </a:p>
+        </p:txBody>
+      </p:sp>
+      <p:sp>
+        <p:nvSpPr>
+          <p:cNvPr id="2" name="Rectangle 2">
+            <a:extLst>
+              <a:ext uri="{FF2B5EF4-FFF2-40B4-BE49-F238E27FC236}">
+                <a16:creationId xmlns:a16="http://schemas.microsoft.com/office/drawing/2014/main" id="{09CF579B-3060-4D68-8D8C-CA3DBC5193F1}"/>
+              </a:ext>
+            </a:extLst>
+          </p:cNvPr>
+          <p:cNvSpPr>
+            <a:spLocks noChangeArrowheads="1"/>
+          </p:cNvSpPr>
+          <p:nvPr/>
+        </p:nvSpPr>
+        <p:spPr bwMode="auto">
+          <a:xfrm>
+            <a:off x="0" y="0"/>
+            <a:ext cx="12192000" cy="0"/>
+          </a:xfrm>
+          <a:prstGeom prst="rect">
+            <a:avLst/>
+          </a:prstGeom>
+          <a:noFill/>
+          <a:ln>
+            <a:noFill/>
+          </a:ln>
+          <a:effectLst/>
+          <a:extLst>
+            <a:ext uri="{909E8E84-426E-40DD-AFC4-6F175D3DCCD1}">
+              <a14:hiddenFill xmlns:a14="http://schemas.microsoft.com/office/drawing/2010/main">
+                <a:solidFill>
+                  <a:schemeClr val="accent1"/>
+                </a:solidFill>
+              </a14:hiddenFill>
+            </a:ext>
+            <a:ext uri="{91240B29-F687-4F45-9708-019B960494DF}">
+              <a14:hiddenLine xmlns:a14="http://schemas.microsoft.com/office/drawing/2010/main" w="9525">
+                <a:solidFill>
+                  <a:schemeClr val="tx1"/>
+                </a:solidFill>
+                <a:miter lim="800000"/>
+                <a:headEnd/>
+                <a:tailEnd/>
+              </a14:hiddenLine>
+            </a:ext>
+            <a:ext uri="{AF507438-7753-43E0-B8FC-AC1667EBCBE1}">
+              <a14:hiddenEffects xmlns:a14="http://schemas.microsoft.com/office/drawing/2010/main">
+                <a:effectLst>
+                  <a:outerShdw dist="35921" dir="2700000" algn="ctr" rotWithShape="0">
+                    <a:schemeClr val="bg2"/>
+                  </a:outerShdw>
+                </a:effectLst>
+              </a14:hiddenEffects>
+            </a:ext>
+          </a:extLst>
+        </p:spPr>
+        <p:txBody>
+          <a:bodyPr vert="horz" wrap="none" lIns="91440" tIns="45720" rIns="91440" bIns="45720" numCol="1" anchor="ctr" anchorCtr="0" compatLnSpc="1">
+            <a:prstTxWarp prst="textNoShape">
+              <a:avLst/>
+            </a:prstTxWarp>
+            <a:spAutoFit/>
+          </a:bodyPr>
+          <a:lstStyle/>
+          <a:p>
+            <a:endParaRPr lang="zh-CN" altLang="en-US"/>
+          </a:p>
+        </p:txBody>
+      </p:sp>
+      <p:graphicFrame>
+        <p:nvGraphicFramePr>
+          <p:cNvPr id="3" name="对象 2">
+            <a:extLst>
+              <a:ext uri="{FF2B5EF4-FFF2-40B4-BE49-F238E27FC236}">
+                <a16:creationId xmlns:a16="http://schemas.microsoft.com/office/drawing/2014/main" id="{32977406-25B9-47F6-A2D1-89B9C4CBE688}"/>
+              </a:ext>
+            </a:extLst>
+          </p:cNvPr>
+          <p:cNvGraphicFramePr>
+            <a:graphicFrameLocks noChangeAspect="1"/>
+          </p:cNvGraphicFramePr>
+          <p:nvPr>
+            <p:extLst>
+              <p:ext uri="{D42A27DB-BD31-4B8C-83A1-F6EECF244321}">
+                <p14:modId xmlns:p14="http://schemas.microsoft.com/office/powerpoint/2010/main" val="2028580098"/>
+              </p:ext>
+            </p:extLst>
+          </p:nvPr>
+        </p:nvGraphicFramePr>
+        <p:xfrm>
+          <a:off x="2281561" y="2469979"/>
+          <a:ext cx="5914682" cy="2918767"/>
+        </p:xfrm>
+        <a:graphic>
+          <a:graphicData uri="http://schemas.openxmlformats.org/presentationml/2006/ole">
+            <mc:AlternateContent xmlns:mc="http://schemas.openxmlformats.org/markup-compatibility/2006">
+              <mc:Choice xmlns:v="urn:schemas-microsoft-com:vml" Requires="v">
+                <p:oleObj spid="_x0000_s1060" name="Visio" r:id="rId3" imgW="2867085" imgH="1409762" progId="Visio.Drawing.15">
+                  <p:embed/>
+                </p:oleObj>
+              </mc:Choice>
+              <mc:Fallback>
+                <p:oleObj name="Visio" r:id="rId3" imgW="2867085" imgH="1409762" progId="Visio.Drawing.15">
+                  <p:embed/>
+                  <p:pic>
+                    <p:nvPicPr>
+                      <p:cNvPr id="0" name="Object 1"/>
+                      <p:cNvPicPr>
+                        <a:picLocks noChangeAspect="1" noChangeArrowheads="1"/>
+                      </p:cNvPicPr>
+                      <p:nvPr/>
+                    </p:nvPicPr>
+                    <p:blipFill>
+                      <a:blip r:embed="rId4">
+                        <a:extLst>
+                          <a:ext uri="{28A0092B-C50C-407E-A947-70E740481C1C}">
+                            <a14:useLocalDpi xmlns:a14="http://schemas.microsoft.com/office/drawing/2010/main" val="0"/>
+                          </a:ext>
+                        </a:extLst>
+                      </a:blip>
+                      <a:srcRect/>
+                      <a:stretch>
+                        <a:fillRect/>
+                      </a:stretch>
+                    </p:blipFill>
+                    <p:spPr bwMode="auto">
+                      <a:xfrm>
+                        <a:off x="2281561" y="2469979"/>
+                        <a:ext cx="5914682" cy="2918767"/>
+                      </a:xfrm>
+                      <a:prstGeom prst="rect">
+                        <a:avLst/>
+                      </a:prstGeom>
+                      <a:noFill/>
+                    </p:spPr>
+                  </p:pic>
+                </p:oleObj>
+              </mc:Fallback>
+            </mc:AlternateContent>
+          </a:graphicData>
+        </a:graphic>
+      </p:graphicFrame>
+    </p:spTree>
+    <p:extLst>
+      <p:ext uri="{BB962C8B-B14F-4D97-AF65-F5344CB8AC3E}">
+        <p14:creationId xmlns:p14="http://schemas.microsoft.com/office/powerpoint/2010/main" val="694704870"/>
+      </p:ext>
+    </p:extLst>
+  </p:cSld>
+  <p:clrMapOvr>
+    <a:masterClrMapping/>
+  </p:clrMapOvr>
+</p:sld>
+</file>
+
+<file path=ppt/slides/slide9.xml><?xml version="1.0" encoding="utf-8"?>
+<p:sld xmlns:a="http://schemas.openxmlformats.org/drawingml/2006/main" xmlns:r="http://schemas.openxmlformats.org/officeDocument/2006/relationships" xmlns:p="http://schemas.openxmlformats.org/presentationml/2006/main">
+  <p:cSld>
+    <p:spTree>
+      <p:nvGrpSpPr>
+        <p:cNvPr id="1" name=""/>
+        <p:cNvGrpSpPr/>
+        <p:nvPr/>
+      </p:nvGrpSpPr>
+      <p:grpSpPr>
+        <a:xfrm>
+          <a:off x="0" y="0"/>
+          <a:ext cx="0" cy="0"/>
+          <a:chOff x="0" y="0"/>
+          <a:chExt cx="0" cy="0"/>
+        </a:xfrm>
+      </p:grpSpPr>
+      <p:sp>
+        <p:nvSpPr>
+          <p:cNvPr id="2" name="标题 1">
+            <a:extLst>
+              <a:ext uri="{FF2B5EF4-FFF2-40B4-BE49-F238E27FC236}">
+                <a16:creationId xmlns:a16="http://schemas.microsoft.com/office/drawing/2014/main" id="{F9DE3B63-B259-4545-BF5E-35030AA15785}"/>
+              </a:ext>
+            </a:extLst>
+          </p:cNvPr>
+          <p:cNvSpPr>
+            <a:spLocks noGrp="1"/>
+          </p:cNvSpPr>
+          <p:nvPr>
+            <p:ph type="ctrTitle"/>
+          </p:nvPr>
+        </p:nvSpPr>
+        <p:spPr>
+          <a:xfrm>
+            <a:off x="1586144" y="1734923"/>
+            <a:ext cx="9144000" cy="2387600"/>
+          </a:xfrm>
+        </p:spPr>
+        <p:txBody>
+          <a:bodyPr/>
+          <a:lstStyle/>
+          <a:p>
+            <a:r>
+              <a:rPr lang="zh-CN" altLang="en-US" dirty="0"/>
+              <a:t>多</a:t>
+            </a:r>
+            <a:r>
+              <a:rPr lang="en-US" altLang="zh-CN" dirty="0"/>
+              <a:t>Agent</a:t>
+            </a:r>
+            <a:r>
+              <a:rPr lang="zh-CN" altLang="en-US" dirty="0"/>
+              <a:t>调度系统中</a:t>
+            </a:r>
+            <a:r>
+              <a:rPr lang="en-US" altLang="zh-CN" dirty="0"/>
+              <a:t>Agent</a:t>
+            </a:r>
+            <a:r>
+              <a:rPr lang="zh-CN" altLang="en-US" dirty="0"/>
+              <a:t>的协作机制</a:t>
+            </a:r>
+          </a:p>
+        </p:txBody>
+      </p:sp>
+    </p:spTree>
+    <p:extLst>
+      <p:ext uri="{BB962C8B-B14F-4D97-AF65-F5344CB8AC3E}">
+        <p14:creationId xmlns:p14="http://schemas.microsoft.com/office/powerpoint/2010/main" val="863607078"/>
       </p:ext>
     </p:extLst>
   </p:cSld>
